--- a/document_slide/slide.pptx
+++ b/document_slide/slide.pptx
@@ -6,7 +6,7 @@
     <p:sldMasterId id="2147483661" r:id="rId2"/>
   </p:sldMasterIdLst>
   <p:notesMasterIdLst>
-    <p:notesMasterId r:id="rId20"/>
+    <p:notesMasterId r:id="rId17"/>
   </p:notesMasterIdLst>
   <p:sldIdLst>
     <p:sldId id="256" r:id="rId3"/>
@@ -20,12 +20,9 @@
     <p:sldId id="270" r:id="rId11"/>
     <p:sldId id="266" r:id="rId12"/>
     <p:sldId id="267" r:id="rId13"/>
-    <p:sldId id="279" r:id="rId14"/>
-    <p:sldId id="277" r:id="rId15"/>
-    <p:sldId id="272" r:id="rId16"/>
-    <p:sldId id="273" r:id="rId17"/>
-    <p:sldId id="274" r:id="rId18"/>
-    <p:sldId id="275" r:id="rId19"/>
+    <p:sldId id="272" r:id="rId14"/>
+    <p:sldId id="275" r:id="rId15"/>
+    <p:sldId id="276" r:id="rId16"/>
   </p:sldIdLst>
   <p:sldSz cx="9144000" cy="6858000" type="screen4x3"/>
   <p:notesSz cx="6858000" cy="9144000"/>
@@ -225,7 +222,7 @@
           <a:p>
             <a:fld id="{5F609D4A-8C95-4084-B08B-187B018FD4CB}" type="datetimeFigureOut">
               <a:rPr lang="en-US" smtClean="0"/>
-              <a:t>4/29/2021</a:t>
+              <a:t>6/15/2021</a:t>
             </a:fld>
             <a:endParaRPr lang="en-US"/>
           </a:p>
@@ -950,7 +947,7 @@
           <a:p>
             <a:fld id="{18DCCD61-643D-44A5-A450-3A42A50CBC1E}" type="datetimeFigureOut">
               <a:rPr lang="en-US" smtClean="0"/>
-              <a:t>4/29/2021</a:t>
+              <a:t>6/15/2021</a:t>
             </a:fld>
             <a:endParaRPr lang="en-US"/>
           </a:p>
@@ -1225,7 +1222,7 @@
           <a:p>
             <a:fld id="{18DCCD61-643D-44A5-A450-3A42A50CBC1E}" type="datetimeFigureOut">
               <a:rPr lang="en-US" smtClean="0"/>
-              <a:t>4/29/2021</a:t>
+              <a:t>6/15/2021</a:t>
             </a:fld>
             <a:endParaRPr lang="en-US"/>
           </a:p>
@@ -1477,7 +1474,7 @@
           <a:p>
             <a:fld id="{18DCCD61-643D-44A5-A450-3A42A50CBC1E}" type="datetimeFigureOut">
               <a:rPr lang="en-US" smtClean="0"/>
-              <a:t>4/29/2021</a:t>
+              <a:t>6/15/2021</a:t>
             </a:fld>
             <a:endParaRPr lang="en-US"/>
           </a:p>
@@ -1645,7 +1642,7 @@
           <a:p>
             <a:fld id="{18DCCD61-643D-44A5-A450-3A42A50CBC1E}" type="datetimeFigureOut">
               <a:rPr lang="en-US" smtClean="0"/>
-              <a:t>4/29/2021</a:t>
+              <a:t>6/15/2021</a:t>
             </a:fld>
             <a:endParaRPr lang="en-US"/>
           </a:p>
@@ -1823,7 +1820,7 @@
           <a:p>
             <a:fld id="{18DCCD61-643D-44A5-A450-3A42A50CBC1E}" type="datetimeFigureOut">
               <a:rPr lang="en-US" smtClean="0"/>
-              <a:t>4/29/2021</a:t>
+              <a:t>6/15/2021</a:t>
             </a:fld>
             <a:endParaRPr lang="en-US"/>
           </a:p>
@@ -2411,7 +2408,7 @@
           <a:p>
             <a:fld id="{18DCCD61-643D-44A5-A450-3A42A50CBC1E}" type="datetimeFigureOut">
               <a:rPr lang="en-US" smtClean="0"/>
-              <a:t>4/29/2021</a:t>
+              <a:t>6/15/2021</a:t>
             </a:fld>
             <a:endParaRPr lang="en-US"/>
           </a:p>
@@ -2579,7 +2576,7 @@
           <a:p>
             <a:fld id="{18DCCD61-643D-44A5-A450-3A42A50CBC1E}" type="datetimeFigureOut">
               <a:rPr lang="en-US" smtClean="0"/>
-              <a:t>4/29/2021</a:t>
+              <a:t>6/15/2021</a:t>
             </a:fld>
             <a:endParaRPr lang="en-US"/>
           </a:p>
@@ -2824,7 +2821,7 @@
           <a:p>
             <a:fld id="{18DCCD61-643D-44A5-A450-3A42A50CBC1E}" type="datetimeFigureOut">
               <a:rPr lang="en-US" smtClean="0"/>
-              <a:t>4/29/2021</a:t>
+              <a:t>6/15/2021</a:t>
             </a:fld>
             <a:endParaRPr lang="en-US"/>
           </a:p>
@@ -3109,7 +3106,7 @@
           <a:p>
             <a:fld id="{18DCCD61-643D-44A5-A450-3A42A50CBC1E}" type="datetimeFigureOut">
               <a:rPr lang="en-US" smtClean="0"/>
-              <a:t>4/29/2021</a:t>
+              <a:t>6/15/2021</a:t>
             </a:fld>
             <a:endParaRPr lang="en-US"/>
           </a:p>
@@ -3528,7 +3525,7 @@
           <a:p>
             <a:fld id="{18DCCD61-643D-44A5-A450-3A42A50CBC1E}" type="datetimeFigureOut">
               <a:rPr lang="en-US" smtClean="0"/>
-              <a:t>4/29/2021</a:t>
+              <a:t>6/15/2021</a:t>
             </a:fld>
             <a:endParaRPr lang="en-US"/>
           </a:p>
@@ -3645,7 +3642,7 @@
           <a:p>
             <a:fld id="{18DCCD61-643D-44A5-A450-3A42A50CBC1E}" type="datetimeFigureOut">
               <a:rPr lang="en-US" smtClean="0"/>
-              <a:t>4/29/2021</a:t>
+              <a:t>6/15/2021</a:t>
             </a:fld>
             <a:endParaRPr lang="en-US"/>
           </a:p>
@@ -4147,7 +4144,7 @@
           <a:p>
             <a:fld id="{18DCCD61-643D-44A5-A450-3A42A50CBC1E}" type="datetimeFigureOut">
               <a:rPr lang="en-US" smtClean="0"/>
-              <a:t>4/29/2021</a:t>
+              <a:t>6/15/2021</a:t>
             </a:fld>
             <a:endParaRPr lang="en-US"/>
           </a:p>
@@ -4816,24 +4813,50 @@
           <a:chExt cx="0" cy="0"/>
         </a:xfrm>
       </p:grpSpPr>
+      <p:sp>
+        <p:nvSpPr>
+          <p:cNvPr id="2" name="Title 1">
+            <a:extLst>
+              <a:ext uri="{FF2B5EF4-FFF2-40B4-BE49-F238E27FC236}">
+                <a16:creationId xmlns:a16="http://schemas.microsoft.com/office/drawing/2014/main" id="{0FE03B7B-7185-4454-803B-B106D441A7B4}"/>
+              </a:ext>
+            </a:extLst>
+          </p:cNvPr>
+          <p:cNvSpPr>
+            <a:spLocks noGrp="1"/>
+          </p:cNvSpPr>
+          <p:nvPr>
+            <p:ph type="title"/>
+          </p:nvPr>
+        </p:nvSpPr>
+        <p:spPr/>
+        <p:txBody>
+          <a:bodyPr/>
+          <a:lstStyle/>
+          <a:p>
+            <a:r>
+              <a:rPr lang="en-US" dirty="0"/>
+              <a:t>2. Sequence Diagram</a:t>
+            </a:r>
+          </a:p>
+        </p:txBody>
+      </p:sp>
       <p:pic>
         <p:nvPicPr>
-          <p:cNvPr id="6" name="Content Placeholder 5">
+          <p:cNvPr id="4" name="Picture 3">
             <a:extLst>
               <a:ext uri="{FF2B5EF4-FFF2-40B4-BE49-F238E27FC236}">
-                <a16:creationId xmlns:a16="http://schemas.microsoft.com/office/drawing/2014/main" id="{872B9E63-8740-48EA-B645-FE478059BE5B}"/>
+                <a16:creationId xmlns:a16="http://schemas.microsoft.com/office/drawing/2014/main" id="{52CB27B3-D6EB-4427-A6EC-090FCBCB9187}"/>
               </a:ext>
             </a:extLst>
           </p:cNvPr>
           <p:cNvPicPr>
-            <a:picLocks noGrp="1" noChangeAspect="1"/>
+            <a:picLocks noChangeAspect="1"/>
           </p:cNvPicPr>
-          <p:nvPr>
-            <p:ph idx="1"/>
-          </p:nvPr>
+          <p:nvPr/>
         </p:nvPicPr>
         <p:blipFill>
-          <a:blip r:embed="rId2" cstate="print">
+          <a:blip r:embed="rId2">
             <a:extLst>
               <a:ext uri="{28A0092B-C50C-407E-A947-70E740481C1C}">
                 <a14:useLocalDpi xmlns:a14="http://schemas.microsoft.com/office/drawing/2010/main" val="0"/>
@@ -4846,15 +4869,74 @@
         </p:blipFill>
         <p:spPr>
           <a:xfrm>
-            <a:off x="0" y="692696"/>
-            <a:ext cx="9144000" cy="5684110"/>
+            <a:off x="0" y="1893764"/>
+            <a:ext cx="9144000" cy="3263428"/>
           </a:xfrm>
+          <a:prstGeom prst="rect">
+            <a:avLst/>
+          </a:prstGeom>
         </p:spPr>
       </p:pic>
+      <p:sp>
+        <p:nvSpPr>
+          <p:cNvPr id="5" name="TextBox 4">
+            <a:extLst>
+              <a:ext uri="{FF2B5EF4-FFF2-40B4-BE49-F238E27FC236}">
+                <a16:creationId xmlns:a16="http://schemas.microsoft.com/office/drawing/2014/main" id="{A1A81D01-CE5F-492D-BCA1-3753E456CF6F}"/>
+              </a:ext>
+            </a:extLst>
+          </p:cNvPr>
+          <p:cNvSpPr txBox="1"/>
+          <p:nvPr/>
+        </p:nvSpPr>
+        <p:spPr>
+          <a:xfrm>
+            <a:off x="107504" y="1556792"/>
+            <a:ext cx="7200800" cy="369332"/>
+          </a:xfrm>
+          <a:prstGeom prst="rect">
+            <a:avLst/>
+          </a:prstGeom>
+          <a:noFill/>
+        </p:spPr>
+        <p:txBody>
+          <a:bodyPr wrap="square" rtlCol="0">
+            <a:spAutoFit/>
+          </a:bodyPr>
+          <a:lstStyle/>
+          <a:p>
+            <a:r>
+              <a:rPr lang="en-US" dirty="0"/>
+              <a:t>Sequence diagram :</a:t>
+            </a:r>
+            <a:r>
+              <a:rPr lang="en-US" dirty="0" err="1"/>
+              <a:t>Tìm</a:t>
+            </a:r>
+            <a:r>
+              <a:rPr lang="en-US" dirty="0"/>
+              <a:t> </a:t>
+            </a:r>
+            <a:r>
+              <a:rPr lang="en-US" dirty="0" err="1"/>
+              <a:t>kiếm</a:t>
+            </a:r>
+            <a:r>
+              <a:rPr lang="en-US" dirty="0"/>
+              <a:t> </a:t>
+            </a:r>
+            <a:r>
+              <a:rPr lang="en-US" dirty="0" err="1"/>
+              <a:t>phòng</a:t>
+            </a:r>
+            <a:endParaRPr lang="en-US" dirty="0"/>
+          </a:p>
+        </p:txBody>
+      </p:sp>
     </p:spTree>
     <p:extLst>
       <p:ext uri="{BB962C8B-B14F-4D97-AF65-F5344CB8AC3E}">
-        <p14:creationId xmlns:p14="http://schemas.microsoft.com/office/powerpoint/2010/main" val="2557782723"/>
+        <p14:creationId xmlns:p14="http://schemas.microsoft.com/office/powerpoint/2010/main" val="1063607830"/>
       </p:ext>
     </p:extLst>
   </p:cSld>
@@ -4881,45 +4963,88 @@
           <a:chExt cx="0" cy="0"/>
         </a:xfrm>
       </p:grpSpPr>
-      <p:pic>
-        <p:nvPicPr>
-          <p:cNvPr id="6" name="Content Placeholder 5">
+      <p:sp>
+        <p:nvSpPr>
+          <p:cNvPr id="2" name="Title 1">
             <a:extLst>
               <a:ext uri="{FF2B5EF4-FFF2-40B4-BE49-F238E27FC236}">
-                <a16:creationId xmlns:a16="http://schemas.microsoft.com/office/drawing/2014/main" id="{CAC49F8E-D182-4199-9491-2CE7B2C43A43}"/>
+                <a16:creationId xmlns:a16="http://schemas.microsoft.com/office/drawing/2014/main" id="{4F41B563-AB95-40D0-9DC3-CDEEA14DDE23}"/>
               </a:ext>
             </a:extLst>
           </p:cNvPr>
-          <p:cNvPicPr>
-            <a:picLocks noGrp="1" noChangeAspect="1"/>
-          </p:cNvPicPr>
-          <p:nvPr>
-            <p:ph idx="1"/>
-          </p:nvPr>
-        </p:nvPicPr>
-        <p:blipFill>
-          <a:blip r:embed="rId2" cstate="print">
+          <p:cNvSpPr>
+            <a:spLocks noGrp="1"/>
+          </p:cNvSpPr>
+          <p:nvPr>
+            <p:ph type="title"/>
+          </p:nvPr>
+        </p:nvSpPr>
+        <p:spPr/>
+        <p:txBody>
+          <a:bodyPr/>
+          <a:lstStyle/>
+          <a:p>
+            <a:r>
+              <a:rPr lang="en-US" dirty="0"/>
+              <a:t>3. Class diagram</a:t>
+            </a:r>
+          </a:p>
+        </p:txBody>
+      </p:sp>
+      <p:sp>
+        <p:nvSpPr>
+          <p:cNvPr id="3" name="Content Placeholder 2">
             <a:extLst>
-              <a:ext uri="{28A0092B-C50C-407E-A947-70E740481C1C}">
-                <a14:useLocalDpi xmlns:a14="http://schemas.microsoft.com/office/drawing/2010/main" val="0"/>
+              <a:ext uri="{FF2B5EF4-FFF2-40B4-BE49-F238E27FC236}">
+                <a16:creationId xmlns:a16="http://schemas.microsoft.com/office/drawing/2014/main" id="{64BF1040-DE12-488B-A4D4-84961826F1BF}"/>
               </a:ext>
             </a:extLst>
-          </a:blip>
-          <a:stretch>
-            <a:fillRect/>
-          </a:stretch>
-        </p:blipFill>
-        <p:spPr>
-          <a:xfrm>
-            <a:off x="1547664" y="0"/>
-            <a:ext cx="8202339" cy="6858000"/>
-          </a:xfrm>
-        </p:spPr>
-      </p:pic>
+          </p:cNvPr>
+          <p:cNvSpPr>
+            <a:spLocks noGrp="1"/>
+          </p:cNvSpPr>
+          <p:nvPr>
+            <p:ph idx="1"/>
+          </p:nvPr>
+        </p:nvSpPr>
+        <p:spPr/>
+        <p:txBody>
+          <a:bodyPr/>
+          <a:lstStyle/>
+          <a:p>
+            <a:endParaRPr lang="en-US" dirty="0"/>
+          </a:p>
+        </p:txBody>
+      </p:sp>
+      <p:sp>
+        <p:nvSpPr>
+          <p:cNvPr id="4" name="Content Placeholder 3">
+            <a:extLst>
+              <a:ext uri="{FF2B5EF4-FFF2-40B4-BE49-F238E27FC236}">
+                <a16:creationId xmlns:a16="http://schemas.microsoft.com/office/drawing/2014/main" id="{9094AADD-2CC2-4593-A4BB-4E001E9AE636}"/>
+              </a:ext>
+            </a:extLst>
+          </p:cNvPr>
+          <p:cNvSpPr>
+            <a:spLocks noGrp="1"/>
+          </p:cNvSpPr>
+          <p:nvPr>
+            <p:ph idx="10"/>
+          </p:nvPr>
+        </p:nvSpPr>
+        <p:spPr/>
+        <p:txBody>
+          <a:bodyPr/>
+          <a:lstStyle/>
+          <a:p>
+            <a:endParaRPr lang="en-US"/>
+          </a:p>
+        </p:txBody>
+      </p:sp>
     </p:spTree>
     <p:extLst>
       <p:ext uri="{BB962C8B-B14F-4D97-AF65-F5344CB8AC3E}">
-        <p14:creationId xmlns:p14="http://schemas.microsoft.com/office/powerpoint/2010/main" val="2952189530"/>
+        <p14:creationId xmlns:p14="http://schemas.microsoft.com/office/powerpoint/2010/main" val="1004340069"/>
       </p:ext>
     </p:extLst>
   </p:cSld>
@@ -4951,7 +5076,7 @@
           <p:cNvPr id="2" name="Title 1">
             <a:extLst>
               <a:ext uri="{FF2B5EF4-FFF2-40B4-BE49-F238E27FC236}">
-                <a16:creationId xmlns:a16="http://schemas.microsoft.com/office/drawing/2014/main" id="{0FE03B7B-7185-4454-803B-B106D441A7B4}"/>
+                <a16:creationId xmlns:a16="http://schemas.microsoft.com/office/drawing/2014/main" id="{3F52AD2F-0F30-48ED-BA83-0A644CE1E27B}"/>
               </a:ext>
             </a:extLst>
           </p:cNvPr>
@@ -4969,343 +5094,70 @@
           <a:p>
             <a:r>
               <a:rPr lang="en-US" dirty="0"/>
-              <a:t>2. Sequence Diagram</a:t>
-            </a:r>
-          </a:p>
-        </p:txBody>
-      </p:sp>
-      <p:pic>
-        <p:nvPicPr>
-          <p:cNvPr id="10" name="Picture 9">
+              <a:t>4. </a:t>
+            </a:r>
+            <a:r>
+              <a:rPr lang="en-US" dirty="0" err="1"/>
+              <a:t>Databaase</a:t>
+            </a:r>
+            <a:endParaRPr lang="en-US" dirty="0"/>
+          </a:p>
+        </p:txBody>
+      </p:sp>
+      <p:sp>
+        <p:nvSpPr>
+          <p:cNvPr id="3" name="Content Placeholder 2">
             <a:extLst>
               <a:ext uri="{FF2B5EF4-FFF2-40B4-BE49-F238E27FC236}">
-                <a16:creationId xmlns:a16="http://schemas.microsoft.com/office/drawing/2014/main" id="{BF1F50A4-72B2-483D-BAAE-FB14AC5C760D}"/>
+                <a16:creationId xmlns:a16="http://schemas.microsoft.com/office/drawing/2014/main" id="{494D207C-444A-4CE9-AE17-8036AF0C33D5}"/>
               </a:ext>
             </a:extLst>
           </p:cNvPr>
-          <p:cNvPicPr>
-            <a:picLocks noChangeAspect="1"/>
-          </p:cNvPicPr>
-          <p:nvPr/>
-        </p:nvPicPr>
-        <p:blipFill>
-          <a:blip r:embed="rId2">
+          <p:cNvSpPr>
+            <a:spLocks noGrp="1"/>
+          </p:cNvSpPr>
+          <p:nvPr>
+            <p:ph idx="1"/>
+          </p:nvPr>
+        </p:nvSpPr>
+        <p:spPr/>
+        <p:txBody>
+          <a:bodyPr/>
+          <a:lstStyle/>
+          <a:p>
+            <a:endParaRPr lang="en-US"/>
+          </a:p>
+        </p:txBody>
+      </p:sp>
+      <p:sp>
+        <p:nvSpPr>
+          <p:cNvPr id="4" name="Content Placeholder 3">
             <a:extLst>
-              <a:ext uri="{28A0092B-C50C-407E-A947-70E740481C1C}">
-                <a14:useLocalDpi xmlns:a14="http://schemas.microsoft.com/office/drawing/2010/main" val="0"/>
+              <a:ext uri="{FF2B5EF4-FFF2-40B4-BE49-F238E27FC236}">
+                <a16:creationId xmlns:a16="http://schemas.microsoft.com/office/drawing/2014/main" id="{EA725A5A-270F-4EA0-B17C-CE222A2284F0}"/>
               </a:ext>
             </a:extLst>
-          </a:blip>
-          <a:stretch>
-            <a:fillRect/>
-          </a:stretch>
-        </p:blipFill>
-        <p:spPr>
-          <a:xfrm>
-            <a:off x="0" y="1340768"/>
-            <a:ext cx="9144000" cy="4840941"/>
-          </a:xfrm>
-          <a:prstGeom prst="rect">
-            <a:avLst/>
-          </a:prstGeom>
-        </p:spPr>
-      </p:pic>
+          </p:cNvPr>
+          <p:cNvSpPr>
+            <a:spLocks noGrp="1"/>
+          </p:cNvSpPr>
+          <p:nvPr>
+            <p:ph idx="10"/>
+          </p:nvPr>
+        </p:nvSpPr>
+        <p:spPr/>
+        <p:txBody>
+          <a:bodyPr/>
+          <a:lstStyle/>
+          <a:p>
+            <a:endParaRPr lang="en-US"/>
+          </a:p>
+        </p:txBody>
+      </p:sp>
     </p:spTree>
     <p:extLst>
       <p:ext uri="{BB962C8B-B14F-4D97-AF65-F5344CB8AC3E}">
-        <p14:creationId xmlns:p14="http://schemas.microsoft.com/office/powerpoint/2010/main" val="1063607830"/>
-      </p:ext>
-    </p:extLst>
-  </p:cSld>
-  <p:clrMapOvr>
-    <a:masterClrMapping/>
-  </p:clrMapOvr>
-</p:sld>
-</file>
-
-<file path=ppt/slides/slide15.xml><?xml version="1.0" encoding="utf-8"?>
-<p:sld xmlns:a="http://schemas.openxmlformats.org/drawingml/2006/main" xmlns:r="http://schemas.openxmlformats.org/officeDocument/2006/relationships" xmlns:p="http://schemas.openxmlformats.org/presentationml/2006/main">
-  <p:cSld>
-    <p:spTree>
-      <p:nvGrpSpPr>
-        <p:cNvPr id="1" name=""/>
-        <p:cNvGrpSpPr/>
-        <p:nvPr/>
-      </p:nvGrpSpPr>
-      <p:grpSpPr>
-        <a:xfrm>
-          <a:off x="0" y="0"/>
-          <a:ext cx="0" cy="0"/>
-          <a:chOff x="0" y="0"/>
-          <a:chExt cx="0" cy="0"/>
-        </a:xfrm>
-      </p:grpSpPr>
-      <p:sp>
-        <p:nvSpPr>
-          <p:cNvPr id="2" name="Title 1">
-            <a:extLst>
-              <a:ext uri="{FF2B5EF4-FFF2-40B4-BE49-F238E27FC236}">
-                <a16:creationId xmlns:a16="http://schemas.microsoft.com/office/drawing/2014/main" id="{7FD6B271-27DA-4A7D-9DA4-161B62EB58F5}"/>
-              </a:ext>
-            </a:extLst>
-          </p:cNvPr>
-          <p:cNvSpPr>
-            <a:spLocks noGrp="1"/>
-          </p:cNvSpPr>
-          <p:nvPr>
-            <p:ph type="title"/>
-          </p:nvPr>
-        </p:nvSpPr>
-        <p:spPr/>
-        <p:txBody>
-          <a:bodyPr/>
-          <a:lstStyle/>
-          <a:p>
-            <a:r>
-              <a:rPr lang="en-US" dirty="0"/>
-              <a:t>2. Sequence Diagram</a:t>
-            </a:r>
-          </a:p>
-        </p:txBody>
-      </p:sp>
-      <p:pic>
-        <p:nvPicPr>
-          <p:cNvPr id="6" name="Content Placeholder 5">
-            <a:extLst>
-              <a:ext uri="{FF2B5EF4-FFF2-40B4-BE49-F238E27FC236}">
-                <a16:creationId xmlns:a16="http://schemas.microsoft.com/office/drawing/2014/main" id="{D6E130A3-7FFC-4962-8679-448BB0495849}"/>
-              </a:ext>
-            </a:extLst>
-          </p:cNvPr>
-          <p:cNvPicPr>
-            <a:picLocks noGrp="1" noChangeAspect="1"/>
-          </p:cNvPicPr>
-          <p:nvPr>
-            <p:ph idx="1"/>
-          </p:nvPr>
-        </p:nvPicPr>
-        <p:blipFill>
-          <a:blip r:embed="rId2">
-            <a:extLst>
-              <a:ext uri="{28A0092B-C50C-407E-A947-70E740481C1C}">
-                <a14:useLocalDpi xmlns:a14="http://schemas.microsoft.com/office/drawing/2010/main" val="0"/>
-              </a:ext>
-            </a:extLst>
-          </a:blip>
-          <a:stretch>
-            <a:fillRect/>
-          </a:stretch>
-        </p:blipFill>
-        <p:spPr>
-          <a:xfrm>
-            <a:off x="9236" y="1484784"/>
-            <a:ext cx="9144000" cy="4259730"/>
-          </a:xfrm>
-        </p:spPr>
-      </p:pic>
-    </p:spTree>
-    <p:extLst>
-      <p:ext uri="{BB962C8B-B14F-4D97-AF65-F5344CB8AC3E}">
-        <p14:creationId xmlns:p14="http://schemas.microsoft.com/office/powerpoint/2010/main" val="1149285294"/>
-      </p:ext>
-    </p:extLst>
-  </p:cSld>
-  <p:clrMapOvr>
-    <a:masterClrMapping/>
-  </p:clrMapOvr>
-</p:sld>
-</file>
-
-<file path=ppt/slides/slide16.xml><?xml version="1.0" encoding="utf-8"?>
-<p:sld xmlns:a="http://schemas.openxmlformats.org/drawingml/2006/main" xmlns:r="http://schemas.openxmlformats.org/officeDocument/2006/relationships" xmlns:p="http://schemas.openxmlformats.org/presentationml/2006/main">
-  <p:cSld>
-    <p:spTree>
-      <p:nvGrpSpPr>
-        <p:cNvPr id="1" name=""/>
-        <p:cNvGrpSpPr/>
-        <p:nvPr/>
-      </p:nvGrpSpPr>
-      <p:grpSpPr>
-        <a:xfrm>
-          <a:off x="0" y="0"/>
-          <a:ext cx="0" cy="0"/>
-          <a:chOff x="0" y="0"/>
-          <a:chExt cx="0" cy="0"/>
-        </a:xfrm>
-      </p:grpSpPr>
-      <p:sp>
-        <p:nvSpPr>
-          <p:cNvPr id="2" name="Title 1">
-            <a:extLst>
-              <a:ext uri="{FF2B5EF4-FFF2-40B4-BE49-F238E27FC236}">
-                <a16:creationId xmlns:a16="http://schemas.microsoft.com/office/drawing/2014/main" id="{73980006-636D-4F08-83E4-7CA9D1F51A6F}"/>
-              </a:ext>
-            </a:extLst>
-          </p:cNvPr>
-          <p:cNvSpPr>
-            <a:spLocks noGrp="1"/>
-          </p:cNvSpPr>
-          <p:nvPr>
-            <p:ph type="title"/>
-          </p:nvPr>
-        </p:nvSpPr>
-        <p:spPr/>
-        <p:txBody>
-          <a:bodyPr/>
-          <a:lstStyle/>
-          <a:p>
-            <a:r>
-              <a:rPr lang="en-US" dirty="0"/>
-              <a:t>2. Sequence Diagram</a:t>
-            </a:r>
-          </a:p>
-        </p:txBody>
-      </p:sp>
-      <p:pic>
-        <p:nvPicPr>
-          <p:cNvPr id="6" name="Picture 5">
-            <a:extLst>
-              <a:ext uri="{FF2B5EF4-FFF2-40B4-BE49-F238E27FC236}">
-                <a16:creationId xmlns:a16="http://schemas.microsoft.com/office/drawing/2014/main" id="{7E9B0159-9B91-40A2-AFE6-E55EF03B0323}"/>
-              </a:ext>
-            </a:extLst>
-          </p:cNvPr>
-          <p:cNvPicPr>
-            <a:picLocks noChangeAspect="1"/>
-          </p:cNvPicPr>
-          <p:nvPr/>
-        </p:nvPicPr>
-        <p:blipFill>
-          <a:blip r:embed="rId2" cstate="print">
-            <a:extLst>
-              <a:ext uri="{28A0092B-C50C-407E-A947-70E740481C1C}">
-                <a14:useLocalDpi xmlns:a14="http://schemas.microsoft.com/office/drawing/2010/main" val="0"/>
-              </a:ext>
-            </a:extLst>
-          </a:blip>
-          <a:stretch>
-            <a:fillRect/>
-          </a:stretch>
-        </p:blipFill>
-        <p:spPr>
-          <a:xfrm>
-            <a:off x="53752" y="1102339"/>
-            <a:ext cx="9036496" cy="5756723"/>
-          </a:xfrm>
-          <a:prstGeom prst="rect">
-            <a:avLst/>
-          </a:prstGeom>
-        </p:spPr>
-      </p:pic>
-    </p:spTree>
-    <p:extLst>
-      <p:ext uri="{BB962C8B-B14F-4D97-AF65-F5344CB8AC3E}">
-        <p14:creationId xmlns:p14="http://schemas.microsoft.com/office/powerpoint/2010/main" val="3784943979"/>
-      </p:ext>
-    </p:extLst>
-  </p:cSld>
-  <p:clrMapOvr>
-    <a:masterClrMapping/>
-  </p:clrMapOvr>
-</p:sld>
-</file>
-
-<file path=ppt/slides/slide17.xml><?xml version="1.0" encoding="utf-8"?>
-<p:sld xmlns:a="http://schemas.openxmlformats.org/drawingml/2006/main" xmlns:r="http://schemas.openxmlformats.org/officeDocument/2006/relationships" xmlns:p="http://schemas.openxmlformats.org/presentationml/2006/main">
-  <p:cSld>
-    <p:spTree>
-      <p:nvGrpSpPr>
-        <p:cNvPr id="1" name=""/>
-        <p:cNvGrpSpPr/>
-        <p:nvPr/>
-      </p:nvGrpSpPr>
-      <p:grpSpPr>
-        <a:xfrm>
-          <a:off x="0" y="0"/>
-          <a:ext cx="0" cy="0"/>
-          <a:chOff x="0" y="0"/>
-          <a:chExt cx="0" cy="0"/>
-        </a:xfrm>
-      </p:grpSpPr>
-      <p:sp>
-        <p:nvSpPr>
-          <p:cNvPr id="2" name="Title 1">
-            <a:extLst>
-              <a:ext uri="{FF2B5EF4-FFF2-40B4-BE49-F238E27FC236}">
-                <a16:creationId xmlns:a16="http://schemas.microsoft.com/office/drawing/2014/main" id="{4F41B563-AB95-40D0-9DC3-CDEEA14DDE23}"/>
-              </a:ext>
-            </a:extLst>
-          </p:cNvPr>
-          <p:cNvSpPr>
-            <a:spLocks noGrp="1"/>
-          </p:cNvSpPr>
-          <p:nvPr>
-            <p:ph type="title"/>
-          </p:nvPr>
-        </p:nvSpPr>
-        <p:spPr/>
-        <p:txBody>
-          <a:bodyPr/>
-          <a:lstStyle/>
-          <a:p>
-            <a:endParaRPr lang="en-US"/>
-          </a:p>
-        </p:txBody>
-      </p:sp>
-      <p:sp>
-        <p:nvSpPr>
-          <p:cNvPr id="3" name="Content Placeholder 2">
-            <a:extLst>
-              <a:ext uri="{FF2B5EF4-FFF2-40B4-BE49-F238E27FC236}">
-                <a16:creationId xmlns:a16="http://schemas.microsoft.com/office/drawing/2014/main" id="{64BF1040-DE12-488B-A4D4-84961826F1BF}"/>
-              </a:ext>
-            </a:extLst>
-          </p:cNvPr>
-          <p:cNvSpPr>
-            <a:spLocks noGrp="1"/>
-          </p:cNvSpPr>
-          <p:nvPr>
-            <p:ph idx="1"/>
-          </p:nvPr>
-        </p:nvSpPr>
-        <p:spPr/>
-        <p:txBody>
-          <a:bodyPr/>
-          <a:lstStyle/>
-          <a:p>
-            <a:endParaRPr lang="en-US"/>
-          </a:p>
-        </p:txBody>
-      </p:sp>
-      <p:sp>
-        <p:nvSpPr>
-          <p:cNvPr id="4" name="Content Placeholder 3">
-            <a:extLst>
-              <a:ext uri="{FF2B5EF4-FFF2-40B4-BE49-F238E27FC236}">
-                <a16:creationId xmlns:a16="http://schemas.microsoft.com/office/drawing/2014/main" id="{9094AADD-2CC2-4593-A4BB-4E001E9AE636}"/>
-              </a:ext>
-            </a:extLst>
-          </p:cNvPr>
-          <p:cNvSpPr>
-            <a:spLocks noGrp="1"/>
-          </p:cNvSpPr>
-          <p:nvPr>
-            <p:ph idx="10"/>
-          </p:nvPr>
-        </p:nvSpPr>
-        <p:spPr/>
-        <p:txBody>
-          <a:bodyPr/>
-          <a:lstStyle/>
-          <a:p>
-            <a:endParaRPr lang="en-US"/>
-          </a:p>
-        </p:txBody>
-      </p:sp>
-    </p:spTree>
-    <p:extLst>
-      <p:ext uri="{BB962C8B-B14F-4D97-AF65-F5344CB8AC3E}">
-        <p14:creationId xmlns:p14="http://schemas.microsoft.com/office/powerpoint/2010/main" val="1004340069"/>
+        <p14:creationId xmlns:p14="http://schemas.microsoft.com/office/powerpoint/2010/main" val="1524483740"/>
       </p:ext>
     </p:extLst>
   </p:cSld>
@@ -6748,7 +6600,7 @@
                 <a:latin typeface="Arial" panose="020B0604020202020204" pitchFamily="34" charset="0"/>
                 <a:cs typeface="Arial" panose="020B0604020202020204" pitchFamily="34" charset="0"/>
               </a:rPr>
-              <a:t>Backend: Spring Framework.</a:t>
+              <a:t>Backend: Spring Framework. </a:t>
             </a:r>
           </a:p>
           <a:p>
@@ -6774,21 +6626,6 @@
           </a:p>
           <a:p>
             <a:r>
-              <a:rPr lang="en-US" sz="2400" dirty="0">
-                <a:latin typeface="Arial" panose="020B0604020202020204" pitchFamily="34" charset="0"/>
-                <a:cs typeface="Arial" panose="020B0604020202020204" pitchFamily="34" charset="0"/>
-              </a:rPr>
-              <a:t>Frontend: Angular Framework.</a:t>
-            </a:r>
-          </a:p>
-          <a:p>
-            <a:endParaRPr lang="en-US" sz="2400" dirty="0">
-              <a:latin typeface="Arial" panose="020B0604020202020204" pitchFamily="34" charset="0"/>
-              <a:cs typeface="Arial" panose="020B0604020202020204" pitchFamily="34" charset="0"/>
-            </a:endParaRPr>
-          </a:p>
-          <a:p>
-            <a:r>
               <a:rPr lang="en-US" sz="2400" dirty="0" err="1">
                 <a:latin typeface="Arial" panose="020B0604020202020204" pitchFamily="34" charset="0"/>
                 <a:cs typeface="Arial" panose="020B0604020202020204" pitchFamily="34" charset="0"/>
@@ -6842,7 +6679,7 @@
                 <a:latin typeface="Arial" panose="020B0604020202020204" pitchFamily="34" charset="0"/>
                 <a:cs typeface="Arial" panose="020B0604020202020204" pitchFamily="34" charset="0"/>
               </a:rPr>
-              <a:t>: Maven, Hibernate, JSTL,… </a:t>
+              <a:t>: Maven apache, Hibernate, JSTL,… </a:t>
             </a:r>
           </a:p>
         </p:txBody>
@@ -7145,7 +6982,21 @@
                 <a:latin typeface="Arial" panose="020B0604020202020204" pitchFamily="34" charset="0"/>
                 <a:cs typeface="Arial" panose="020B0604020202020204" pitchFamily="34" charset="0"/>
               </a:rPr>
-              <a:t> tin, </a:t>
+              <a:t> tin </a:t>
+            </a:r>
+            <a:r>
+              <a:rPr lang="en-US" sz="2400" dirty="0" err="1">
+                <a:latin typeface="Arial" panose="020B0604020202020204" pitchFamily="34" charset="0"/>
+                <a:cs typeface="Arial" panose="020B0604020202020204" pitchFamily="34" charset="0"/>
+              </a:rPr>
+              <a:t>phòng</a:t>
+            </a:r>
+            <a:r>
+              <a:rPr lang="en-US" sz="2400" dirty="0">
+                <a:latin typeface="Arial" panose="020B0604020202020204" pitchFamily="34" charset="0"/>
+                <a:cs typeface="Arial" panose="020B0604020202020204" pitchFamily="34" charset="0"/>
+              </a:rPr>
+              <a:t>, </a:t>
             </a:r>
             <a:r>
               <a:rPr lang="en-US" sz="2400" dirty="0" err="1">
@@ -8330,7 +8181,7 @@
         <p:spPr>
           <a:xfrm>
             <a:off x="457200" y="1600200"/>
-            <a:ext cx="8229600" cy="2908920"/>
+            <a:ext cx="8229600" cy="4349080"/>
           </a:xfrm>
         </p:spPr>
         <p:txBody>
@@ -8388,6 +8239,27 @@
                 <a:cs typeface="Arial" panose="020B0604020202020204" pitchFamily="34" charset="0"/>
               </a:rPr>
               <a:t>Class diagram</a:t>
+            </a:r>
+          </a:p>
+          <a:p>
+            <a:pPr marL="457200" indent="-457200">
+              <a:buAutoNum type="arabicPeriod"/>
+            </a:pPr>
+            <a:endParaRPr lang="en-US" sz="2800" dirty="0">
+              <a:latin typeface="Arial" panose="020B0604020202020204" pitchFamily="34" charset="0"/>
+              <a:cs typeface="Arial" panose="020B0604020202020204" pitchFamily="34" charset="0"/>
+            </a:endParaRPr>
+          </a:p>
+          <a:p>
+            <a:pPr marL="457200" indent="-457200">
+              <a:buAutoNum type="arabicPeriod"/>
+            </a:pPr>
+            <a:r>
+              <a:rPr lang="en-US" sz="2800" dirty="0">
+                <a:latin typeface="Arial" panose="020B0604020202020204" pitchFamily="34" charset="0"/>
+                <a:cs typeface="Arial" panose="020B0604020202020204" pitchFamily="34" charset="0"/>
+              </a:rPr>
+              <a:t>Database</a:t>
             </a:r>
           </a:p>
           <a:p>

--- a/document_slide/slide.pptx
+++ b/document_slide/slide.pptx
@@ -6,7 +6,7 @@
     <p:sldMasterId id="2147483661" r:id="rId2"/>
   </p:sldMasterIdLst>
   <p:notesMasterIdLst>
-    <p:notesMasterId r:id="rId17"/>
+    <p:notesMasterId r:id="rId26"/>
   </p:notesMasterIdLst>
   <p:sldIdLst>
     <p:sldId id="256" r:id="rId3"/>
@@ -15,14 +15,23 @@
     <p:sldId id="261" r:id="rId6"/>
     <p:sldId id="262" r:id="rId7"/>
     <p:sldId id="264" r:id="rId8"/>
-    <p:sldId id="265" r:id="rId9"/>
+    <p:sldId id="285" r:id="rId9"/>
     <p:sldId id="269" r:id="rId10"/>
     <p:sldId id="270" r:id="rId11"/>
     <p:sldId id="266" r:id="rId12"/>
     <p:sldId id="267" r:id="rId13"/>
-    <p:sldId id="272" r:id="rId14"/>
-    <p:sldId id="275" r:id="rId15"/>
-    <p:sldId id="276" r:id="rId16"/>
+    <p:sldId id="281" r:id="rId14"/>
+    <p:sldId id="282" r:id="rId15"/>
+    <p:sldId id="265" r:id="rId16"/>
+    <p:sldId id="283" r:id="rId17"/>
+    <p:sldId id="272" r:id="rId18"/>
+    <p:sldId id="277" r:id="rId19"/>
+    <p:sldId id="278" r:id="rId20"/>
+    <p:sldId id="275" r:id="rId21"/>
+    <p:sldId id="279" r:id="rId22"/>
+    <p:sldId id="280" r:id="rId23"/>
+    <p:sldId id="276" r:id="rId24"/>
+    <p:sldId id="286" r:id="rId25"/>
   </p:sldIdLst>
   <p:sldSz cx="9144000" cy="6858000" type="screen4x3"/>
   <p:notesSz cx="6858000" cy="9144000"/>
@@ -222,7 +231,7 @@
           <a:p>
             <a:fld id="{5F609D4A-8C95-4084-B08B-187B018FD4CB}" type="datetimeFigureOut">
               <a:rPr lang="en-US" smtClean="0"/>
-              <a:t>6/15/2021</a:t>
+              <a:t>8/21/2021</a:t>
             </a:fld>
             <a:endParaRPr lang="en-US"/>
           </a:p>
@@ -869,6 +878,90 @@
 </p:notes>
 </file>
 
+<file path=ppt/notesSlides/notesSlide4.xml><?xml version="1.0" encoding="utf-8"?>
+<p:notes xmlns:a="http://schemas.openxmlformats.org/drawingml/2006/main" xmlns:r="http://schemas.openxmlformats.org/officeDocument/2006/relationships" xmlns:p="http://schemas.openxmlformats.org/presentationml/2006/main">
+  <p:cSld>
+    <p:spTree>
+      <p:nvGrpSpPr>
+        <p:cNvPr id="1" name=""/>
+        <p:cNvGrpSpPr/>
+        <p:nvPr/>
+      </p:nvGrpSpPr>
+      <p:grpSpPr>
+        <a:xfrm>
+          <a:off x="0" y="0"/>
+          <a:ext cx="0" cy="0"/>
+          <a:chOff x="0" y="0"/>
+          <a:chExt cx="0" cy="0"/>
+        </a:xfrm>
+      </p:grpSpPr>
+      <p:sp>
+        <p:nvSpPr>
+          <p:cNvPr id="2" name="Slide Image Placeholder 1"/>
+          <p:cNvSpPr>
+            <a:spLocks noGrp="1" noRot="1" noChangeAspect="1"/>
+          </p:cNvSpPr>
+          <p:nvPr>
+            <p:ph type="sldImg"/>
+          </p:nvPr>
+        </p:nvSpPr>
+        <p:spPr/>
+      </p:sp>
+      <p:sp>
+        <p:nvSpPr>
+          <p:cNvPr id="3" name="Notes Placeholder 2"/>
+          <p:cNvSpPr>
+            <a:spLocks noGrp="1"/>
+          </p:cNvSpPr>
+          <p:nvPr>
+            <p:ph type="body" idx="1"/>
+          </p:nvPr>
+        </p:nvSpPr>
+        <p:spPr/>
+        <p:txBody>
+          <a:bodyPr/>
+          <a:lstStyle/>
+          <a:p>
+            <a:endParaRPr lang="en-US" dirty="0"/>
+          </a:p>
+        </p:txBody>
+      </p:sp>
+      <p:sp>
+        <p:nvSpPr>
+          <p:cNvPr id="4" name="Slide Number Placeholder 3"/>
+          <p:cNvSpPr>
+            <a:spLocks noGrp="1"/>
+          </p:cNvSpPr>
+          <p:nvPr>
+            <p:ph type="sldNum" sz="quarter" idx="5"/>
+          </p:nvPr>
+        </p:nvSpPr>
+        <p:spPr/>
+        <p:txBody>
+          <a:bodyPr/>
+          <a:lstStyle/>
+          <a:p>
+            <a:fld id="{CD23E7A4-2CEF-42FF-9FD4-230315B9A805}" type="slidenum">
+              <a:rPr lang="en-US" smtClean="0"/>
+              <a:t>7</a:t>
+            </a:fld>
+            <a:endParaRPr lang="en-US"/>
+          </a:p>
+        </p:txBody>
+      </p:sp>
+    </p:spTree>
+    <p:extLst>
+      <p:ext uri="{BB962C8B-B14F-4D97-AF65-F5344CB8AC3E}">
+        <p14:creationId xmlns:p14="http://schemas.microsoft.com/office/powerpoint/2010/main" val="1696427697"/>
+      </p:ext>
+    </p:extLst>
+  </p:cSld>
+  <p:clrMapOvr>
+    <a:masterClrMapping/>
+  </p:clrMapOvr>
+</p:notes>
+</file>
+
 <file path=ppt/slideLayouts/slideLayout1.xml><?xml version="1.0" encoding="utf-8"?>
 <p:sldLayout xmlns:a="http://schemas.openxmlformats.org/drawingml/2006/main" xmlns:r="http://schemas.openxmlformats.org/officeDocument/2006/relationships" xmlns:p="http://schemas.openxmlformats.org/presentationml/2006/main" preserve="1" userDrawn="1">
   <p:cSld name="Title Slide">
@@ -947,7 +1040,7 @@
           <a:p>
             <a:fld id="{18DCCD61-643D-44A5-A450-3A42A50CBC1E}" type="datetimeFigureOut">
               <a:rPr lang="en-US" smtClean="0"/>
-              <a:t>6/15/2021</a:t>
+              <a:t>8/21/2021</a:t>
             </a:fld>
             <a:endParaRPr lang="en-US"/>
           </a:p>
@@ -1222,7 +1315,7 @@
           <a:p>
             <a:fld id="{18DCCD61-643D-44A5-A450-3A42A50CBC1E}" type="datetimeFigureOut">
               <a:rPr lang="en-US" smtClean="0"/>
-              <a:t>6/15/2021</a:t>
+              <a:t>8/21/2021</a:t>
             </a:fld>
             <a:endParaRPr lang="en-US"/>
           </a:p>
@@ -1474,7 +1567,7 @@
           <a:p>
             <a:fld id="{18DCCD61-643D-44A5-A450-3A42A50CBC1E}" type="datetimeFigureOut">
               <a:rPr lang="en-US" smtClean="0"/>
-              <a:t>6/15/2021</a:t>
+              <a:t>8/21/2021</a:t>
             </a:fld>
             <a:endParaRPr lang="en-US"/>
           </a:p>
@@ -1642,7 +1735,7 @@
           <a:p>
             <a:fld id="{18DCCD61-643D-44A5-A450-3A42A50CBC1E}" type="datetimeFigureOut">
               <a:rPr lang="en-US" smtClean="0"/>
-              <a:t>6/15/2021</a:t>
+              <a:t>8/21/2021</a:t>
             </a:fld>
             <a:endParaRPr lang="en-US"/>
           </a:p>
@@ -1820,7 +1913,7 @@
           <a:p>
             <a:fld id="{18DCCD61-643D-44A5-A450-3A42A50CBC1E}" type="datetimeFigureOut">
               <a:rPr lang="en-US" smtClean="0"/>
-              <a:t>6/15/2021</a:t>
+              <a:t>8/21/2021</a:t>
             </a:fld>
             <a:endParaRPr lang="en-US"/>
           </a:p>
@@ -2408,7 +2501,7 @@
           <a:p>
             <a:fld id="{18DCCD61-643D-44A5-A450-3A42A50CBC1E}" type="datetimeFigureOut">
               <a:rPr lang="en-US" smtClean="0"/>
-              <a:t>6/15/2021</a:t>
+              <a:t>8/21/2021</a:t>
             </a:fld>
             <a:endParaRPr lang="en-US"/>
           </a:p>
@@ -2576,7 +2669,7 @@
           <a:p>
             <a:fld id="{18DCCD61-643D-44A5-A450-3A42A50CBC1E}" type="datetimeFigureOut">
               <a:rPr lang="en-US" smtClean="0"/>
-              <a:t>6/15/2021</a:t>
+              <a:t>8/21/2021</a:t>
             </a:fld>
             <a:endParaRPr lang="en-US"/>
           </a:p>
@@ -2821,7 +2914,7 @@
           <a:p>
             <a:fld id="{18DCCD61-643D-44A5-A450-3A42A50CBC1E}" type="datetimeFigureOut">
               <a:rPr lang="en-US" smtClean="0"/>
-              <a:t>6/15/2021</a:t>
+              <a:t>8/21/2021</a:t>
             </a:fld>
             <a:endParaRPr lang="en-US"/>
           </a:p>
@@ -3106,7 +3199,7 @@
           <a:p>
             <a:fld id="{18DCCD61-643D-44A5-A450-3A42A50CBC1E}" type="datetimeFigureOut">
               <a:rPr lang="en-US" smtClean="0"/>
-              <a:t>6/15/2021</a:t>
+              <a:t>8/21/2021</a:t>
             </a:fld>
             <a:endParaRPr lang="en-US"/>
           </a:p>
@@ -3525,7 +3618,7 @@
           <a:p>
             <a:fld id="{18DCCD61-643D-44A5-A450-3A42A50CBC1E}" type="datetimeFigureOut">
               <a:rPr lang="en-US" smtClean="0"/>
-              <a:t>6/15/2021</a:t>
+              <a:t>8/21/2021</a:t>
             </a:fld>
             <a:endParaRPr lang="en-US"/>
           </a:p>
@@ -3642,7 +3735,7 @@
           <a:p>
             <a:fld id="{18DCCD61-643D-44A5-A450-3A42A50CBC1E}" type="datetimeFigureOut">
               <a:rPr lang="en-US" smtClean="0"/>
-              <a:t>6/15/2021</a:t>
+              <a:t>8/21/2021</a:t>
             </a:fld>
             <a:endParaRPr lang="en-US"/>
           </a:p>
@@ -4144,7 +4237,7 @@
           <a:p>
             <a:fld id="{18DCCD61-643D-44A5-A450-3A42A50CBC1E}" type="datetimeFigureOut">
               <a:rPr lang="en-US" smtClean="0"/>
-              <a:t>6/15/2021</a:t>
+              <a:t>8/21/2021</a:t>
             </a:fld>
             <a:endParaRPr lang="en-US"/>
           </a:p>
@@ -4836,47 +4929,27 @@
           <a:p>
             <a:r>
               <a:rPr lang="en-US" dirty="0"/>
-              <a:t>2. Sequence Diagram</a:t>
-            </a:r>
-          </a:p>
-        </p:txBody>
-      </p:sp>
-      <p:pic>
-        <p:nvPicPr>
-          <p:cNvPr id="4" name="Picture 3">
-            <a:extLst>
-              <a:ext uri="{FF2B5EF4-FFF2-40B4-BE49-F238E27FC236}">
-                <a16:creationId xmlns:a16="http://schemas.microsoft.com/office/drawing/2014/main" id="{52CB27B3-D6EB-4427-A6EC-090FCBCB9187}"/>
-              </a:ext>
-            </a:extLst>
-          </p:cNvPr>
-          <p:cNvPicPr>
-            <a:picLocks noChangeAspect="1"/>
-          </p:cNvPicPr>
-          <p:nvPr/>
-        </p:nvPicPr>
-        <p:blipFill>
-          <a:blip r:embed="rId2">
-            <a:extLst>
-              <a:ext uri="{28A0092B-C50C-407E-A947-70E740481C1C}">
-                <a14:useLocalDpi xmlns:a14="http://schemas.microsoft.com/office/drawing/2010/main" val="0"/>
-              </a:ext>
-            </a:extLst>
-          </a:blip>
-          <a:stretch>
-            <a:fillRect/>
-          </a:stretch>
-        </p:blipFill>
-        <p:spPr>
-          <a:xfrm>
-            <a:off x="0" y="1893764"/>
-            <a:ext cx="9144000" cy="3263428"/>
-          </a:xfrm>
-          <a:prstGeom prst="rect">
-            <a:avLst/>
-          </a:prstGeom>
-        </p:spPr>
-      </p:pic>
+              <a:t>2. </a:t>
+            </a:r>
+            <a:r>
+              <a:rPr lang="en-US" dirty="0" err="1"/>
+              <a:t>Đặc</a:t>
+            </a:r>
+            <a:r>
+              <a:rPr lang="en-US" dirty="0"/>
+              <a:t> </a:t>
+            </a:r>
+            <a:r>
+              <a:rPr lang="en-US" dirty="0" err="1"/>
+              <a:t>tả</a:t>
+            </a:r>
+            <a:r>
+              <a:rPr lang="en-US" dirty="0"/>
+              <a:t> use-case</a:t>
+            </a:r>
+          </a:p>
+        </p:txBody>
+      </p:sp>
       <p:sp>
         <p:nvSpPr>
           <p:cNvPr id="5" name="TextBox 4">
@@ -4907,11 +4980,11 @@
           <a:p>
             <a:r>
               <a:rPr lang="en-US" dirty="0"/>
-              <a:t>Sequence diagram :</a:t>
+              <a:t>2.1. </a:t>
             </a:r>
             <a:r>
               <a:rPr lang="en-US" dirty="0" err="1"/>
-              <a:t>Tìm</a:t>
+              <a:t>Use-case:Tìm</a:t>
             </a:r>
             <a:r>
               <a:rPr lang="en-US" dirty="0"/>
@@ -4929,14 +5002,68 @@
               <a:rPr lang="en-US" dirty="0" err="1"/>
               <a:t>phòng</a:t>
             </a:r>
+            <a:r>
+              <a:rPr lang="en-US" dirty="0"/>
+              <a:t> </a:t>
+            </a:r>
+            <a:r>
+              <a:rPr lang="en-US" dirty="0" err="1"/>
+              <a:t>bằng</a:t>
+            </a:r>
+            <a:r>
+              <a:rPr lang="en-US" dirty="0"/>
+              <a:t> </a:t>
+            </a:r>
+            <a:r>
+              <a:rPr lang="en-US" dirty="0" err="1"/>
+              <a:t>bộ</a:t>
+            </a:r>
+            <a:r>
+              <a:rPr lang="en-US" dirty="0"/>
+              <a:t> </a:t>
+            </a:r>
+            <a:r>
+              <a:rPr lang="en-US" dirty="0" err="1"/>
+              <a:t>lọc</a:t>
+            </a:r>
             <a:endParaRPr lang="en-US" dirty="0"/>
           </a:p>
         </p:txBody>
       </p:sp>
+      <p:pic>
+        <p:nvPicPr>
+          <p:cNvPr id="4" name="Picture 3">
+            <a:extLst>
+              <a:ext uri="{FF2B5EF4-FFF2-40B4-BE49-F238E27FC236}">
+                <a16:creationId xmlns:a16="http://schemas.microsoft.com/office/drawing/2014/main" id="{B99279C2-1659-4D0A-B9DE-405DDDD50C05}"/>
+              </a:ext>
+            </a:extLst>
+          </p:cNvPr>
+          <p:cNvPicPr>
+            <a:picLocks noChangeAspect="1"/>
+          </p:cNvPicPr>
+          <p:nvPr/>
+        </p:nvPicPr>
+        <p:blipFill>
+          <a:blip r:embed="rId2"/>
+          <a:stretch>
+            <a:fillRect/>
+          </a:stretch>
+        </p:blipFill>
+        <p:spPr>
+          <a:xfrm>
+            <a:off x="2092420" y="2006470"/>
+            <a:ext cx="4959159" cy="4874266"/>
+          </a:xfrm>
+          <a:prstGeom prst="rect">
+            <a:avLst/>
+          </a:prstGeom>
+        </p:spPr>
+      </p:pic>
     </p:spTree>
     <p:extLst>
       <p:ext uri="{BB962C8B-B14F-4D97-AF65-F5344CB8AC3E}">
-        <p14:creationId xmlns:p14="http://schemas.microsoft.com/office/powerpoint/2010/main" val="1063607830"/>
+        <p14:creationId xmlns:p14="http://schemas.microsoft.com/office/powerpoint/2010/main" val="1773592824"/>
       </p:ext>
     </p:extLst>
   </p:cSld>
@@ -4968,7 +5095,7 @@
           <p:cNvPr id="2" name="Title 1">
             <a:extLst>
               <a:ext uri="{FF2B5EF4-FFF2-40B4-BE49-F238E27FC236}">
-                <a16:creationId xmlns:a16="http://schemas.microsoft.com/office/drawing/2014/main" id="{4F41B563-AB95-40D0-9DC3-CDEEA14DDE23}"/>
+                <a16:creationId xmlns:a16="http://schemas.microsoft.com/office/drawing/2014/main" id="{0FE03B7B-7185-4454-803B-B106D441A7B4}"/>
               </a:ext>
             </a:extLst>
           </p:cNvPr>
@@ -4986,65 +5113,144 @@
           <a:p>
             <a:r>
               <a:rPr lang="en-US" dirty="0"/>
-              <a:t>3. Class diagram</a:t>
-            </a:r>
-          </a:p>
-        </p:txBody>
-      </p:sp>
-      <p:sp>
-        <p:nvSpPr>
-          <p:cNvPr id="3" name="Content Placeholder 2">
+              <a:t>2. </a:t>
+            </a:r>
+            <a:r>
+              <a:rPr lang="en-US" dirty="0" err="1"/>
+              <a:t>Đặc</a:t>
+            </a:r>
+            <a:r>
+              <a:rPr lang="en-US" dirty="0"/>
+              <a:t> </a:t>
+            </a:r>
+            <a:r>
+              <a:rPr lang="en-US" dirty="0" err="1"/>
+              <a:t>tả</a:t>
+            </a:r>
+            <a:r>
+              <a:rPr lang="en-US" dirty="0"/>
+              <a:t> use-case</a:t>
+            </a:r>
+          </a:p>
+        </p:txBody>
+      </p:sp>
+      <p:sp>
+        <p:nvSpPr>
+          <p:cNvPr id="5" name="TextBox 4">
             <a:extLst>
               <a:ext uri="{FF2B5EF4-FFF2-40B4-BE49-F238E27FC236}">
-                <a16:creationId xmlns:a16="http://schemas.microsoft.com/office/drawing/2014/main" id="{64BF1040-DE12-488B-A4D4-84961826F1BF}"/>
+                <a16:creationId xmlns:a16="http://schemas.microsoft.com/office/drawing/2014/main" id="{A1A81D01-CE5F-492D-BCA1-3753E456CF6F}"/>
               </a:ext>
             </a:extLst>
           </p:cNvPr>
-          <p:cNvSpPr>
-            <a:spLocks noGrp="1"/>
-          </p:cNvSpPr>
-          <p:nvPr>
-            <p:ph idx="1"/>
-          </p:nvPr>
-        </p:nvSpPr>
-        <p:spPr/>
-        <p:txBody>
-          <a:bodyPr/>
+          <p:cNvSpPr txBox="1"/>
+          <p:nvPr/>
+        </p:nvSpPr>
+        <p:spPr>
+          <a:xfrm>
+            <a:off x="107504" y="1556792"/>
+            <a:ext cx="7200800" cy="369332"/>
+          </a:xfrm>
+          <a:prstGeom prst="rect">
+            <a:avLst/>
+          </a:prstGeom>
+          <a:noFill/>
+        </p:spPr>
+        <p:txBody>
+          <a:bodyPr wrap="square" rtlCol="0">
+            <a:spAutoFit/>
+          </a:bodyPr>
           <a:lstStyle/>
           <a:p>
-            <a:endParaRPr lang="en-US" dirty="0"/>
-          </a:p>
-        </p:txBody>
-      </p:sp>
-      <p:sp>
-        <p:nvSpPr>
-          <p:cNvPr id="4" name="Content Placeholder 3">
+            <a:r>
+              <a:rPr lang="en-US" dirty="0"/>
+              <a:t>2.2. </a:t>
+            </a:r>
+            <a:r>
+              <a:rPr lang="en-US" dirty="0" err="1"/>
+              <a:t>Use-case:Tìm</a:t>
+            </a:r>
+            <a:r>
+              <a:rPr lang="en-US" dirty="0"/>
+              <a:t> </a:t>
+            </a:r>
+            <a:r>
+              <a:rPr lang="en-US" dirty="0" err="1"/>
+              <a:t>kiếm</a:t>
+            </a:r>
+            <a:r>
+              <a:rPr lang="en-US" dirty="0"/>
+              <a:t> </a:t>
+            </a:r>
+            <a:r>
+              <a:rPr lang="en-US" dirty="0" err="1"/>
+              <a:t>phòng</a:t>
+            </a:r>
+            <a:r>
+              <a:rPr lang="en-US" dirty="0"/>
+              <a:t> </a:t>
+            </a:r>
+            <a:r>
+              <a:rPr lang="en-US" dirty="0" err="1"/>
+              <a:t>bằng</a:t>
+            </a:r>
+            <a:r>
+              <a:rPr lang="en-US" dirty="0"/>
+              <a:t> </a:t>
+            </a:r>
+            <a:r>
+              <a:rPr lang="en-US" dirty="0" err="1"/>
+              <a:t>từ</a:t>
+            </a:r>
+            <a:r>
+              <a:rPr lang="en-US" dirty="0"/>
+              <a:t> </a:t>
+            </a:r>
+            <a:r>
+              <a:rPr lang="en-US" dirty="0" err="1"/>
+              <a:t>khóa</a:t>
+            </a:r>
+            <a:r>
+              <a:rPr lang="en-US" dirty="0"/>
+              <a:t>.</a:t>
+            </a:r>
+          </a:p>
+        </p:txBody>
+      </p:sp>
+      <p:pic>
+        <p:nvPicPr>
+          <p:cNvPr id="6" name="Picture 5">
             <a:extLst>
               <a:ext uri="{FF2B5EF4-FFF2-40B4-BE49-F238E27FC236}">
-                <a16:creationId xmlns:a16="http://schemas.microsoft.com/office/drawing/2014/main" id="{9094AADD-2CC2-4593-A4BB-4E001E9AE636}"/>
+                <a16:creationId xmlns:a16="http://schemas.microsoft.com/office/drawing/2014/main" id="{7C2A9BC7-6662-4B9A-9E6E-0AD42FCBBA90}"/>
               </a:ext>
             </a:extLst>
           </p:cNvPr>
-          <p:cNvSpPr>
-            <a:spLocks noGrp="1"/>
-          </p:cNvSpPr>
-          <p:nvPr>
-            <p:ph idx="10"/>
-          </p:nvPr>
-        </p:nvSpPr>
-        <p:spPr/>
-        <p:txBody>
-          <a:bodyPr/>
-          <a:lstStyle/>
-          <a:p>
-            <a:endParaRPr lang="en-US"/>
-          </a:p>
-        </p:txBody>
-      </p:sp>
+          <p:cNvPicPr>
+            <a:picLocks noChangeAspect="1"/>
+          </p:cNvPicPr>
+          <p:nvPr/>
+        </p:nvPicPr>
+        <p:blipFill>
+          <a:blip r:embed="rId2"/>
+          <a:stretch>
+            <a:fillRect/>
+          </a:stretch>
+        </p:blipFill>
+        <p:spPr>
+          <a:xfrm>
+            <a:off x="1619672" y="1918058"/>
+            <a:ext cx="5688632" cy="4923164"/>
+          </a:xfrm>
+          <a:prstGeom prst="rect">
+            <a:avLst/>
+          </a:prstGeom>
+        </p:spPr>
+      </p:pic>
     </p:spTree>
     <p:extLst>
       <p:ext uri="{BB962C8B-B14F-4D97-AF65-F5344CB8AC3E}">
-        <p14:creationId xmlns:p14="http://schemas.microsoft.com/office/powerpoint/2010/main" val="1004340069"/>
+        <p14:creationId xmlns:p14="http://schemas.microsoft.com/office/powerpoint/2010/main" val="479575985"/>
       </p:ext>
     </p:extLst>
   </p:cSld>
@@ -5076,7 +5282,7 @@
           <p:cNvPr id="2" name="Title 1">
             <a:extLst>
               <a:ext uri="{FF2B5EF4-FFF2-40B4-BE49-F238E27FC236}">
-                <a16:creationId xmlns:a16="http://schemas.microsoft.com/office/drawing/2014/main" id="{3F52AD2F-0F30-48ED-BA83-0A644CE1E27B}"/>
+                <a16:creationId xmlns:a16="http://schemas.microsoft.com/office/drawing/2014/main" id="{EEF0CEA9-A23F-49E8-9161-AE813293A465}"/>
               </a:ext>
             </a:extLst>
           </p:cNvPr>
@@ -5094,13 +5300,8 @@
           <a:p>
             <a:r>
               <a:rPr lang="en-US" dirty="0"/>
-              <a:t>4. </a:t>
-            </a:r>
-            <a:r>
-              <a:rPr lang="en-US" dirty="0" err="1"/>
-              <a:t>Databaase</a:t>
-            </a:r>
-            <a:endParaRPr lang="en-US" dirty="0"/>
+              <a:t>III. MÔ HÌNH HÓA.</a:t>
+            </a:r>
           </a:p>
         </p:txBody>
       </p:sp>
@@ -5109,7 +5310,7 @@
           <p:cNvPr id="3" name="Content Placeholder 2">
             <a:extLst>
               <a:ext uri="{FF2B5EF4-FFF2-40B4-BE49-F238E27FC236}">
-                <a16:creationId xmlns:a16="http://schemas.microsoft.com/office/drawing/2014/main" id="{494D207C-444A-4CE9-AE17-8036AF0C33D5}"/>
+                <a16:creationId xmlns:a16="http://schemas.microsoft.com/office/drawing/2014/main" id="{93408DDE-8DF2-4256-8BCF-DC2284004773}"/>
               </a:ext>
             </a:extLst>
           </p:cNvPr>
@@ -5120,21 +5321,134 @@
             <p:ph idx="1"/>
           </p:nvPr>
         </p:nvSpPr>
-        <p:spPr/>
+        <p:spPr>
+          <a:xfrm>
+            <a:off x="457200" y="1600200"/>
+            <a:ext cx="8229600" cy="4349080"/>
+          </a:xfrm>
+        </p:spPr>
         <p:txBody>
           <a:bodyPr/>
           <a:lstStyle/>
           <a:p>
-            <a:endParaRPr lang="en-US"/>
-          </a:p>
-        </p:txBody>
-      </p:sp>
-      <p:sp>
-        <p:nvSpPr>
-          <p:cNvPr id="4" name="Content Placeholder 3">
+            <a:pPr marL="457200" indent="-457200">
+              <a:buAutoNum type="arabicPeriod"/>
+            </a:pPr>
+            <a:r>
+              <a:rPr lang="en-US" sz="2800" dirty="0">
+                <a:latin typeface="Arial" panose="020B0604020202020204" pitchFamily="34" charset="0"/>
+                <a:cs typeface="Arial" panose="020B0604020202020204" pitchFamily="34" charset="0"/>
+              </a:rPr>
+              <a:t>Use-case diagram</a:t>
+            </a:r>
+          </a:p>
+          <a:p>
+            <a:pPr marL="457200" indent="-457200">
+              <a:buAutoNum type="arabicPeriod"/>
+            </a:pPr>
+            <a:endParaRPr lang="en-US" sz="2800" dirty="0">
+              <a:latin typeface="Arial" panose="020B0604020202020204" pitchFamily="34" charset="0"/>
+              <a:cs typeface="Arial" panose="020B0604020202020204" pitchFamily="34" charset="0"/>
+            </a:endParaRPr>
+          </a:p>
+          <a:p>
+            <a:pPr marL="457200" indent="-457200">
+              <a:buAutoNum type="arabicPeriod"/>
+            </a:pPr>
+            <a:r>
+              <a:rPr lang="en-US" sz="2800" dirty="0">
+                <a:latin typeface="Arial" panose="020B0604020202020204" pitchFamily="34" charset="0"/>
+                <a:cs typeface="Arial" panose="020B0604020202020204" pitchFamily="34" charset="0"/>
+              </a:rPr>
+              <a:t>Sequence diagram</a:t>
+            </a:r>
+          </a:p>
+          <a:p>
+            <a:pPr marL="457200" indent="-457200">
+              <a:buAutoNum type="arabicPeriod"/>
+            </a:pPr>
+            <a:endParaRPr lang="en-US" sz="2800" dirty="0">
+              <a:latin typeface="Arial" panose="020B0604020202020204" pitchFamily="34" charset="0"/>
+              <a:cs typeface="Arial" panose="020B0604020202020204" pitchFamily="34" charset="0"/>
+            </a:endParaRPr>
+          </a:p>
+          <a:p>
+            <a:pPr marL="457200" indent="-457200">
+              <a:buAutoNum type="arabicPeriod"/>
+            </a:pPr>
+            <a:r>
+              <a:rPr lang="en-US" sz="2800" dirty="0">
+                <a:latin typeface="Arial" panose="020B0604020202020204" pitchFamily="34" charset="0"/>
+                <a:cs typeface="Arial" panose="020B0604020202020204" pitchFamily="34" charset="0"/>
+              </a:rPr>
+              <a:t>Class diagram</a:t>
+            </a:r>
+          </a:p>
+          <a:p>
+            <a:pPr marL="457200" indent="-457200">
+              <a:buAutoNum type="arabicPeriod"/>
+            </a:pPr>
+            <a:endParaRPr lang="en-US" sz="2800" dirty="0">
+              <a:latin typeface="Arial" panose="020B0604020202020204" pitchFamily="34" charset="0"/>
+              <a:cs typeface="Arial" panose="020B0604020202020204" pitchFamily="34" charset="0"/>
+            </a:endParaRPr>
+          </a:p>
+          <a:p>
+            <a:pPr marL="457200" indent="-457200">
+              <a:buAutoNum type="arabicPeriod"/>
+            </a:pPr>
+            <a:r>
+              <a:rPr lang="en-US" sz="2800" dirty="0">
+                <a:latin typeface="Arial" panose="020B0604020202020204" pitchFamily="34" charset="0"/>
+                <a:cs typeface="Arial" panose="020B0604020202020204" pitchFamily="34" charset="0"/>
+              </a:rPr>
+              <a:t>Database</a:t>
+            </a:r>
+          </a:p>
+          <a:p>
+            <a:pPr marL="457200" indent="-457200">
+              <a:buAutoNum type="arabicPeriod"/>
+            </a:pPr>
+            <a:endParaRPr lang="en-US" dirty="0"/>
+          </a:p>
+        </p:txBody>
+      </p:sp>
+    </p:spTree>
+    <p:extLst>
+      <p:ext uri="{BB962C8B-B14F-4D97-AF65-F5344CB8AC3E}">
+        <p14:creationId xmlns:p14="http://schemas.microsoft.com/office/powerpoint/2010/main" val="3029648869"/>
+      </p:ext>
+    </p:extLst>
+  </p:cSld>
+  <p:clrMapOvr>
+    <a:masterClrMapping/>
+  </p:clrMapOvr>
+</p:sld>
+</file>
+
+<file path=ppt/slides/slide15.xml><?xml version="1.0" encoding="utf-8"?>
+<p:sld xmlns:a="http://schemas.openxmlformats.org/drawingml/2006/main" xmlns:r="http://schemas.openxmlformats.org/officeDocument/2006/relationships" xmlns:p="http://schemas.openxmlformats.org/presentationml/2006/main">
+  <p:cSld>
+    <p:spTree>
+      <p:nvGrpSpPr>
+        <p:cNvPr id="1" name=""/>
+        <p:cNvGrpSpPr/>
+        <p:nvPr/>
+      </p:nvGrpSpPr>
+      <p:grpSpPr>
+        <a:xfrm>
+          <a:off x="0" y="0"/>
+          <a:ext cx="0" cy="0"/>
+          <a:chOff x="0" y="0"/>
+          <a:chExt cx="0" cy="0"/>
+        </a:xfrm>
+      </p:grpSpPr>
+      <p:sp>
+        <p:nvSpPr>
+          <p:cNvPr id="2" name="Title 1">
             <a:extLst>
               <a:ext uri="{FF2B5EF4-FFF2-40B4-BE49-F238E27FC236}">
-                <a16:creationId xmlns:a16="http://schemas.microsoft.com/office/drawing/2014/main" id="{EA725A5A-270F-4EA0-B17C-CE222A2284F0}"/>
+                <a16:creationId xmlns:a16="http://schemas.microsoft.com/office/drawing/2014/main" id="{0FE03B7B-7185-4454-803B-B106D441A7B4}"/>
               </a:ext>
             </a:extLst>
           </p:cNvPr>
@@ -5142,7 +5456,7 @@
             <a:spLocks noGrp="1"/>
           </p:cNvSpPr>
           <p:nvPr>
-            <p:ph idx="10"/>
+            <p:ph type="title"/>
           </p:nvPr>
         </p:nvSpPr>
         <p:spPr/>
@@ -5150,14 +5464,772 @@
           <a:bodyPr/>
           <a:lstStyle/>
           <a:p>
-            <a:endParaRPr lang="en-US"/>
-          </a:p>
-        </p:txBody>
-      </p:sp>
+            <a:r>
+              <a:rPr lang="en-US" dirty="0"/>
+              <a:t>2. </a:t>
+            </a:r>
+            <a:r>
+              <a:rPr lang="en-US" dirty="0" err="1"/>
+              <a:t>Đặc</a:t>
+            </a:r>
+            <a:r>
+              <a:rPr lang="en-US" dirty="0"/>
+              <a:t> </a:t>
+            </a:r>
+            <a:r>
+              <a:rPr lang="en-US" dirty="0" err="1"/>
+              <a:t>tả</a:t>
+            </a:r>
+            <a:r>
+              <a:rPr lang="en-US" dirty="0"/>
+              <a:t> use-case</a:t>
+            </a:r>
+          </a:p>
+        </p:txBody>
+      </p:sp>
+      <p:sp>
+        <p:nvSpPr>
+          <p:cNvPr id="5" name="TextBox 4">
+            <a:extLst>
+              <a:ext uri="{FF2B5EF4-FFF2-40B4-BE49-F238E27FC236}">
+                <a16:creationId xmlns:a16="http://schemas.microsoft.com/office/drawing/2014/main" id="{A1A81D01-CE5F-492D-BCA1-3753E456CF6F}"/>
+              </a:ext>
+            </a:extLst>
+          </p:cNvPr>
+          <p:cNvSpPr txBox="1"/>
+          <p:nvPr/>
+        </p:nvSpPr>
+        <p:spPr>
+          <a:xfrm>
+            <a:off x="107504" y="1556792"/>
+            <a:ext cx="7200800" cy="369332"/>
+          </a:xfrm>
+          <a:prstGeom prst="rect">
+            <a:avLst/>
+          </a:prstGeom>
+          <a:noFill/>
+        </p:spPr>
+        <p:txBody>
+          <a:bodyPr wrap="square" rtlCol="0">
+            <a:spAutoFit/>
+          </a:bodyPr>
+          <a:lstStyle/>
+          <a:p>
+            <a:r>
+              <a:rPr lang="en-US" dirty="0"/>
+              <a:t>2.3. Use-case: Thanh </a:t>
+            </a:r>
+            <a:r>
+              <a:rPr lang="en-US" dirty="0" err="1"/>
+              <a:t>toán</a:t>
+            </a:r>
+            <a:r>
+              <a:rPr lang="en-US" dirty="0"/>
+              <a:t>.</a:t>
+            </a:r>
+          </a:p>
+        </p:txBody>
+      </p:sp>
+      <p:pic>
+        <p:nvPicPr>
+          <p:cNvPr id="7" name="Picture 6">
+            <a:extLst>
+              <a:ext uri="{FF2B5EF4-FFF2-40B4-BE49-F238E27FC236}">
+                <a16:creationId xmlns:a16="http://schemas.microsoft.com/office/drawing/2014/main" id="{15746933-929C-45F8-95FA-F6AC6E82EE73}"/>
+              </a:ext>
+            </a:extLst>
+          </p:cNvPr>
+          <p:cNvPicPr/>
+          <p:nvPr/>
+        </p:nvPicPr>
+        <p:blipFill>
+          <a:blip r:embed="rId2">
+            <a:extLst>
+              <a:ext uri="{28A0092B-C50C-407E-A947-70E740481C1C}">
+                <a14:useLocalDpi xmlns:a14="http://schemas.microsoft.com/office/drawing/2010/main" val="0"/>
+              </a:ext>
+            </a:extLst>
+          </a:blip>
+          <a:srcRect/>
+          <a:stretch>
+            <a:fillRect/>
+          </a:stretch>
+        </p:blipFill>
+        <p:spPr bwMode="auto">
+          <a:xfrm>
+            <a:off x="863588" y="2204864"/>
+            <a:ext cx="7416824" cy="3744416"/>
+          </a:xfrm>
+          <a:prstGeom prst="rect">
+            <a:avLst/>
+          </a:prstGeom>
+          <a:noFill/>
+          <a:ln>
+            <a:noFill/>
+          </a:ln>
+        </p:spPr>
+      </p:pic>
     </p:spTree>
     <p:extLst>
       <p:ext uri="{BB962C8B-B14F-4D97-AF65-F5344CB8AC3E}">
-        <p14:creationId xmlns:p14="http://schemas.microsoft.com/office/powerpoint/2010/main" val="1524483740"/>
+        <p14:creationId xmlns:p14="http://schemas.microsoft.com/office/powerpoint/2010/main" val="1515359564"/>
+      </p:ext>
+    </p:extLst>
+  </p:cSld>
+  <p:clrMapOvr>
+    <a:masterClrMapping/>
+  </p:clrMapOvr>
+</p:sld>
+</file>
+
+<file path=ppt/slides/slide16.xml><?xml version="1.0" encoding="utf-8"?>
+<p:sld xmlns:a="http://schemas.openxmlformats.org/drawingml/2006/main" xmlns:r="http://schemas.openxmlformats.org/officeDocument/2006/relationships" xmlns:p="http://schemas.openxmlformats.org/presentationml/2006/main">
+  <p:cSld>
+    <p:spTree>
+      <p:nvGrpSpPr>
+        <p:cNvPr id="1" name=""/>
+        <p:cNvGrpSpPr/>
+        <p:nvPr/>
+      </p:nvGrpSpPr>
+      <p:grpSpPr>
+        <a:xfrm>
+          <a:off x="0" y="0"/>
+          <a:ext cx="0" cy="0"/>
+          <a:chOff x="0" y="0"/>
+          <a:chExt cx="0" cy="0"/>
+        </a:xfrm>
+      </p:grpSpPr>
+      <p:sp>
+        <p:nvSpPr>
+          <p:cNvPr id="2" name="Title 1">
+            <a:extLst>
+              <a:ext uri="{FF2B5EF4-FFF2-40B4-BE49-F238E27FC236}">
+                <a16:creationId xmlns:a16="http://schemas.microsoft.com/office/drawing/2014/main" id="{0FE03B7B-7185-4454-803B-B106D441A7B4}"/>
+              </a:ext>
+            </a:extLst>
+          </p:cNvPr>
+          <p:cNvSpPr>
+            <a:spLocks noGrp="1"/>
+          </p:cNvSpPr>
+          <p:nvPr>
+            <p:ph type="title"/>
+          </p:nvPr>
+        </p:nvSpPr>
+        <p:spPr/>
+        <p:txBody>
+          <a:bodyPr/>
+          <a:lstStyle/>
+          <a:p>
+            <a:r>
+              <a:rPr lang="en-US" dirty="0"/>
+              <a:t>3. Sequence Diagram</a:t>
+            </a:r>
+          </a:p>
+        </p:txBody>
+      </p:sp>
+      <p:sp>
+        <p:nvSpPr>
+          <p:cNvPr id="5" name="TextBox 4">
+            <a:extLst>
+              <a:ext uri="{FF2B5EF4-FFF2-40B4-BE49-F238E27FC236}">
+                <a16:creationId xmlns:a16="http://schemas.microsoft.com/office/drawing/2014/main" id="{A1A81D01-CE5F-492D-BCA1-3753E456CF6F}"/>
+              </a:ext>
+            </a:extLst>
+          </p:cNvPr>
+          <p:cNvSpPr txBox="1"/>
+          <p:nvPr/>
+        </p:nvSpPr>
+        <p:spPr>
+          <a:xfrm>
+            <a:off x="107504" y="1556792"/>
+            <a:ext cx="7200800" cy="369332"/>
+          </a:xfrm>
+          <a:prstGeom prst="rect">
+            <a:avLst/>
+          </a:prstGeom>
+          <a:noFill/>
+        </p:spPr>
+        <p:txBody>
+          <a:bodyPr wrap="square" rtlCol="0">
+            <a:spAutoFit/>
+          </a:bodyPr>
+          <a:lstStyle/>
+          <a:p>
+            <a:r>
+              <a:rPr lang="en-US" dirty="0"/>
+              <a:t>3.1. Sequence diagram :</a:t>
+            </a:r>
+            <a:r>
+              <a:rPr lang="en-US" dirty="0" err="1"/>
+              <a:t>Tìm</a:t>
+            </a:r>
+            <a:r>
+              <a:rPr lang="en-US" dirty="0"/>
+              <a:t> </a:t>
+            </a:r>
+            <a:r>
+              <a:rPr lang="en-US" dirty="0" err="1"/>
+              <a:t>kiếm</a:t>
+            </a:r>
+            <a:r>
+              <a:rPr lang="en-US" dirty="0"/>
+              <a:t> </a:t>
+            </a:r>
+            <a:r>
+              <a:rPr lang="en-US" dirty="0" err="1"/>
+              <a:t>phòng</a:t>
+            </a:r>
+            <a:r>
+              <a:rPr lang="en-US" dirty="0"/>
+              <a:t> </a:t>
+            </a:r>
+            <a:r>
+              <a:rPr lang="en-US" dirty="0" err="1"/>
+              <a:t>bằng</a:t>
+            </a:r>
+            <a:r>
+              <a:rPr lang="en-US" dirty="0"/>
+              <a:t> </a:t>
+            </a:r>
+            <a:r>
+              <a:rPr lang="en-US" dirty="0" err="1"/>
+              <a:t>bộ</a:t>
+            </a:r>
+            <a:r>
+              <a:rPr lang="en-US" dirty="0"/>
+              <a:t> </a:t>
+            </a:r>
+            <a:r>
+              <a:rPr lang="en-US" dirty="0" err="1"/>
+              <a:t>lọc</a:t>
+            </a:r>
+            <a:endParaRPr lang="en-US" dirty="0"/>
+          </a:p>
+        </p:txBody>
+      </p:sp>
+      <p:pic>
+        <p:nvPicPr>
+          <p:cNvPr id="6" name="Picture 5">
+            <a:extLst>
+              <a:ext uri="{FF2B5EF4-FFF2-40B4-BE49-F238E27FC236}">
+                <a16:creationId xmlns:a16="http://schemas.microsoft.com/office/drawing/2014/main" id="{ED43C171-A7EC-47C8-A15B-17C6A0ACE9AE}"/>
+              </a:ext>
+            </a:extLst>
+          </p:cNvPr>
+          <p:cNvPicPr>
+            <a:picLocks noChangeAspect="1"/>
+          </p:cNvPicPr>
+          <p:nvPr/>
+        </p:nvPicPr>
+        <p:blipFill>
+          <a:blip r:embed="rId2">
+            <a:extLst>
+              <a:ext uri="{28A0092B-C50C-407E-A947-70E740481C1C}">
+                <a14:useLocalDpi xmlns:a14="http://schemas.microsoft.com/office/drawing/2010/main" val="0"/>
+              </a:ext>
+            </a:extLst>
+          </a:blip>
+          <a:stretch>
+            <a:fillRect/>
+          </a:stretch>
+        </p:blipFill>
+        <p:spPr>
+          <a:xfrm>
+            <a:off x="-26978" y="2204864"/>
+            <a:ext cx="9144000" cy="2987951"/>
+          </a:xfrm>
+          <a:prstGeom prst="rect">
+            <a:avLst/>
+          </a:prstGeom>
+        </p:spPr>
+      </p:pic>
+    </p:spTree>
+    <p:extLst>
+      <p:ext uri="{BB962C8B-B14F-4D97-AF65-F5344CB8AC3E}">
+        <p14:creationId xmlns:p14="http://schemas.microsoft.com/office/powerpoint/2010/main" val="1063607830"/>
+      </p:ext>
+    </p:extLst>
+  </p:cSld>
+  <p:clrMapOvr>
+    <a:masterClrMapping/>
+  </p:clrMapOvr>
+</p:sld>
+</file>
+
+<file path=ppt/slides/slide17.xml><?xml version="1.0" encoding="utf-8"?>
+<p:sld xmlns:a="http://schemas.openxmlformats.org/drawingml/2006/main" xmlns:r="http://schemas.openxmlformats.org/officeDocument/2006/relationships" xmlns:p="http://schemas.openxmlformats.org/presentationml/2006/main">
+  <p:cSld>
+    <p:spTree>
+      <p:nvGrpSpPr>
+        <p:cNvPr id="1" name=""/>
+        <p:cNvGrpSpPr/>
+        <p:nvPr/>
+      </p:nvGrpSpPr>
+      <p:grpSpPr>
+        <a:xfrm>
+          <a:off x="0" y="0"/>
+          <a:ext cx="0" cy="0"/>
+          <a:chOff x="0" y="0"/>
+          <a:chExt cx="0" cy="0"/>
+        </a:xfrm>
+      </p:grpSpPr>
+      <p:sp>
+        <p:nvSpPr>
+          <p:cNvPr id="2" name="Title 1">
+            <a:extLst>
+              <a:ext uri="{FF2B5EF4-FFF2-40B4-BE49-F238E27FC236}">
+                <a16:creationId xmlns:a16="http://schemas.microsoft.com/office/drawing/2014/main" id="{0FE03B7B-7185-4454-803B-B106D441A7B4}"/>
+              </a:ext>
+            </a:extLst>
+          </p:cNvPr>
+          <p:cNvSpPr>
+            <a:spLocks noGrp="1"/>
+          </p:cNvSpPr>
+          <p:nvPr>
+            <p:ph type="title"/>
+          </p:nvPr>
+        </p:nvSpPr>
+        <p:spPr/>
+        <p:txBody>
+          <a:bodyPr/>
+          <a:lstStyle/>
+          <a:p>
+            <a:r>
+              <a:rPr lang="en-US" dirty="0"/>
+              <a:t>3. Sequence Diagram</a:t>
+            </a:r>
+          </a:p>
+        </p:txBody>
+      </p:sp>
+      <p:sp>
+        <p:nvSpPr>
+          <p:cNvPr id="5" name="TextBox 4">
+            <a:extLst>
+              <a:ext uri="{FF2B5EF4-FFF2-40B4-BE49-F238E27FC236}">
+                <a16:creationId xmlns:a16="http://schemas.microsoft.com/office/drawing/2014/main" id="{A1A81D01-CE5F-492D-BCA1-3753E456CF6F}"/>
+              </a:ext>
+            </a:extLst>
+          </p:cNvPr>
+          <p:cNvSpPr txBox="1"/>
+          <p:nvPr/>
+        </p:nvSpPr>
+        <p:spPr>
+          <a:xfrm>
+            <a:off x="107504" y="1556792"/>
+            <a:ext cx="7200800" cy="369332"/>
+          </a:xfrm>
+          <a:prstGeom prst="rect">
+            <a:avLst/>
+          </a:prstGeom>
+          <a:noFill/>
+        </p:spPr>
+        <p:txBody>
+          <a:bodyPr wrap="square" rtlCol="0">
+            <a:spAutoFit/>
+          </a:bodyPr>
+          <a:lstStyle/>
+          <a:p>
+            <a:r>
+              <a:rPr lang="en-US" dirty="0"/>
+              <a:t>3.2. Sequence diagram :</a:t>
+            </a:r>
+            <a:r>
+              <a:rPr lang="en-US" dirty="0" err="1"/>
+              <a:t>Tìm</a:t>
+            </a:r>
+            <a:r>
+              <a:rPr lang="en-US" dirty="0"/>
+              <a:t> </a:t>
+            </a:r>
+            <a:r>
+              <a:rPr lang="en-US" dirty="0" err="1"/>
+              <a:t>kiếm</a:t>
+            </a:r>
+            <a:r>
+              <a:rPr lang="en-US" dirty="0"/>
+              <a:t> </a:t>
+            </a:r>
+            <a:r>
+              <a:rPr lang="en-US" dirty="0" err="1"/>
+              <a:t>phòng</a:t>
+            </a:r>
+            <a:r>
+              <a:rPr lang="en-US" dirty="0"/>
+              <a:t> </a:t>
+            </a:r>
+            <a:r>
+              <a:rPr lang="en-US" dirty="0" err="1"/>
+              <a:t>bằng</a:t>
+            </a:r>
+            <a:r>
+              <a:rPr lang="en-US" dirty="0"/>
+              <a:t> </a:t>
+            </a:r>
+            <a:r>
+              <a:rPr lang="en-US" dirty="0" err="1"/>
+              <a:t>từ</a:t>
+            </a:r>
+            <a:r>
+              <a:rPr lang="en-US" dirty="0"/>
+              <a:t> </a:t>
+            </a:r>
+            <a:r>
+              <a:rPr lang="en-US" dirty="0" err="1"/>
+              <a:t>khóa</a:t>
+            </a:r>
+            <a:r>
+              <a:rPr lang="en-US" dirty="0"/>
+              <a:t>.</a:t>
+            </a:r>
+          </a:p>
+        </p:txBody>
+      </p:sp>
+      <p:pic>
+        <p:nvPicPr>
+          <p:cNvPr id="4" name="Picture 3">
+            <a:extLst>
+              <a:ext uri="{FF2B5EF4-FFF2-40B4-BE49-F238E27FC236}">
+                <a16:creationId xmlns:a16="http://schemas.microsoft.com/office/drawing/2014/main" id="{392EB77A-FFA4-40E5-B321-749DF1CEBA0C}"/>
+              </a:ext>
+            </a:extLst>
+          </p:cNvPr>
+          <p:cNvPicPr>
+            <a:picLocks noChangeAspect="1"/>
+          </p:cNvPicPr>
+          <p:nvPr/>
+        </p:nvPicPr>
+        <p:blipFill>
+          <a:blip r:embed="rId2">
+            <a:extLst>
+              <a:ext uri="{28A0092B-C50C-407E-A947-70E740481C1C}">
+                <a14:useLocalDpi xmlns:a14="http://schemas.microsoft.com/office/drawing/2010/main" val="0"/>
+              </a:ext>
+            </a:extLst>
+          </a:blip>
+          <a:stretch>
+            <a:fillRect/>
+          </a:stretch>
+        </p:blipFill>
+        <p:spPr>
+          <a:xfrm>
+            <a:off x="0" y="2060848"/>
+            <a:ext cx="9144000" cy="3961522"/>
+          </a:xfrm>
+          <a:prstGeom prst="rect">
+            <a:avLst/>
+          </a:prstGeom>
+        </p:spPr>
+      </p:pic>
+    </p:spTree>
+    <p:extLst>
+      <p:ext uri="{BB962C8B-B14F-4D97-AF65-F5344CB8AC3E}">
+        <p14:creationId xmlns:p14="http://schemas.microsoft.com/office/powerpoint/2010/main" val="3506536696"/>
+      </p:ext>
+    </p:extLst>
+  </p:cSld>
+  <p:clrMapOvr>
+    <a:masterClrMapping/>
+  </p:clrMapOvr>
+</p:sld>
+</file>
+
+<file path=ppt/slides/slide18.xml><?xml version="1.0" encoding="utf-8"?>
+<p:sld xmlns:a="http://schemas.openxmlformats.org/drawingml/2006/main" xmlns:r="http://schemas.openxmlformats.org/officeDocument/2006/relationships" xmlns:p="http://schemas.openxmlformats.org/presentationml/2006/main">
+  <p:cSld>
+    <p:spTree>
+      <p:nvGrpSpPr>
+        <p:cNvPr id="1" name=""/>
+        <p:cNvGrpSpPr/>
+        <p:nvPr/>
+      </p:nvGrpSpPr>
+      <p:grpSpPr>
+        <a:xfrm>
+          <a:off x="0" y="0"/>
+          <a:ext cx="0" cy="0"/>
+          <a:chOff x="0" y="0"/>
+          <a:chExt cx="0" cy="0"/>
+        </a:xfrm>
+      </p:grpSpPr>
+      <p:sp>
+        <p:nvSpPr>
+          <p:cNvPr id="2" name="Title 1">
+            <a:extLst>
+              <a:ext uri="{FF2B5EF4-FFF2-40B4-BE49-F238E27FC236}">
+                <a16:creationId xmlns:a16="http://schemas.microsoft.com/office/drawing/2014/main" id="{0FE03B7B-7185-4454-803B-B106D441A7B4}"/>
+              </a:ext>
+            </a:extLst>
+          </p:cNvPr>
+          <p:cNvSpPr>
+            <a:spLocks noGrp="1"/>
+          </p:cNvSpPr>
+          <p:nvPr>
+            <p:ph type="title"/>
+          </p:nvPr>
+        </p:nvSpPr>
+        <p:spPr/>
+        <p:txBody>
+          <a:bodyPr/>
+          <a:lstStyle/>
+          <a:p>
+            <a:r>
+              <a:rPr lang="en-US" dirty="0"/>
+              <a:t>3. Sequence Diagram</a:t>
+            </a:r>
+          </a:p>
+        </p:txBody>
+      </p:sp>
+      <p:sp>
+        <p:nvSpPr>
+          <p:cNvPr id="5" name="TextBox 4">
+            <a:extLst>
+              <a:ext uri="{FF2B5EF4-FFF2-40B4-BE49-F238E27FC236}">
+                <a16:creationId xmlns:a16="http://schemas.microsoft.com/office/drawing/2014/main" id="{A1A81D01-CE5F-492D-BCA1-3753E456CF6F}"/>
+              </a:ext>
+            </a:extLst>
+          </p:cNvPr>
+          <p:cNvSpPr txBox="1"/>
+          <p:nvPr/>
+        </p:nvSpPr>
+        <p:spPr>
+          <a:xfrm>
+            <a:off x="107504" y="1556792"/>
+            <a:ext cx="7200800" cy="369332"/>
+          </a:xfrm>
+          <a:prstGeom prst="rect">
+            <a:avLst/>
+          </a:prstGeom>
+          <a:noFill/>
+        </p:spPr>
+        <p:txBody>
+          <a:bodyPr wrap="square" rtlCol="0">
+            <a:spAutoFit/>
+          </a:bodyPr>
+          <a:lstStyle/>
+          <a:p>
+            <a:r>
+              <a:rPr lang="en-US" dirty="0"/>
+              <a:t>3.3. Sequence diagram :Thanh </a:t>
+            </a:r>
+            <a:r>
+              <a:rPr lang="en-US" dirty="0" err="1"/>
+              <a:t>toán</a:t>
+            </a:r>
+            <a:r>
+              <a:rPr lang="en-US" dirty="0"/>
+              <a:t>.</a:t>
+            </a:r>
+          </a:p>
+        </p:txBody>
+      </p:sp>
+      <p:pic>
+        <p:nvPicPr>
+          <p:cNvPr id="6" name="Picture 5">
+            <a:extLst>
+              <a:ext uri="{FF2B5EF4-FFF2-40B4-BE49-F238E27FC236}">
+                <a16:creationId xmlns:a16="http://schemas.microsoft.com/office/drawing/2014/main" id="{037ABA13-BFFF-467D-B64D-D398FE2F4820}"/>
+              </a:ext>
+            </a:extLst>
+          </p:cNvPr>
+          <p:cNvPicPr>
+            <a:picLocks noChangeAspect="1"/>
+          </p:cNvPicPr>
+          <p:nvPr/>
+        </p:nvPicPr>
+        <p:blipFill>
+          <a:blip r:embed="rId2" cstate="print">
+            <a:extLst>
+              <a:ext uri="{28A0092B-C50C-407E-A947-70E740481C1C}">
+                <a14:useLocalDpi xmlns:a14="http://schemas.microsoft.com/office/drawing/2010/main" val="0"/>
+              </a:ext>
+            </a:extLst>
+          </a:blip>
+          <a:stretch>
+            <a:fillRect/>
+          </a:stretch>
+        </p:blipFill>
+        <p:spPr>
+          <a:xfrm>
+            <a:off x="0" y="2204864"/>
+            <a:ext cx="9144000" cy="3648007"/>
+          </a:xfrm>
+          <a:prstGeom prst="rect">
+            <a:avLst/>
+          </a:prstGeom>
+        </p:spPr>
+      </p:pic>
+    </p:spTree>
+    <p:extLst>
+      <p:ext uri="{BB962C8B-B14F-4D97-AF65-F5344CB8AC3E}">
+        <p14:creationId xmlns:p14="http://schemas.microsoft.com/office/powerpoint/2010/main" val="1185680378"/>
+      </p:ext>
+    </p:extLst>
+  </p:cSld>
+  <p:clrMapOvr>
+    <a:masterClrMapping/>
+  </p:clrMapOvr>
+</p:sld>
+</file>
+
+<file path=ppt/slides/slide19.xml><?xml version="1.0" encoding="utf-8"?>
+<p:sld xmlns:a="http://schemas.openxmlformats.org/drawingml/2006/main" xmlns:r="http://schemas.openxmlformats.org/officeDocument/2006/relationships" xmlns:p="http://schemas.openxmlformats.org/presentationml/2006/main">
+  <p:cSld>
+    <p:spTree>
+      <p:nvGrpSpPr>
+        <p:cNvPr id="1" name=""/>
+        <p:cNvGrpSpPr/>
+        <p:nvPr/>
+      </p:nvGrpSpPr>
+      <p:grpSpPr>
+        <a:xfrm>
+          <a:off x="0" y="0"/>
+          <a:ext cx="0" cy="0"/>
+          <a:chOff x="0" y="0"/>
+          <a:chExt cx="0" cy="0"/>
+        </a:xfrm>
+      </p:grpSpPr>
+      <p:sp>
+        <p:nvSpPr>
+          <p:cNvPr id="2" name="Title 1">
+            <a:extLst>
+              <a:ext uri="{FF2B5EF4-FFF2-40B4-BE49-F238E27FC236}">
+                <a16:creationId xmlns:a16="http://schemas.microsoft.com/office/drawing/2014/main" id="{4F41B563-AB95-40D0-9DC3-CDEEA14DDE23}"/>
+              </a:ext>
+            </a:extLst>
+          </p:cNvPr>
+          <p:cNvSpPr>
+            <a:spLocks noGrp="1"/>
+          </p:cNvSpPr>
+          <p:nvPr>
+            <p:ph type="title"/>
+          </p:nvPr>
+        </p:nvSpPr>
+        <p:spPr/>
+        <p:txBody>
+          <a:bodyPr/>
+          <a:lstStyle/>
+          <a:p>
+            <a:r>
+              <a:rPr lang="en-US" dirty="0"/>
+              <a:t>3. Class diagram</a:t>
+            </a:r>
+          </a:p>
+        </p:txBody>
+      </p:sp>
+      <p:sp>
+        <p:nvSpPr>
+          <p:cNvPr id="3" name="Content Placeholder 2">
+            <a:extLst>
+              <a:ext uri="{FF2B5EF4-FFF2-40B4-BE49-F238E27FC236}">
+                <a16:creationId xmlns:a16="http://schemas.microsoft.com/office/drawing/2014/main" id="{64BF1040-DE12-488B-A4D4-84961826F1BF}"/>
+              </a:ext>
+            </a:extLst>
+          </p:cNvPr>
+          <p:cNvSpPr>
+            <a:spLocks noGrp="1"/>
+          </p:cNvSpPr>
+          <p:nvPr>
+            <p:ph idx="1"/>
+          </p:nvPr>
+        </p:nvSpPr>
+        <p:spPr/>
+        <p:txBody>
+          <a:bodyPr/>
+          <a:lstStyle/>
+          <a:p>
+            <a:r>
+              <a:rPr lang="en-US" dirty="0"/>
+              <a:t>3.1. </a:t>
+            </a:r>
+            <a:r>
+              <a:rPr lang="en-US" dirty="0" err="1"/>
+              <a:t>Tìm</a:t>
+            </a:r>
+            <a:r>
+              <a:rPr lang="en-US" dirty="0"/>
+              <a:t> </a:t>
+            </a:r>
+            <a:r>
+              <a:rPr lang="en-US" dirty="0" err="1"/>
+              <a:t>kiếm</a:t>
+            </a:r>
+            <a:r>
+              <a:rPr lang="en-US" dirty="0"/>
+              <a:t> </a:t>
+            </a:r>
+            <a:r>
+              <a:rPr lang="en-US" dirty="0" err="1"/>
+              <a:t>phòng</a:t>
+            </a:r>
+            <a:r>
+              <a:rPr lang="en-US" dirty="0"/>
+              <a:t> </a:t>
+            </a:r>
+            <a:r>
+              <a:rPr lang="en-US" dirty="0" err="1"/>
+              <a:t>bằng</a:t>
+            </a:r>
+            <a:r>
+              <a:rPr lang="en-US" dirty="0"/>
+              <a:t> </a:t>
+            </a:r>
+            <a:r>
+              <a:rPr lang="en-US" dirty="0" err="1"/>
+              <a:t>bộ</a:t>
+            </a:r>
+            <a:r>
+              <a:rPr lang="en-US" dirty="0"/>
+              <a:t> </a:t>
+            </a:r>
+            <a:r>
+              <a:rPr lang="en-US" dirty="0" err="1"/>
+              <a:t>lọc</a:t>
+            </a:r>
+            <a:r>
+              <a:rPr lang="en-US" dirty="0"/>
+              <a:t>.</a:t>
+            </a:r>
+          </a:p>
+        </p:txBody>
+      </p:sp>
+      <p:pic>
+        <p:nvPicPr>
+          <p:cNvPr id="6" name="Content Placeholder 5">
+            <a:extLst>
+              <a:ext uri="{FF2B5EF4-FFF2-40B4-BE49-F238E27FC236}">
+                <a16:creationId xmlns:a16="http://schemas.microsoft.com/office/drawing/2014/main" id="{1E944D54-B147-4EE3-846C-BE3BCFC7C7B9}"/>
+              </a:ext>
+            </a:extLst>
+          </p:cNvPr>
+          <p:cNvPicPr>
+            <a:picLocks noGrp="1" noChangeAspect="1"/>
+          </p:cNvPicPr>
+          <p:nvPr>
+            <p:ph idx="10"/>
+          </p:nvPr>
+        </p:nvPicPr>
+        <p:blipFill>
+          <a:blip r:embed="rId2">
+            <a:extLst>
+              <a:ext uri="{28A0092B-C50C-407E-A947-70E740481C1C}">
+                <a14:useLocalDpi xmlns:a14="http://schemas.microsoft.com/office/drawing/2010/main" val="0"/>
+              </a:ext>
+            </a:extLst>
+          </a:blip>
+          <a:stretch>
+            <a:fillRect/>
+          </a:stretch>
+        </p:blipFill>
+        <p:spPr>
+          <a:xfrm>
+            <a:off x="971600" y="2091081"/>
+            <a:ext cx="7283152" cy="4237579"/>
+          </a:xfrm>
+        </p:spPr>
+      </p:pic>
+    </p:spTree>
+    <p:extLst>
+      <p:ext uri="{BB962C8B-B14F-4D97-AF65-F5344CB8AC3E}">
+        <p14:creationId xmlns:p14="http://schemas.microsoft.com/office/powerpoint/2010/main" val="1004340069"/>
       </p:ext>
     </p:extLst>
   </p:cSld>
@@ -5417,12 +6489,6 @@
             </a:r>
           </a:p>
           <a:p>
-            <a:endParaRPr lang="en-US" altLang="ko-KR" sz="2400" dirty="0">
-              <a:latin typeface="Arial" panose="020B0604020202020204" pitchFamily="34" charset="0"/>
-              <a:cs typeface="Arial" panose="020B0604020202020204" pitchFamily="34" charset="0"/>
-            </a:endParaRPr>
-          </a:p>
-          <a:p>
             <a:pPr marL="285750" indent="-285750">
               <a:buFont typeface="Arial" panose="020B0604020202020204" pitchFamily="34" charset="0"/>
               <a:buChar char="•"/>
@@ -5708,12 +6774,641 @@
               <a:t>.</a:t>
             </a:r>
           </a:p>
+          <a:p>
+            <a:pPr marL="285750" indent="-285750">
+              <a:buFont typeface="Arial" panose="020B0604020202020204" pitchFamily="34" charset="0"/>
+              <a:buChar char="•"/>
+            </a:pPr>
+            <a:r>
+              <a:rPr lang="en-US" altLang="ko-KR" sz="2400" dirty="0" err="1">
+                <a:latin typeface="Arial" panose="020B0604020202020204" pitchFamily="34" charset="0"/>
+                <a:cs typeface="Arial" panose="020B0604020202020204" pitchFamily="34" charset="0"/>
+              </a:rPr>
+              <a:t>Quản</a:t>
+            </a:r>
+            <a:r>
+              <a:rPr lang="en-US" altLang="ko-KR" sz="2400" dirty="0">
+                <a:latin typeface="Arial" panose="020B0604020202020204" pitchFamily="34" charset="0"/>
+                <a:cs typeface="Arial" panose="020B0604020202020204" pitchFamily="34" charset="0"/>
+              </a:rPr>
+              <a:t> </a:t>
+            </a:r>
+            <a:r>
+              <a:rPr lang="en-US" altLang="ko-KR" sz="2400" dirty="0" err="1">
+                <a:latin typeface="Arial" panose="020B0604020202020204" pitchFamily="34" charset="0"/>
+                <a:cs typeface="Arial" panose="020B0604020202020204" pitchFamily="34" charset="0"/>
+              </a:rPr>
+              <a:t>bá</a:t>
+            </a:r>
+            <a:r>
+              <a:rPr lang="en-US" altLang="ko-KR" sz="2400" dirty="0">
+                <a:latin typeface="Arial" panose="020B0604020202020204" pitchFamily="34" charset="0"/>
+                <a:cs typeface="Arial" panose="020B0604020202020204" pitchFamily="34" charset="0"/>
+              </a:rPr>
+              <a:t> </a:t>
+            </a:r>
+            <a:r>
+              <a:rPr lang="en-US" altLang="ko-KR" sz="2400" dirty="0" err="1">
+                <a:latin typeface="Arial" panose="020B0604020202020204" pitchFamily="34" charset="0"/>
+                <a:cs typeface="Arial" panose="020B0604020202020204" pitchFamily="34" charset="0"/>
+              </a:rPr>
+              <a:t>thương</a:t>
+            </a:r>
+            <a:r>
+              <a:rPr lang="en-US" altLang="ko-KR" sz="2400" dirty="0">
+                <a:latin typeface="Arial" panose="020B0604020202020204" pitchFamily="34" charset="0"/>
+                <a:cs typeface="Arial" panose="020B0604020202020204" pitchFamily="34" charset="0"/>
+              </a:rPr>
+              <a:t> </a:t>
+            </a:r>
+            <a:r>
+              <a:rPr lang="en-US" altLang="ko-KR" sz="2400" dirty="0" err="1">
+                <a:latin typeface="Arial" panose="020B0604020202020204" pitchFamily="34" charset="0"/>
+                <a:cs typeface="Arial" panose="020B0604020202020204" pitchFamily="34" charset="0"/>
+              </a:rPr>
+              <a:t>hiệu</a:t>
+            </a:r>
+            <a:r>
+              <a:rPr lang="en-US" altLang="ko-KR" sz="2400" dirty="0">
+                <a:latin typeface="Arial" panose="020B0604020202020204" pitchFamily="34" charset="0"/>
+                <a:cs typeface="Arial" panose="020B0604020202020204" pitchFamily="34" charset="0"/>
+              </a:rPr>
+              <a:t>.</a:t>
+            </a:r>
+          </a:p>
         </p:txBody>
       </p:sp>
     </p:spTree>
     <p:extLst>
       <p:ext uri="{BB962C8B-B14F-4D97-AF65-F5344CB8AC3E}">
         <p14:creationId xmlns:p14="http://schemas.microsoft.com/office/powerpoint/2010/main" val="891763176"/>
+      </p:ext>
+    </p:extLst>
+  </p:cSld>
+  <p:clrMapOvr>
+    <a:masterClrMapping/>
+  </p:clrMapOvr>
+</p:sld>
+</file>
+
+<file path=ppt/slides/slide20.xml><?xml version="1.0" encoding="utf-8"?>
+<p:sld xmlns:a="http://schemas.openxmlformats.org/drawingml/2006/main" xmlns:r="http://schemas.openxmlformats.org/officeDocument/2006/relationships" xmlns:p="http://schemas.openxmlformats.org/presentationml/2006/main">
+  <p:cSld>
+    <p:spTree>
+      <p:nvGrpSpPr>
+        <p:cNvPr id="1" name=""/>
+        <p:cNvGrpSpPr/>
+        <p:nvPr/>
+      </p:nvGrpSpPr>
+      <p:grpSpPr>
+        <a:xfrm>
+          <a:off x="0" y="0"/>
+          <a:ext cx="0" cy="0"/>
+          <a:chOff x="0" y="0"/>
+          <a:chExt cx="0" cy="0"/>
+        </a:xfrm>
+      </p:grpSpPr>
+      <p:sp>
+        <p:nvSpPr>
+          <p:cNvPr id="2" name="Title 1">
+            <a:extLst>
+              <a:ext uri="{FF2B5EF4-FFF2-40B4-BE49-F238E27FC236}">
+                <a16:creationId xmlns:a16="http://schemas.microsoft.com/office/drawing/2014/main" id="{4F41B563-AB95-40D0-9DC3-CDEEA14DDE23}"/>
+              </a:ext>
+            </a:extLst>
+          </p:cNvPr>
+          <p:cNvSpPr>
+            <a:spLocks noGrp="1"/>
+          </p:cNvSpPr>
+          <p:nvPr>
+            <p:ph type="title"/>
+          </p:nvPr>
+        </p:nvSpPr>
+        <p:spPr/>
+        <p:txBody>
+          <a:bodyPr/>
+          <a:lstStyle/>
+          <a:p>
+            <a:r>
+              <a:rPr lang="en-US" dirty="0"/>
+              <a:t>3. Class diagram</a:t>
+            </a:r>
+          </a:p>
+        </p:txBody>
+      </p:sp>
+      <p:sp>
+        <p:nvSpPr>
+          <p:cNvPr id="3" name="Content Placeholder 2">
+            <a:extLst>
+              <a:ext uri="{FF2B5EF4-FFF2-40B4-BE49-F238E27FC236}">
+                <a16:creationId xmlns:a16="http://schemas.microsoft.com/office/drawing/2014/main" id="{64BF1040-DE12-488B-A4D4-84961826F1BF}"/>
+              </a:ext>
+            </a:extLst>
+          </p:cNvPr>
+          <p:cNvSpPr>
+            <a:spLocks noGrp="1"/>
+          </p:cNvSpPr>
+          <p:nvPr>
+            <p:ph idx="1"/>
+          </p:nvPr>
+        </p:nvSpPr>
+        <p:spPr/>
+        <p:txBody>
+          <a:bodyPr/>
+          <a:lstStyle/>
+          <a:p>
+            <a:r>
+              <a:rPr lang="en-US" dirty="0"/>
+              <a:t>3.2. </a:t>
+            </a:r>
+            <a:r>
+              <a:rPr lang="en-US" dirty="0" err="1"/>
+              <a:t>Tìm</a:t>
+            </a:r>
+            <a:r>
+              <a:rPr lang="en-US" dirty="0"/>
+              <a:t> </a:t>
+            </a:r>
+            <a:r>
+              <a:rPr lang="en-US" dirty="0" err="1"/>
+              <a:t>kiếm</a:t>
+            </a:r>
+            <a:r>
+              <a:rPr lang="en-US" dirty="0"/>
+              <a:t> </a:t>
+            </a:r>
+            <a:r>
+              <a:rPr lang="en-US" dirty="0" err="1"/>
+              <a:t>phòng</a:t>
+            </a:r>
+            <a:r>
+              <a:rPr lang="en-US" dirty="0"/>
+              <a:t> </a:t>
+            </a:r>
+            <a:r>
+              <a:rPr lang="en-US" dirty="0" err="1"/>
+              <a:t>bằng</a:t>
+            </a:r>
+            <a:r>
+              <a:rPr lang="en-US" dirty="0"/>
+              <a:t> </a:t>
+            </a:r>
+            <a:r>
+              <a:rPr lang="en-US" dirty="0" err="1"/>
+              <a:t>từ</a:t>
+            </a:r>
+            <a:r>
+              <a:rPr lang="en-US" dirty="0"/>
+              <a:t> </a:t>
+            </a:r>
+            <a:r>
+              <a:rPr lang="en-US" dirty="0" err="1"/>
+              <a:t>khóa</a:t>
+            </a:r>
+            <a:r>
+              <a:rPr lang="en-US" dirty="0"/>
+              <a:t>.</a:t>
+            </a:r>
+          </a:p>
+        </p:txBody>
+      </p:sp>
+      <p:pic>
+        <p:nvPicPr>
+          <p:cNvPr id="8" name="Content Placeholder 7">
+            <a:extLst>
+              <a:ext uri="{FF2B5EF4-FFF2-40B4-BE49-F238E27FC236}">
+                <a16:creationId xmlns:a16="http://schemas.microsoft.com/office/drawing/2014/main" id="{BA73BD46-19E5-401E-9C8C-966995CF9056}"/>
+              </a:ext>
+            </a:extLst>
+          </p:cNvPr>
+          <p:cNvPicPr>
+            <a:picLocks noGrp="1" noChangeAspect="1"/>
+          </p:cNvPicPr>
+          <p:nvPr>
+            <p:ph idx="10"/>
+          </p:nvPr>
+        </p:nvPicPr>
+        <p:blipFill>
+          <a:blip r:embed="rId2">
+            <a:extLst>
+              <a:ext uri="{28A0092B-C50C-407E-A947-70E740481C1C}">
+                <a14:useLocalDpi xmlns:a14="http://schemas.microsoft.com/office/drawing/2010/main" val="0"/>
+              </a:ext>
+            </a:extLst>
+          </a:blip>
+          <a:stretch>
+            <a:fillRect/>
+          </a:stretch>
+        </p:blipFill>
+        <p:spPr>
+          <a:xfrm>
+            <a:off x="1115616" y="2074025"/>
+            <a:ext cx="7109313" cy="4564747"/>
+          </a:xfrm>
+        </p:spPr>
+      </p:pic>
+    </p:spTree>
+    <p:extLst>
+      <p:ext uri="{BB962C8B-B14F-4D97-AF65-F5344CB8AC3E}">
+        <p14:creationId xmlns:p14="http://schemas.microsoft.com/office/powerpoint/2010/main" val="4078541843"/>
+      </p:ext>
+    </p:extLst>
+  </p:cSld>
+  <p:clrMapOvr>
+    <a:masterClrMapping/>
+  </p:clrMapOvr>
+</p:sld>
+</file>
+
+<file path=ppt/slides/slide21.xml><?xml version="1.0" encoding="utf-8"?>
+<p:sld xmlns:a="http://schemas.openxmlformats.org/drawingml/2006/main" xmlns:r="http://schemas.openxmlformats.org/officeDocument/2006/relationships" xmlns:p="http://schemas.openxmlformats.org/presentationml/2006/main">
+  <p:cSld>
+    <p:spTree>
+      <p:nvGrpSpPr>
+        <p:cNvPr id="1" name=""/>
+        <p:cNvGrpSpPr/>
+        <p:nvPr/>
+      </p:nvGrpSpPr>
+      <p:grpSpPr>
+        <a:xfrm>
+          <a:off x="0" y="0"/>
+          <a:ext cx="0" cy="0"/>
+          <a:chOff x="0" y="0"/>
+          <a:chExt cx="0" cy="0"/>
+        </a:xfrm>
+      </p:grpSpPr>
+      <p:sp>
+        <p:nvSpPr>
+          <p:cNvPr id="2" name="Title 1">
+            <a:extLst>
+              <a:ext uri="{FF2B5EF4-FFF2-40B4-BE49-F238E27FC236}">
+                <a16:creationId xmlns:a16="http://schemas.microsoft.com/office/drawing/2014/main" id="{4F41B563-AB95-40D0-9DC3-CDEEA14DDE23}"/>
+              </a:ext>
+            </a:extLst>
+          </p:cNvPr>
+          <p:cNvSpPr>
+            <a:spLocks noGrp="1"/>
+          </p:cNvSpPr>
+          <p:nvPr>
+            <p:ph type="title"/>
+          </p:nvPr>
+        </p:nvSpPr>
+        <p:spPr/>
+        <p:txBody>
+          <a:bodyPr/>
+          <a:lstStyle/>
+          <a:p>
+            <a:r>
+              <a:rPr lang="en-US" dirty="0"/>
+              <a:t>3. Class diagram</a:t>
+            </a:r>
+          </a:p>
+        </p:txBody>
+      </p:sp>
+      <p:sp>
+        <p:nvSpPr>
+          <p:cNvPr id="3" name="Content Placeholder 2">
+            <a:extLst>
+              <a:ext uri="{FF2B5EF4-FFF2-40B4-BE49-F238E27FC236}">
+                <a16:creationId xmlns:a16="http://schemas.microsoft.com/office/drawing/2014/main" id="{64BF1040-DE12-488B-A4D4-84961826F1BF}"/>
+              </a:ext>
+            </a:extLst>
+          </p:cNvPr>
+          <p:cNvSpPr>
+            <a:spLocks noGrp="1"/>
+          </p:cNvSpPr>
+          <p:nvPr>
+            <p:ph idx="1"/>
+          </p:nvPr>
+        </p:nvSpPr>
+        <p:spPr/>
+        <p:txBody>
+          <a:bodyPr/>
+          <a:lstStyle/>
+          <a:p>
+            <a:r>
+              <a:rPr lang="en-US" dirty="0"/>
+              <a:t>3.3. Thanh </a:t>
+            </a:r>
+            <a:r>
+              <a:rPr lang="en-US" dirty="0" err="1"/>
+              <a:t>toán</a:t>
+            </a:r>
+            <a:r>
+              <a:rPr lang="en-US" dirty="0"/>
+              <a:t>.</a:t>
+            </a:r>
+          </a:p>
+        </p:txBody>
+      </p:sp>
+      <p:pic>
+        <p:nvPicPr>
+          <p:cNvPr id="7" name="Content Placeholder 6">
+            <a:extLst>
+              <a:ext uri="{FF2B5EF4-FFF2-40B4-BE49-F238E27FC236}">
+                <a16:creationId xmlns:a16="http://schemas.microsoft.com/office/drawing/2014/main" id="{EBFD53C4-9455-45ED-A8AF-1B606A6C2B80}"/>
+              </a:ext>
+            </a:extLst>
+          </p:cNvPr>
+          <p:cNvPicPr>
+            <a:picLocks noGrp="1" noChangeAspect="1"/>
+          </p:cNvPicPr>
+          <p:nvPr>
+            <p:ph idx="10"/>
+          </p:nvPr>
+        </p:nvPicPr>
+        <p:blipFill>
+          <a:blip r:embed="rId2" cstate="print">
+            <a:extLst>
+              <a:ext uri="{28A0092B-C50C-407E-A947-70E740481C1C}">
+                <a14:useLocalDpi xmlns:a14="http://schemas.microsoft.com/office/drawing/2010/main" val="0"/>
+              </a:ext>
+            </a:extLst>
+          </a:blip>
+          <a:stretch>
+            <a:fillRect/>
+          </a:stretch>
+        </p:blipFill>
+        <p:spPr>
+          <a:xfrm>
+            <a:off x="760929" y="2060849"/>
+            <a:ext cx="7622142" cy="4564747"/>
+          </a:xfrm>
+        </p:spPr>
+      </p:pic>
+    </p:spTree>
+    <p:extLst>
+      <p:ext uri="{BB962C8B-B14F-4D97-AF65-F5344CB8AC3E}">
+        <p14:creationId xmlns:p14="http://schemas.microsoft.com/office/powerpoint/2010/main" val="430302142"/>
+      </p:ext>
+    </p:extLst>
+  </p:cSld>
+  <p:clrMapOvr>
+    <a:masterClrMapping/>
+  </p:clrMapOvr>
+</p:sld>
+</file>
+
+<file path=ppt/slides/slide22.xml><?xml version="1.0" encoding="utf-8"?>
+<p:sld xmlns:a="http://schemas.openxmlformats.org/drawingml/2006/main" xmlns:r="http://schemas.openxmlformats.org/officeDocument/2006/relationships" xmlns:p="http://schemas.openxmlformats.org/presentationml/2006/main">
+  <p:cSld>
+    <p:spTree>
+      <p:nvGrpSpPr>
+        <p:cNvPr id="1" name=""/>
+        <p:cNvGrpSpPr/>
+        <p:nvPr/>
+      </p:nvGrpSpPr>
+      <p:grpSpPr>
+        <a:xfrm>
+          <a:off x="0" y="0"/>
+          <a:ext cx="0" cy="0"/>
+          <a:chOff x="0" y="0"/>
+          <a:chExt cx="0" cy="0"/>
+        </a:xfrm>
+      </p:grpSpPr>
+      <p:sp>
+        <p:nvSpPr>
+          <p:cNvPr id="2" name="Title 1">
+            <a:extLst>
+              <a:ext uri="{FF2B5EF4-FFF2-40B4-BE49-F238E27FC236}">
+                <a16:creationId xmlns:a16="http://schemas.microsoft.com/office/drawing/2014/main" id="{3F52AD2F-0F30-48ED-BA83-0A644CE1E27B}"/>
+              </a:ext>
+            </a:extLst>
+          </p:cNvPr>
+          <p:cNvSpPr>
+            <a:spLocks noGrp="1"/>
+          </p:cNvSpPr>
+          <p:nvPr>
+            <p:ph type="title"/>
+          </p:nvPr>
+        </p:nvSpPr>
+        <p:spPr/>
+        <p:txBody>
+          <a:bodyPr/>
+          <a:lstStyle/>
+          <a:p>
+            <a:r>
+              <a:rPr lang="en-US" dirty="0"/>
+              <a:t>4. ERM</a:t>
+            </a:r>
+          </a:p>
+        </p:txBody>
+      </p:sp>
+      <p:pic>
+        <p:nvPicPr>
+          <p:cNvPr id="10" name="Content Placeholder 9">
+            <a:extLst>
+              <a:ext uri="{FF2B5EF4-FFF2-40B4-BE49-F238E27FC236}">
+                <a16:creationId xmlns:a16="http://schemas.microsoft.com/office/drawing/2014/main" id="{104FD448-C604-488B-A2C7-423DDBA7A960}"/>
+              </a:ext>
+            </a:extLst>
+          </p:cNvPr>
+          <p:cNvPicPr>
+            <a:picLocks noGrp="1" noChangeAspect="1"/>
+          </p:cNvPicPr>
+          <p:nvPr>
+            <p:ph idx="10"/>
+          </p:nvPr>
+        </p:nvPicPr>
+        <p:blipFill>
+          <a:blip r:embed="rId2">
+            <a:extLst>
+              <a:ext uri="{28A0092B-C50C-407E-A947-70E740481C1C}">
+                <a14:useLocalDpi xmlns:a14="http://schemas.microsoft.com/office/drawing/2010/main" val="0"/>
+              </a:ext>
+            </a:extLst>
+          </a:blip>
+          <a:stretch>
+            <a:fillRect/>
+          </a:stretch>
+        </p:blipFill>
+        <p:spPr>
+          <a:xfrm>
+            <a:off x="2339752" y="16778"/>
+            <a:ext cx="5053447" cy="6824444"/>
+          </a:xfrm>
+        </p:spPr>
+      </p:pic>
+    </p:spTree>
+    <p:extLst>
+      <p:ext uri="{BB962C8B-B14F-4D97-AF65-F5344CB8AC3E}">
+        <p14:creationId xmlns:p14="http://schemas.microsoft.com/office/powerpoint/2010/main" val="1524483740"/>
+      </p:ext>
+    </p:extLst>
+  </p:cSld>
+  <p:clrMapOvr>
+    <a:masterClrMapping/>
+  </p:clrMapOvr>
+</p:sld>
+</file>
+
+<file path=ppt/slides/slide23.xml><?xml version="1.0" encoding="utf-8"?>
+<p:sld xmlns:a="http://schemas.openxmlformats.org/drawingml/2006/main" xmlns:r="http://schemas.openxmlformats.org/officeDocument/2006/relationships" xmlns:p="http://schemas.openxmlformats.org/presentationml/2006/main">
+  <p:cSld>
+    <p:spTree>
+      <p:nvGrpSpPr>
+        <p:cNvPr id="1" name=""/>
+        <p:cNvGrpSpPr/>
+        <p:nvPr/>
+      </p:nvGrpSpPr>
+      <p:grpSpPr>
+        <a:xfrm>
+          <a:off x="0" y="0"/>
+          <a:ext cx="0" cy="0"/>
+          <a:chOff x="0" y="0"/>
+          <a:chExt cx="0" cy="0"/>
+        </a:xfrm>
+      </p:grpSpPr>
+      <p:sp>
+        <p:nvSpPr>
+          <p:cNvPr id="2" name="Title 1">
+            <a:extLst>
+              <a:ext uri="{FF2B5EF4-FFF2-40B4-BE49-F238E27FC236}">
+                <a16:creationId xmlns:a16="http://schemas.microsoft.com/office/drawing/2014/main" id="{D90B7FF3-1EBB-4A4E-895A-A484F481FB4C}"/>
+              </a:ext>
+            </a:extLst>
+          </p:cNvPr>
+          <p:cNvSpPr>
+            <a:spLocks noGrp="1"/>
+          </p:cNvSpPr>
+          <p:nvPr>
+            <p:ph type="title"/>
+          </p:nvPr>
+        </p:nvSpPr>
+        <p:spPr/>
+        <p:txBody>
+          <a:bodyPr/>
+          <a:lstStyle/>
+          <a:p>
+            <a:r>
+              <a:rPr lang="en-US" dirty="0"/>
+              <a:t>IV. </a:t>
+            </a:r>
+            <a:r>
+              <a:rPr lang="en-US" dirty="0" err="1"/>
+              <a:t>Kiểm</a:t>
+            </a:r>
+            <a:r>
+              <a:rPr lang="en-US" dirty="0"/>
+              <a:t> </a:t>
+            </a:r>
+            <a:r>
+              <a:rPr lang="en-US" dirty="0" err="1"/>
+              <a:t>thử</a:t>
+            </a:r>
+            <a:endParaRPr lang="en-US" dirty="0"/>
+          </a:p>
+        </p:txBody>
+      </p:sp>
+      <p:sp>
+        <p:nvSpPr>
+          <p:cNvPr id="3" name="Content Placeholder 2">
+            <a:extLst>
+              <a:ext uri="{FF2B5EF4-FFF2-40B4-BE49-F238E27FC236}">
+                <a16:creationId xmlns:a16="http://schemas.microsoft.com/office/drawing/2014/main" id="{D9516BD3-E0C4-4FC0-B0A5-9776E3568EA8}"/>
+              </a:ext>
+            </a:extLst>
+          </p:cNvPr>
+          <p:cNvSpPr>
+            <a:spLocks noGrp="1"/>
+          </p:cNvSpPr>
+          <p:nvPr>
+            <p:ph idx="1"/>
+          </p:nvPr>
+        </p:nvSpPr>
+        <p:spPr/>
+        <p:txBody>
+          <a:bodyPr/>
+          <a:lstStyle/>
+          <a:p>
+            <a:r>
+              <a:rPr lang="en-US" dirty="0"/>
+              <a:t>IV.1. </a:t>
+            </a:r>
+            <a:r>
+              <a:rPr lang="en-US" dirty="0" err="1"/>
+              <a:t>Tìm</a:t>
+            </a:r>
+            <a:r>
+              <a:rPr lang="en-US" dirty="0"/>
+              <a:t> </a:t>
+            </a:r>
+            <a:r>
+              <a:rPr lang="en-US" dirty="0" err="1"/>
+              <a:t>kiềm</a:t>
+            </a:r>
+            <a:r>
+              <a:rPr lang="en-US" dirty="0"/>
+              <a:t> </a:t>
+            </a:r>
+            <a:r>
+              <a:rPr lang="en-US" dirty="0" err="1"/>
+              <a:t>phòng</a:t>
+            </a:r>
+            <a:r>
+              <a:rPr lang="en-US" dirty="0"/>
+              <a:t> </a:t>
+            </a:r>
+            <a:r>
+              <a:rPr lang="en-US" dirty="0" err="1"/>
+              <a:t>bằng</a:t>
+            </a:r>
+            <a:r>
+              <a:rPr lang="en-US" dirty="0"/>
+              <a:t> </a:t>
+            </a:r>
+            <a:r>
+              <a:rPr lang="en-US" dirty="0" err="1"/>
+              <a:t>bộ</a:t>
+            </a:r>
+            <a:r>
+              <a:rPr lang="en-US" dirty="0"/>
+              <a:t> </a:t>
+            </a:r>
+            <a:r>
+              <a:rPr lang="en-US" dirty="0" err="1"/>
+              <a:t>lọc</a:t>
+            </a:r>
+            <a:r>
+              <a:rPr lang="en-US" dirty="0"/>
+              <a:t>.</a:t>
+            </a:r>
+          </a:p>
+        </p:txBody>
+      </p:sp>
+      <p:pic>
+        <p:nvPicPr>
+          <p:cNvPr id="10" name="Content Placeholder 9">
+            <a:extLst>
+              <a:ext uri="{FF2B5EF4-FFF2-40B4-BE49-F238E27FC236}">
+                <a16:creationId xmlns:a16="http://schemas.microsoft.com/office/drawing/2014/main" id="{0784AF78-A3ED-40C7-8A41-FD149ABB84E1}"/>
+              </a:ext>
+            </a:extLst>
+          </p:cNvPr>
+          <p:cNvPicPr>
+            <a:picLocks noGrp="1" noChangeAspect="1"/>
+          </p:cNvPicPr>
+          <p:nvPr>
+            <p:ph idx="10"/>
+          </p:nvPr>
+        </p:nvPicPr>
+        <p:blipFill>
+          <a:blip r:embed="rId2"/>
+          <a:stretch>
+            <a:fillRect/>
+          </a:stretch>
+        </p:blipFill>
+        <p:spPr>
+          <a:xfrm>
+            <a:off x="0" y="2132856"/>
+            <a:ext cx="9126470" cy="4484067"/>
+          </a:xfrm>
+        </p:spPr>
+      </p:pic>
+    </p:spTree>
+    <p:extLst>
+      <p:ext uri="{BB962C8B-B14F-4D97-AF65-F5344CB8AC3E}">
+        <p14:creationId xmlns:p14="http://schemas.microsoft.com/office/powerpoint/2010/main" val="2318721089"/>
       </p:ext>
     </p:extLst>
   </p:cSld>
@@ -6588,7 +8283,7 @@
         <p:spPr>
           <a:xfrm>
             <a:off x="467542" y="2276872"/>
-            <a:ext cx="7848873" cy="863443"/>
+            <a:ext cx="7848873" cy="4176464"/>
           </a:xfrm>
         </p:spPr>
         <p:txBody>
@@ -6596,11 +8291,68 @@
           <a:lstStyle/>
           <a:p>
             <a:r>
-              <a:rPr lang="en-US" sz="2400" dirty="0">
-                <a:latin typeface="Arial" panose="020B0604020202020204" pitchFamily="34" charset="0"/>
-                <a:cs typeface="Arial" panose="020B0604020202020204" pitchFamily="34" charset="0"/>
-              </a:rPr>
-              <a:t>Backend: Spring Framework. </a:t>
+              <a:rPr lang="en-US" sz="2400" dirty="0" err="1">
+                <a:latin typeface="Arial" panose="020B0604020202020204" pitchFamily="34" charset="0"/>
+                <a:cs typeface="Arial" panose="020B0604020202020204" pitchFamily="34" charset="0"/>
+              </a:rPr>
+              <a:t>Ngôn</a:t>
+            </a:r>
+            <a:r>
+              <a:rPr lang="en-US" sz="2400" dirty="0">
+                <a:latin typeface="Arial" panose="020B0604020202020204" pitchFamily="34" charset="0"/>
+                <a:cs typeface="Arial" panose="020B0604020202020204" pitchFamily="34" charset="0"/>
+              </a:rPr>
+              <a:t> </a:t>
+            </a:r>
+            <a:r>
+              <a:rPr lang="en-US" sz="2400" dirty="0" err="1">
+                <a:latin typeface="Arial" panose="020B0604020202020204" pitchFamily="34" charset="0"/>
+                <a:cs typeface="Arial" panose="020B0604020202020204" pitchFamily="34" charset="0"/>
+              </a:rPr>
+              <a:t>ngữ</a:t>
+            </a:r>
+            <a:r>
+              <a:rPr lang="en-US" sz="2400" dirty="0">
+                <a:latin typeface="Arial" panose="020B0604020202020204" pitchFamily="34" charset="0"/>
+                <a:cs typeface="Arial" panose="020B0604020202020204" pitchFamily="34" charset="0"/>
+              </a:rPr>
+              <a:t>: java. </a:t>
+            </a:r>
+          </a:p>
+          <a:p>
+            <a:endParaRPr lang="en-US" sz="2400" dirty="0">
+              <a:latin typeface="Arial" panose="020B0604020202020204" pitchFamily="34" charset="0"/>
+              <a:cs typeface="Arial" panose="020B0604020202020204" pitchFamily="34" charset="0"/>
+            </a:endParaRPr>
+          </a:p>
+          <a:p>
+            <a:r>
+              <a:rPr lang="en-US" sz="2400" dirty="0" err="1">
+                <a:latin typeface="Arial" panose="020B0604020202020204" pitchFamily="34" charset="0"/>
+                <a:cs typeface="Arial" panose="020B0604020202020204" pitchFamily="34" charset="0"/>
+              </a:rPr>
+              <a:t>Frameword</a:t>
+            </a:r>
+            <a:r>
+              <a:rPr lang="en-US" sz="2400" dirty="0">
+                <a:latin typeface="Arial" panose="020B0604020202020204" pitchFamily="34" charset="0"/>
+                <a:cs typeface="Arial" panose="020B0604020202020204" pitchFamily="34" charset="0"/>
+              </a:rPr>
+              <a:t>: Spring </a:t>
+            </a:r>
+            <a:r>
+              <a:rPr lang="en-US" sz="2400" dirty="0" err="1">
+                <a:latin typeface="Arial" panose="020B0604020202020204" pitchFamily="34" charset="0"/>
+                <a:cs typeface="Arial" panose="020B0604020202020204" pitchFamily="34" charset="0"/>
+              </a:rPr>
+              <a:t>mvc</a:t>
+            </a:r>
+            <a:r>
+              <a:rPr lang="en-US" sz="2400" dirty="0">
+                <a:latin typeface="Arial" panose="020B0604020202020204" pitchFamily="34" charset="0"/>
+                <a:cs typeface="Arial" panose="020B0604020202020204" pitchFamily="34" charset="0"/>
+              </a:rPr>
+              <a:t>, spring security.	</a:t>
             </a:r>
           </a:p>
           <a:p>
@@ -7703,68 +9455,6 @@
                 <a:latin typeface="Arial" panose="020B0604020202020204" pitchFamily="34" charset="0"/>
                 <a:cs typeface="Arial" panose="020B0604020202020204" pitchFamily="34" charset="0"/>
               </a:rPr>
-              <a:t>Mã</a:t>
-            </a:r>
-            <a:r>
-              <a:rPr lang="en-US" sz="2400" dirty="0">
-                <a:latin typeface="Arial" panose="020B0604020202020204" pitchFamily="34" charset="0"/>
-                <a:cs typeface="Arial" panose="020B0604020202020204" pitchFamily="34" charset="0"/>
-              </a:rPr>
-              <a:t> </a:t>
-            </a:r>
-            <a:r>
-              <a:rPr lang="en-US" sz="2400" dirty="0" err="1">
-                <a:latin typeface="Arial" panose="020B0604020202020204" pitchFamily="34" charset="0"/>
-                <a:cs typeface="Arial" panose="020B0604020202020204" pitchFamily="34" charset="0"/>
-              </a:rPr>
-              <a:t>hóa</a:t>
-            </a:r>
-            <a:r>
-              <a:rPr lang="en-US" sz="2400" dirty="0">
-                <a:latin typeface="Arial" panose="020B0604020202020204" pitchFamily="34" charset="0"/>
-                <a:cs typeface="Arial" panose="020B0604020202020204" pitchFamily="34" charset="0"/>
-              </a:rPr>
-              <a:t> </a:t>
-            </a:r>
-            <a:r>
-              <a:rPr lang="en-US" sz="2400" dirty="0" err="1">
-                <a:latin typeface="Arial" panose="020B0604020202020204" pitchFamily="34" charset="0"/>
-                <a:cs typeface="Arial" panose="020B0604020202020204" pitchFamily="34" charset="0"/>
-              </a:rPr>
-              <a:t>mật</a:t>
-            </a:r>
-            <a:r>
-              <a:rPr lang="en-US" sz="2400" dirty="0">
-                <a:latin typeface="Arial" panose="020B0604020202020204" pitchFamily="34" charset="0"/>
-                <a:cs typeface="Arial" panose="020B0604020202020204" pitchFamily="34" charset="0"/>
-              </a:rPr>
-              <a:t> </a:t>
-            </a:r>
-            <a:r>
-              <a:rPr lang="en-US" sz="2400" dirty="0" err="1">
-                <a:latin typeface="Arial" panose="020B0604020202020204" pitchFamily="34" charset="0"/>
-                <a:cs typeface="Arial" panose="020B0604020202020204" pitchFamily="34" charset="0"/>
-              </a:rPr>
-              <a:t>khẩu</a:t>
-            </a:r>
-            <a:r>
-              <a:rPr lang="en-US" sz="2400" dirty="0">
-                <a:latin typeface="Arial" panose="020B0604020202020204" pitchFamily="34" charset="0"/>
-                <a:cs typeface="Arial" panose="020B0604020202020204" pitchFamily="34" charset="0"/>
-              </a:rPr>
-              <a:t>.</a:t>
-            </a:r>
-          </a:p>
-          <a:p>
-            <a:pPr marL="285750" indent="-285750">
-              <a:buFontTx/>
-              <a:buChar char="-"/>
-            </a:pPr>
-            <a:r>
-              <a:rPr lang="en-US" sz="2400" dirty="0" err="1">
-                <a:latin typeface="Arial" panose="020B0604020202020204" pitchFamily="34" charset="0"/>
-                <a:cs typeface="Arial" panose="020B0604020202020204" pitchFamily="34" charset="0"/>
-              </a:rPr>
               <a:t>Hạn</a:t>
             </a:r>
             <a:r>
@@ -8139,7 +9829,7 @@
           <p:cNvPr id="2" name="Title 1">
             <a:extLst>
               <a:ext uri="{FF2B5EF4-FFF2-40B4-BE49-F238E27FC236}">
-                <a16:creationId xmlns:a16="http://schemas.microsoft.com/office/drawing/2014/main" id="{EEF0CEA9-A23F-49E8-9161-AE813293A465}"/>
+                <a16:creationId xmlns:a16="http://schemas.microsoft.com/office/drawing/2014/main" id="{F59BB2CB-7ABB-44C8-BDA2-F194A12B8BA5}"/>
               </a:ext>
             </a:extLst>
           </p:cNvPr>
@@ -8157,7 +9847,39 @@
           <a:p>
             <a:r>
               <a:rPr lang="en-US" dirty="0"/>
-              <a:t>II. MÔ HÌNH HÓA.</a:t>
+              <a:t>II. </a:t>
+            </a:r>
+            <a:r>
+              <a:rPr lang="en-US" dirty="0" err="1"/>
+              <a:t>Đặc</a:t>
+            </a:r>
+            <a:r>
+              <a:rPr lang="en-US" dirty="0"/>
+              <a:t> </a:t>
+            </a:r>
+            <a:r>
+              <a:rPr lang="en-US" dirty="0" err="1"/>
+              <a:t>tả</a:t>
+            </a:r>
+            <a:r>
+              <a:rPr lang="en-US" dirty="0"/>
+              <a:t> </a:t>
+            </a:r>
+            <a:r>
+              <a:rPr lang="en-US" dirty="0" err="1"/>
+              <a:t>yêu</a:t>
+            </a:r>
+            <a:r>
+              <a:rPr lang="en-US" dirty="0"/>
+              <a:t> </a:t>
+            </a:r>
+            <a:r>
+              <a:rPr lang="en-US" dirty="0" err="1"/>
+              <a:t>cầu</a:t>
+            </a:r>
+            <a:r>
+              <a:rPr lang="en-US" dirty="0"/>
+              <a:t>.</a:t>
             </a:r>
           </a:p>
         </p:txBody>
@@ -8167,7 +9889,7 @@
           <p:cNvPr id="3" name="Content Placeholder 2">
             <a:extLst>
               <a:ext uri="{FF2B5EF4-FFF2-40B4-BE49-F238E27FC236}">
-                <a16:creationId xmlns:a16="http://schemas.microsoft.com/office/drawing/2014/main" id="{93408DDE-8DF2-4256-8BCF-DC2284004773}"/>
+                <a16:creationId xmlns:a16="http://schemas.microsoft.com/office/drawing/2014/main" id="{FD9A3AFC-C5E6-41A5-9F3D-659FA60AB25C}"/>
               </a:ext>
             </a:extLst>
           </p:cNvPr>
@@ -8181,99 +9903,72 @@
         <p:spPr>
           <a:xfrm>
             <a:off x="457200" y="1600200"/>
-            <a:ext cx="8229600" cy="4349080"/>
+            <a:ext cx="8229600" cy="1828799"/>
           </a:xfrm>
         </p:spPr>
         <p:txBody>
           <a:bodyPr/>
           <a:lstStyle/>
           <a:p>
-            <a:pPr marL="457200" indent="-457200">
+            <a:pPr marL="514350" indent="-514350">
               <a:buAutoNum type="arabicPeriod"/>
             </a:pPr>
             <a:r>
-              <a:rPr lang="en-US" sz="2800" dirty="0">
-                <a:latin typeface="Arial" panose="020B0604020202020204" pitchFamily="34" charset="0"/>
-                <a:cs typeface="Arial" panose="020B0604020202020204" pitchFamily="34" charset="0"/>
-              </a:rPr>
-              <a:t>Use-case diagram</a:t>
-            </a:r>
-          </a:p>
-          <a:p>
-            <a:pPr marL="457200" indent="-457200">
+              <a:rPr lang="en-US" sz="2800" b="1" dirty="0">
+                <a:latin typeface="Arial" panose="020B0604020202020204" pitchFamily="34" charset="0"/>
+                <a:cs typeface="Arial" panose="020B0604020202020204" pitchFamily="34" charset="0"/>
+              </a:rPr>
+              <a:t>Use-case diagram.</a:t>
+            </a:r>
+          </a:p>
+          <a:p>
+            <a:pPr marL="514350" indent="-514350">
               <a:buAutoNum type="arabicPeriod"/>
             </a:pPr>
-            <a:endParaRPr lang="en-US" sz="2800" dirty="0">
+            <a:r>
+              <a:rPr lang="en-US" sz="2800" b="1" dirty="0" err="1">
+                <a:latin typeface="Arial" panose="020B0604020202020204" pitchFamily="34" charset="0"/>
+                <a:cs typeface="Arial" panose="020B0604020202020204" pitchFamily="34" charset="0"/>
+              </a:rPr>
+              <a:t>Đặc</a:t>
+            </a:r>
+            <a:r>
+              <a:rPr lang="en-US" sz="2800" b="1" dirty="0">
+                <a:latin typeface="Arial" panose="020B0604020202020204" pitchFamily="34" charset="0"/>
+                <a:cs typeface="Arial" panose="020B0604020202020204" pitchFamily="34" charset="0"/>
+              </a:rPr>
+              <a:t> </a:t>
+            </a:r>
+            <a:r>
+              <a:rPr lang="en-US" sz="2800" b="1" dirty="0" err="1">
+                <a:latin typeface="Arial" panose="020B0604020202020204" pitchFamily="34" charset="0"/>
+                <a:cs typeface="Arial" panose="020B0604020202020204" pitchFamily="34" charset="0"/>
+              </a:rPr>
+              <a:t>tả</a:t>
+            </a:r>
+            <a:r>
+              <a:rPr lang="en-US" sz="2800" b="1" dirty="0">
+                <a:latin typeface="Arial" panose="020B0604020202020204" pitchFamily="34" charset="0"/>
+                <a:cs typeface="Arial" panose="020B0604020202020204" pitchFamily="34" charset="0"/>
+              </a:rPr>
+              <a:t> use-case</a:t>
+            </a:r>
+          </a:p>
+          <a:p>
+            <a:pPr marL="514350" indent="-514350">
+              <a:buAutoNum type="arabicPeriod"/>
+            </a:pPr>
+            <a:endParaRPr lang="en-US" sz="2800" b="1" dirty="0">
               <a:latin typeface="Arial" panose="020B0604020202020204" pitchFamily="34" charset="0"/>
               <a:cs typeface="Arial" panose="020B0604020202020204" pitchFamily="34" charset="0"/>
             </a:endParaRPr>
           </a:p>
-          <a:p>
-            <a:pPr marL="457200" indent="-457200">
-              <a:buAutoNum type="arabicPeriod"/>
-            </a:pPr>
-            <a:r>
-              <a:rPr lang="en-US" sz="2800" dirty="0">
-                <a:latin typeface="Arial" panose="020B0604020202020204" pitchFamily="34" charset="0"/>
-                <a:cs typeface="Arial" panose="020B0604020202020204" pitchFamily="34" charset="0"/>
-              </a:rPr>
-              <a:t>Sequence diagram</a:t>
-            </a:r>
-          </a:p>
-          <a:p>
-            <a:pPr marL="457200" indent="-457200">
-              <a:buAutoNum type="arabicPeriod"/>
-            </a:pPr>
-            <a:endParaRPr lang="en-US" sz="2800" dirty="0">
-              <a:latin typeface="Arial" panose="020B0604020202020204" pitchFamily="34" charset="0"/>
-              <a:cs typeface="Arial" panose="020B0604020202020204" pitchFamily="34" charset="0"/>
-            </a:endParaRPr>
-          </a:p>
-          <a:p>
-            <a:pPr marL="457200" indent="-457200">
-              <a:buAutoNum type="arabicPeriod"/>
-            </a:pPr>
-            <a:r>
-              <a:rPr lang="en-US" sz="2800" dirty="0">
-                <a:latin typeface="Arial" panose="020B0604020202020204" pitchFamily="34" charset="0"/>
-                <a:cs typeface="Arial" panose="020B0604020202020204" pitchFamily="34" charset="0"/>
-              </a:rPr>
-              <a:t>Class diagram</a:t>
-            </a:r>
-          </a:p>
-          <a:p>
-            <a:pPr marL="457200" indent="-457200">
-              <a:buAutoNum type="arabicPeriod"/>
-            </a:pPr>
-            <a:endParaRPr lang="en-US" sz="2800" dirty="0">
-              <a:latin typeface="Arial" panose="020B0604020202020204" pitchFamily="34" charset="0"/>
-              <a:cs typeface="Arial" panose="020B0604020202020204" pitchFamily="34" charset="0"/>
-            </a:endParaRPr>
-          </a:p>
-          <a:p>
-            <a:pPr marL="457200" indent="-457200">
-              <a:buAutoNum type="arabicPeriod"/>
-            </a:pPr>
-            <a:r>
-              <a:rPr lang="en-US" sz="2800" dirty="0">
-                <a:latin typeface="Arial" panose="020B0604020202020204" pitchFamily="34" charset="0"/>
-                <a:cs typeface="Arial" panose="020B0604020202020204" pitchFamily="34" charset="0"/>
-              </a:rPr>
-              <a:t>Database</a:t>
-            </a:r>
-          </a:p>
-          <a:p>
-            <a:pPr marL="457200" indent="-457200">
-              <a:buAutoNum type="arabicPeriod"/>
-            </a:pPr>
-            <a:endParaRPr lang="en-US" dirty="0"/>
-          </a:p>
         </p:txBody>
       </p:sp>
     </p:spTree>
     <p:extLst>
       <p:ext uri="{BB962C8B-B14F-4D97-AF65-F5344CB8AC3E}">
-        <p14:creationId xmlns:p14="http://schemas.microsoft.com/office/powerpoint/2010/main" val="3029648869"/>
+        <p14:creationId xmlns:p14="http://schemas.microsoft.com/office/powerpoint/2010/main" val="383881142"/>
       </p:ext>
     </p:extLst>
   </p:cSld>

--- a/document_slide/slide.pptx
+++ b/document_slide/slide.pptx
@@ -6,7 +6,7 @@
     <p:sldMasterId id="2147483661" r:id="rId2"/>
   </p:sldMasterIdLst>
   <p:notesMasterIdLst>
-    <p:notesMasterId r:id="rId26"/>
+    <p:notesMasterId r:id="rId27"/>
   </p:notesMasterIdLst>
   <p:sldIdLst>
     <p:sldId id="256" r:id="rId3"/>
@@ -30,8 +30,9 @@
     <p:sldId id="275" r:id="rId21"/>
     <p:sldId id="279" r:id="rId22"/>
     <p:sldId id="280" r:id="rId23"/>
-    <p:sldId id="276" r:id="rId24"/>
-    <p:sldId id="286" r:id="rId25"/>
+    <p:sldId id="287" r:id="rId24"/>
+    <p:sldId id="276" r:id="rId25"/>
+    <p:sldId id="286" r:id="rId26"/>
   </p:sldIdLst>
   <p:sldSz cx="9144000" cy="6858000" type="screen4x3"/>
   <p:notesSz cx="6858000" cy="9144000"/>
@@ -231,7 +232,7 @@
           <a:p>
             <a:fld id="{5F609D4A-8C95-4084-B08B-187B018FD4CB}" type="datetimeFigureOut">
               <a:rPr lang="en-US" smtClean="0"/>
-              <a:t>8/21/2021</a:t>
+              <a:t>8/22/2021</a:t>
             </a:fld>
             <a:endParaRPr lang="en-US"/>
           </a:p>
@@ -1040,7 +1041,7 @@
           <a:p>
             <a:fld id="{18DCCD61-643D-44A5-A450-3A42A50CBC1E}" type="datetimeFigureOut">
               <a:rPr lang="en-US" smtClean="0"/>
-              <a:t>8/21/2021</a:t>
+              <a:t>8/22/2021</a:t>
             </a:fld>
             <a:endParaRPr lang="en-US"/>
           </a:p>
@@ -1315,7 +1316,7 @@
           <a:p>
             <a:fld id="{18DCCD61-643D-44A5-A450-3A42A50CBC1E}" type="datetimeFigureOut">
               <a:rPr lang="en-US" smtClean="0"/>
-              <a:t>8/21/2021</a:t>
+              <a:t>8/22/2021</a:t>
             </a:fld>
             <a:endParaRPr lang="en-US"/>
           </a:p>
@@ -1567,7 +1568,7 @@
           <a:p>
             <a:fld id="{18DCCD61-643D-44A5-A450-3A42A50CBC1E}" type="datetimeFigureOut">
               <a:rPr lang="en-US" smtClean="0"/>
-              <a:t>8/21/2021</a:t>
+              <a:t>8/22/2021</a:t>
             </a:fld>
             <a:endParaRPr lang="en-US"/>
           </a:p>
@@ -1735,7 +1736,7 @@
           <a:p>
             <a:fld id="{18DCCD61-643D-44A5-A450-3A42A50CBC1E}" type="datetimeFigureOut">
               <a:rPr lang="en-US" smtClean="0"/>
-              <a:t>8/21/2021</a:t>
+              <a:t>8/22/2021</a:t>
             </a:fld>
             <a:endParaRPr lang="en-US"/>
           </a:p>
@@ -1913,7 +1914,7 @@
           <a:p>
             <a:fld id="{18DCCD61-643D-44A5-A450-3A42A50CBC1E}" type="datetimeFigureOut">
               <a:rPr lang="en-US" smtClean="0"/>
-              <a:t>8/21/2021</a:t>
+              <a:t>8/22/2021</a:t>
             </a:fld>
             <a:endParaRPr lang="en-US"/>
           </a:p>
@@ -2501,7 +2502,7 @@
           <a:p>
             <a:fld id="{18DCCD61-643D-44A5-A450-3A42A50CBC1E}" type="datetimeFigureOut">
               <a:rPr lang="en-US" smtClean="0"/>
-              <a:t>8/21/2021</a:t>
+              <a:t>8/22/2021</a:t>
             </a:fld>
             <a:endParaRPr lang="en-US"/>
           </a:p>
@@ -2669,7 +2670,7 @@
           <a:p>
             <a:fld id="{18DCCD61-643D-44A5-A450-3A42A50CBC1E}" type="datetimeFigureOut">
               <a:rPr lang="en-US" smtClean="0"/>
-              <a:t>8/21/2021</a:t>
+              <a:t>8/22/2021</a:t>
             </a:fld>
             <a:endParaRPr lang="en-US"/>
           </a:p>
@@ -2914,7 +2915,7 @@
           <a:p>
             <a:fld id="{18DCCD61-643D-44A5-A450-3A42A50CBC1E}" type="datetimeFigureOut">
               <a:rPr lang="en-US" smtClean="0"/>
-              <a:t>8/21/2021</a:t>
+              <a:t>8/22/2021</a:t>
             </a:fld>
             <a:endParaRPr lang="en-US"/>
           </a:p>
@@ -3199,7 +3200,7 @@
           <a:p>
             <a:fld id="{18DCCD61-643D-44A5-A450-3A42A50CBC1E}" type="datetimeFigureOut">
               <a:rPr lang="en-US" smtClean="0"/>
-              <a:t>8/21/2021</a:t>
+              <a:t>8/22/2021</a:t>
             </a:fld>
             <a:endParaRPr lang="en-US"/>
           </a:p>
@@ -3618,7 +3619,7 @@
           <a:p>
             <a:fld id="{18DCCD61-643D-44A5-A450-3A42A50CBC1E}" type="datetimeFigureOut">
               <a:rPr lang="en-US" smtClean="0"/>
-              <a:t>8/21/2021</a:t>
+              <a:t>8/22/2021</a:t>
             </a:fld>
             <a:endParaRPr lang="en-US"/>
           </a:p>
@@ -3735,7 +3736,7 @@
           <a:p>
             <a:fld id="{18DCCD61-643D-44A5-A450-3A42A50CBC1E}" type="datetimeFigureOut">
               <a:rPr lang="en-US" smtClean="0"/>
-              <a:t>8/21/2021</a:t>
+              <a:t>8/22/2021</a:t>
             </a:fld>
             <a:endParaRPr lang="en-US"/>
           </a:p>
@@ -4237,7 +4238,7 @@
           <a:p>
             <a:fld id="{18DCCD61-643D-44A5-A450-3A42A50CBC1E}" type="datetimeFigureOut">
               <a:rPr lang="en-US" smtClean="0"/>
-              <a:t>8/21/2021</a:t>
+              <a:t>8/22/2021</a:t>
             </a:fld>
             <a:endParaRPr lang="en-US"/>
           </a:p>
@@ -7171,6 +7172,132 @@
           <p:cNvPr id="2" name="Title 1">
             <a:extLst>
               <a:ext uri="{FF2B5EF4-FFF2-40B4-BE49-F238E27FC236}">
+                <a16:creationId xmlns:a16="http://schemas.microsoft.com/office/drawing/2014/main" id="{4F41B563-AB95-40D0-9DC3-CDEEA14DDE23}"/>
+              </a:ext>
+            </a:extLst>
+          </p:cNvPr>
+          <p:cNvSpPr>
+            <a:spLocks noGrp="1"/>
+          </p:cNvSpPr>
+          <p:nvPr>
+            <p:ph type="title"/>
+          </p:nvPr>
+        </p:nvSpPr>
+        <p:spPr/>
+        <p:txBody>
+          <a:bodyPr/>
+          <a:lstStyle/>
+          <a:p>
+            <a:r>
+              <a:rPr lang="en-US" dirty="0"/>
+              <a:t>3. Class diagram</a:t>
+            </a:r>
+          </a:p>
+        </p:txBody>
+      </p:sp>
+      <p:sp>
+        <p:nvSpPr>
+          <p:cNvPr id="3" name="Content Placeholder 2">
+            <a:extLst>
+              <a:ext uri="{FF2B5EF4-FFF2-40B4-BE49-F238E27FC236}">
+                <a16:creationId xmlns:a16="http://schemas.microsoft.com/office/drawing/2014/main" id="{64BF1040-DE12-488B-A4D4-84961826F1BF}"/>
+              </a:ext>
+            </a:extLst>
+          </p:cNvPr>
+          <p:cNvSpPr>
+            <a:spLocks noGrp="1"/>
+          </p:cNvSpPr>
+          <p:nvPr>
+            <p:ph idx="1"/>
+          </p:nvPr>
+        </p:nvSpPr>
+        <p:spPr/>
+        <p:txBody>
+          <a:bodyPr/>
+          <a:lstStyle/>
+          <a:p>
+            <a:r>
+              <a:rPr lang="en-US" dirty="0"/>
+              <a:t>3.3. </a:t>
+            </a:r>
+            <a:r>
+              <a:rPr lang="vi-VN" dirty="0"/>
+              <a:t>Tổng hợp</a:t>
+            </a:r>
+            <a:endParaRPr lang="en-US" dirty="0"/>
+          </a:p>
+        </p:txBody>
+      </p:sp>
+      <p:pic>
+        <p:nvPicPr>
+          <p:cNvPr id="8" name="Content Placeholder 7" descr="Diagram, timeline&#10;&#10;Description automatically generated">
+            <a:extLst>
+              <a:ext uri="{FF2B5EF4-FFF2-40B4-BE49-F238E27FC236}">
+                <a16:creationId xmlns:a16="http://schemas.microsoft.com/office/drawing/2014/main" id="{9934D2B2-F3B1-4BBA-99A8-2DAD6FBA6ACB}"/>
+              </a:ext>
+            </a:extLst>
+          </p:cNvPr>
+          <p:cNvPicPr>
+            <a:picLocks noGrp="1" noChangeAspect="1"/>
+          </p:cNvPicPr>
+          <p:nvPr>
+            <p:ph idx="10"/>
+          </p:nvPr>
+        </p:nvPicPr>
+        <p:blipFill>
+          <a:blip r:embed="rId2" cstate="print">
+            <a:extLst>
+              <a:ext uri="{28A0092B-C50C-407E-A947-70E740481C1C}">
+                <a14:useLocalDpi xmlns:a14="http://schemas.microsoft.com/office/drawing/2010/main" val="0"/>
+              </a:ext>
+            </a:extLst>
+          </a:blip>
+          <a:stretch>
+            <a:fillRect/>
+          </a:stretch>
+        </p:blipFill>
+        <p:spPr>
+          <a:xfrm>
+            <a:off x="954381" y="2276475"/>
+            <a:ext cx="7257464" cy="3600450"/>
+          </a:xfrm>
+        </p:spPr>
+      </p:pic>
+    </p:spTree>
+    <p:extLst>
+      <p:ext uri="{BB962C8B-B14F-4D97-AF65-F5344CB8AC3E}">
+        <p14:creationId xmlns:p14="http://schemas.microsoft.com/office/powerpoint/2010/main" val="3345686357"/>
+      </p:ext>
+    </p:extLst>
+  </p:cSld>
+  <p:clrMapOvr>
+    <a:masterClrMapping/>
+  </p:clrMapOvr>
+</p:sld>
+</file>
+
+<file path=ppt/slides/slide23.xml><?xml version="1.0" encoding="utf-8"?>
+<p:sld xmlns:a="http://schemas.openxmlformats.org/drawingml/2006/main" xmlns:r="http://schemas.openxmlformats.org/officeDocument/2006/relationships" xmlns:p="http://schemas.openxmlformats.org/presentationml/2006/main">
+  <p:cSld>
+    <p:spTree>
+      <p:nvGrpSpPr>
+        <p:cNvPr id="1" name=""/>
+        <p:cNvGrpSpPr/>
+        <p:nvPr/>
+      </p:nvGrpSpPr>
+      <p:grpSpPr>
+        <a:xfrm>
+          <a:off x="0" y="0"/>
+          <a:ext cx="0" cy="0"/>
+          <a:chOff x="0" y="0"/>
+          <a:chExt cx="0" cy="0"/>
+        </a:xfrm>
+      </p:grpSpPr>
+      <p:sp>
+        <p:nvSpPr>
+          <p:cNvPr id="2" name="Title 1">
+            <a:extLst>
+              <a:ext uri="{FF2B5EF4-FFF2-40B4-BE49-F238E27FC236}">
                 <a16:creationId xmlns:a16="http://schemas.microsoft.com/office/drawing/2014/main" id="{3F52AD2F-0F30-48ED-BA83-0A644CE1E27B}"/>
               </a:ext>
             </a:extLst>
@@ -7242,7 +7369,7 @@
 </p:sld>
 </file>
 
-<file path=ppt/slides/slide23.xml><?xml version="1.0" encoding="utf-8"?>
+<file path=ppt/slides/slide24.xml><?xml version="1.0" encoding="utf-8"?>
 <p:sld xmlns:a="http://schemas.openxmlformats.org/drawingml/2006/main" xmlns:r="http://schemas.openxmlformats.org/officeDocument/2006/relationships" xmlns:p="http://schemas.openxmlformats.org/presentationml/2006/main">
   <p:cSld>
     <p:spTree>

--- a/document_slide/slide.pptx
+++ b/document_slide/slide.pptx
@@ -6,7 +6,7 @@
     <p:sldMasterId id="2147483661" r:id="rId2"/>
   </p:sldMasterIdLst>
   <p:notesMasterIdLst>
-    <p:notesMasterId r:id="rId27"/>
+    <p:notesMasterId r:id="rId28"/>
   </p:notesMasterIdLst>
   <p:sldIdLst>
     <p:sldId id="256" r:id="rId3"/>
@@ -22,8 +22,8 @@
     <p:sldId id="267" r:id="rId13"/>
     <p:sldId id="281" r:id="rId14"/>
     <p:sldId id="282" r:id="rId15"/>
-    <p:sldId id="265" r:id="rId16"/>
-    <p:sldId id="283" r:id="rId17"/>
+    <p:sldId id="283" r:id="rId16"/>
+    <p:sldId id="265" r:id="rId17"/>
     <p:sldId id="272" r:id="rId18"/>
     <p:sldId id="277" r:id="rId19"/>
     <p:sldId id="278" r:id="rId20"/>
@@ -33,6 +33,7 @@
     <p:sldId id="287" r:id="rId24"/>
     <p:sldId id="276" r:id="rId25"/>
     <p:sldId id="286" r:id="rId26"/>
+    <p:sldId id="288" r:id="rId27"/>
   </p:sldIdLst>
   <p:sldSz cx="9144000" cy="6858000" type="screen4x3"/>
   <p:notesSz cx="6858000" cy="9144000"/>
@@ -5283,172 +5284,6 @@
           <p:cNvPr id="2" name="Title 1">
             <a:extLst>
               <a:ext uri="{FF2B5EF4-FFF2-40B4-BE49-F238E27FC236}">
-                <a16:creationId xmlns:a16="http://schemas.microsoft.com/office/drawing/2014/main" id="{EEF0CEA9-A23F-49E8-9161-AE813293A465}"/>
-              </a:ext>
-            </a:extLst>
-          </p:cNvPr>
-          <p:cNvSpPr>
-            <a:spLocks noGrp="1"/>
-          </p:cNvSpPr>
-          <p:nvPr>
-            <p:ph type="title"/>
-          </p:nvPr>
-        </p:nvSpPr>
-        <p:spPr/>
-        <p:txBody>
-          <a:bodyPr/>
-          <a:lstStyle/>
-          <a:p>
-            <a:r>
-              <a:rPr lang="en-US" dirty="0"/>
-              <a:t>III. MÔ HÌNH HÓA.</a:t>
-            </a:r>
-          </a:p>
-        </p:txBody>
-      </p:sp>
-      <p:sp>
-        <p:nvSpPr>
-          <p:cNvPr id="3" name="Content Placeholder 2">
-            <a:extLst>
-              <a:ext uri="{FF2B5EF4-FFF2-40B4-BE49-F238E27FC236}">
-                <a16:creationId xmlns:a16="http://schemas.microsoft.com/office/drawing/2014/main" id="{93408DDE-8DF2-4256-8BCF-DC2284004773}"/>
-              </a:ext>
-            </a:extLst>
-          </p:cNvPr>
-          <p:cNvSpPr>
-            <a:spLocks noGrp="1"/>
-          </p:cNvSpPr>
-          <p:nvPr>
-            <p:ph idx="1"/>
-          </p:nvPr>
-        </p:nvSpPr>
-        <p:spPr>
-          <a:xfrm>
-            <a:off x="457200" y="1600200"/>
-            <a:ext cx="8229600" cy="4349080"/>
-          </a:xfrm>
-        </p:spPr>
-        <p:txBody>
-          <a:bodyPr/>
-          <a:lstStyle/>
-          <a:p>
-            <a:pPr marL="457200" indent="-457200">
-              <a:buAutoNum type="arabicPeriod"/>
-            </a:pPr>
-            <a:r>
-              <a:rPr lang="en-US" sz="2800" dirty="0">
-                <a:latin typeface="Arial" panose="020B0604020202020204" pitchFamily="34" charset="0"/>
-                <a:cs typeface="Arial" panose="020B0604020202020204" pitchFamily="34" charset="0"/>
-              </a:rPr>
-              <a:t>Use-case diagram</a:t>
-            </a:r>
-          </a:p>
-          <a:p>
-            <a:pPr marL="457200" indent="-457200">
-              <a:buAutoNum type="arabicPeriod"/>
-            </a:pPr>
-            <a:endParaRPr lang="en-US" sz="2800" dirty="0">
-              <a:latin typeface="Arial" panose="020B0604020202020204" pitchFamily="34" charset="0"/>
-              <a:cs typeface="Arial" panose="020B0604020202020204" pitchFamily="34" charset="0"/>
-            </a:endParaRPr>
-          </a:p>
-          <a:p>
-            <a:pPr marL="457200" indent="-457200">
-              <a:buAutoNum type="arabicPeriod"/>
-            </a:pPr>
-            <a:r>
-              <a:rPr lang="en-US" sz="2800" dirty="0">
-                <a:latin typeface="Arial" panose="020B0604020202020204" pitchFamily="34" charset="0"/>
-                <a:cs typeface="Arial" panose="020B0604020202020204" pitchFamily="34" charset="0"/>
-              </a:rPr>
-              <a:t>Sequence diagram</a:t>
-            </a:r>
-          </a:p>
-          <a:p>
-            <a:pPr marL="457200" indent="-457200">
-              <a:buAutoNum type="arabicPeriod"/>
-            </a:pPr>
-            <a:endParaRPr lang="en-US" sz="2800" dirty="0">
-              <a:latin typeface="Arial" panose="020B0604020202020204" pitchFamily="34" charset="0"/>
-              <a:cs typeface="Arial" panose="020B0604020202020204" pitchFamily="34" charset="0"/>
-            </a:endParaRPr>
-          </a:p>
-          <a:p>
-            <a:pPr marL="457200" indent="-457200">
-              <a:buAutoNum type="arabicPeriod"/>
-            </a:pPr>
-            <a:r>
-              <a:rPr lang="en-US" sz="2800" dirty="0">
-                <a:latin typeface="Arial" panose="020B0604020202020204" pitchFamily="34" charset="0"/>
-                <a:cs typeface="Arial" panose="020B0604020202020204" pitchFamily="34" charset="0"/>
-              </a:rPr>
-              <a:t>Class diagram</a:t>
-            </a:r>
-          </a:p>
-          <a:p>
-            <a:pPr marL="457200" indent="-457200">
-              <a:buAutoNum type="arabicPeriod"/>
-            </a:pPr>
-            <a:endParaRPr lang="en-US" sz="2800" dirty="0">
-              <a:latin typeface="Arial" panose="020B0604020202020204" pitchFamily="34" charset="0"/>
-              <a:cs typeface="Arial" panose="020B0604020202020204" pitchFamily="34" charset="0"/>
-            </a:endParaRPr>
-          </a:p>
-          <a:p>
-            <a:pPr marL="457200" indent="-457200">
-              <a:buAutoNum type="arabicPeriod"/>
-            </a:pPr>
-            <a:r>
-              <a:rPr lang="en-US" sz="2800" dirty="0">
-                <a:latin typeface="Arial" panose="020B0604020202020204" pitchFamily="34" charset="0"/>
-                <a:cs typeface="Arial" panose="020B0604020202020204" pitchFamily="34" charset="0"/>
-              </a:rPr>
-              <a:t>Database</a:t>
-            </a:r>
-          </a:p>
-          <a:p>
-            <a:pPr marL="457200" indent="-457200">
-              <a:buAutoNum type="arabicPeriod"/>
-            </a:pPr>
-            <a:endParaRPr lang="en-US" dirty="0"/>
-          </a:p>
-        </p:txBody>
-      </p:sp>
-    </p:spTree>
-    <p:extLst>
-      <p:ext uri="{BB962C8B-B14F-4D97-AF65-F5344CB8AC3E}">
-        <p14:creationId xmlns:p14="http://schemas.microsoft.com/office/powerpoint/2010/main" val="3029648869"/>
-      </p:ext>
-    </p:extLst>
-  </p:cSld>
-  <p:clrMapOvr>
-    <a:masterClrMapping/>
-  </p:clrMapOvr>
-</p:sld>
-</file>
-
-<file path=ppt/slides/slide15.xml><?xml version="1.0" encoding="utf-8"?>
-<p:sld xmlns:a="http://schemas.openxmlformats.org/drawingml/2006/main" xmlns:r="http://schemas.openxmlformats.org/officeDocument/2006/relationships" xmlns:p="http://schemas.openxmlformats.org/presentationml/2006/main">
-  <p:cSld>
-    <p:spTree>
-      <p:nvGrpSpPr>
-        <p:cNvPr id="1" name=""/>
-        <p:cNvGrpSpPr/>
-        <p:nvPr/>
-      </p:nvGrpSpPr>
-      <p:grpSpPr>
-        <a:xfrm>
-          <a:off x="0" y="0"/>
-          <a:ext cx="0" cy="0"/>
-          <a:chOff x="0" y="0"/>
-          <a:chExt cx="0" cy="0"/>
-        </a:xfrm>
-      </p:grpSpPr>
-      <p:sp>
-        <p:nvSpPr>
-          <p:cNvPr id="2" name="Title 1">
-            <a:extLst>
-              <a:ext uri="{FF2B5EF4-FFF2-40B4-BE49-F238E27FC236}">
                 <a16:creationId xmlns:a16="http://schemas.microsoft.com/office/drawing/2014/main" id="{0FE03B7B-7185-4454-803B-B106D441A7B4}"/>
               </a:ext>
             </a:extLst>
@@ -5573,7 +5408,173 @@
     </p:spTree>
     <p:extLst>
       <p:ext uri="{BB962C8B-B14F-4D97-AF65-F5344CB8AC3E}">
-        <p14:creationId xmlns:p14="http://schemas.microsoft.com/office/powerpoint/2010/main" val="1515359564"/>
+        <p14:creationId xmlns:p14="http://schemas.microsoft.com/office/powerpoint/2010/main" val="2060130343"/>
+      </p:ext>
+    </p:extLst>
+  </p:cSld>
+  <p:clrMapOvr>
+    <a:masterClrMapping/>
+  </p:clrMapOvr>
+</p:sld>
+</file>
+
+<file path=ppt/slides/slide15.xml><?xml version="1.0" encoding="utf-8"?>
+<p:sld xmlns:a="http://schemas.openxmlformats.org/drawingml/2006/main" xmlns:r="http://schemas.openxmlformats.org/officeDocument/2006/relationships" xmlns:p="http://schemas.openxmlformats.org/presentationml/2006/main">
+  <p:cSld>
+    <p:spTree>
+      <p:nvGrpSpPr>
+        <p:cNvPr id="1" name=""/>
+        <p:cNvGrpSpPr/>
+        <p:nvPr/>
+      </p:nvGrpSpPr>
+      <p:grpSpPr>
+        <a:xfrm>
+          <a:off x="0" y="0"/>
+          <a:ext cx="0" cy="0"/>
+          <a:chOff x="0" y="0"/>
+          <a:chExt cx="0" cy="0"/>
+        </a:xfrm>
+      </p:grpSpPr>
+      <p:sp>
+        <p:nvSpPr>
+          <p:cNvPr id="2" name="Title 1">
+            <a:extLst>
+              <a:ext uri="{FF2B5EF4-FFF2-40B4-BE49-F238E27FC236}">
+                <a16:creationId xmlns:a16="http://schemas.microsoft.com/office/drawing/2014/main" id="{EEF0CEA9-A23F-49E8-9161-AE813293A465}"/>
+              </a:ext>
+            </a:extLst>
+          </p:cNvPr>
+          <p:cNvSpPr>
+            <a:spLocks noGrp="1"/>
+          </p:cNvSpPr>
+          <p:nvPr>
+            <p:ph type="title"/>
+          </p:nvPr>
+        </p:nvSpPr>
+        <p:spPr/>
+        <p:txBody>
+          <a:bodyPr/>
+          <a:lstStyle/>
+          <a:p>
+            <a:r>
+              <a:rPr lang="en-US" dirty="0"/>
+              <a:t>III. MÔ HÌNH HÓA.</a:t>
+            </a:r>
+          </a:p>
+        </p:txBody>
+      </p:sp>
+      <p:sp>
+        <p:nvSpPr>
+          <p:cNvPr id="3" name="Content Placeholder 2">
+            <a:extLst>
+              <a:ext uri="{FF2B5EF4-FFF2-40B4-BE49-F238E27FC236}">
+                <a16:creationId xmlns:a16="http://schemas.microsoft.com/office/drawing/2014/main" id="{93408DDE-8DF2-4256-8BCF-DC2284004773}"/>
+              </a:ext>
+            </a:extLst>
+          </p:cNvPr>
+          <p:cNvSpPr>
+            <a:spLocks noGrp="1"/>
+          </p:cNvSpPr>
+          <p:nvPr>
+            <p:ph idx="1"/>
+          </p:nvPr>
+        </p:nvSpPr>
+        <p:spPr>
+          <a:xfrm>
+            <a:off x="457200" y="1600200"/>
+            <a:ext cx="8229600" cy="4349080"/>
+          </a:xfrm>
+        </p:spPr>
+        <p:txBody>
+          <a:bodyPr/>
+          <a:lstStyle/>
+          <a:p>
+            <a:pPr marL="457200" indent="-457200">
+              <a:buAutoNum type="arabicPeriod"/>
+            </a:pPr>
+            <a:r>
+              <a:rPr lang="en-US" sz="2800" dirty="0">
+                <a:latin typeface="Arial" panose="020B0604020202020204" pitchFamily="34" charset="0"/>
+                <a:cs typeface="Arial" panose="020B0604020202020204" pitchFamily="34" charset="0"/>
+              </a:rPr>
+              <a:t>Use-case diagram</a:t>
+            </a:r>
+          </a:p>
+          <a:p>
+            <a:pPr marL="457200" indent="-457200">
+              <a:buAutoNum type="arabicPeriod"/>
+            </a:pPr>
+            <a:endParaRPr lang="en-US" sz="2800" dirty="0">
+              <a:latin typeface="Arial" panose="020B0604020202020204" pitchFamily="34" charset="0"/>
+              <a:cs typeface="Arial" panose="020B0604020202020204" pitchFamily="34" charset="0"/>
+            </a:endParaRPr>
+          </a:p>
+          <a:p>
+            <a:pPr marL="457200" indent="-457200">
+              <a:buAutoNum type="arabicPeriod"/>
+            </a:pPr>
+            <a:r>
+              <a:rPr lang="en-US" sz="2800" dirty="0">
+                <a:latin typeface="Arial" panose="020B0604020202020204" pitchFamily="34" charset="0"/>
+                <a:cs typeface="Arial" panose="020B0604020202020204" pitchFamily="34" charset="0"/>
+              </a:rPr>
+              <a:t>Sequence diagram</a:t>
+            </a:r>
+          </a:p>
+          <a:p>
+            <a:pPr marL="457200" indent="-457200">
+              <a:buAutoNum type="arabicPeriod"/>
+            </a:pPr>
+            <a:endParaRPr lang="en-US" sz="2800" dirty="0">
+              <a:latin typeface="Arial" panose="020B0604020202020204" pitchFamily="34" charset="0"/>
+              <a:cs typeface="Arial" panose="020B0604020202020204" pitchFamily="34" charset="0"/>
+            </a:endParaRPr>
+          </a:p>
+          <a:p>
+            <a:pPr marL="457200" indent="-457200">
+              <a:buAutoNum type="arabicPeriod"/>
+            </a:pPr>
+            <a:r>
+              <a:rPr lang="en-US" sz="2800" dirty="0">
+                <a:latin typeface="Arial" panose="020B0604020202020204" pitchFamily="34" charset="0"/>
+                <a:cs typeface="Arial" panose="020B0604020202020204" pitchFamily="34" charset="0"/>
+              </a:rPr>
+              <a:t>Class diagram</a:t>
+            </a:r>
+          </a:p>
+          <a:p>
+            <a:pPr marL="457200" indent="-457200">
+              <a:buAutoNum type="arabicPeriod"/>
+            </a:pPr>
+            <a:endParaRPr lang="en-US" sz="2800" dirty="0">
+              <a:latin typeface="Arial" panose="020B0604020202020204" pitchFamily="34" charset="0"/>
+              <a:cs typeface="Arial" panose="020B0604020202020204" pitchFamily="34" charset="0"/>
+            </a:endParaRPr>
+          </a:p>
+          <a:p>
+            <a:pPr marL="457200" indent="-457200">
+              <a:buAutoNum type="arabicPeriod"/>
+            </a:pPr>
+            <a:r>
+              <a:rPr lang="en-US" sz="2800" dirty="0">
+                <a:latin typeface="Arial" panose="020B0604020202020204" pitchFamily="34" charset="0"/>
+                <a:cs typeface="Arial" panose="020B0604020202020204" pitchFamily="34" charset="0"/>
+              </a:rPr>
+              <a:t>Database</a:t>
+            </a:r>
+          </a:p>
+          <a:p>
+            <a:pPr marL="457200" indent="-457200">
+              <a:buAutoNum type="arabicPeriod"/>
+            </a:pPr>
+            <a:endParaRPr lang="en-US" dirty="0"/>
+          </a:p>
+        </p:txBody>
+      </p:sp>
+    </p:spTree>
+    <p:extLst>
+      <p:ext uri="{BB962C8B-B14F-4D97-AF65-F5344CB8AC3E}">
+        <p14:creationId xmlns:p14="http://schemas.microsoft.com/office/powerpoint/2010/main" val="3029648869"/>
       </p:ext>
     </p:extLst>
   </p:cSld>
@@ -7536,6 +7537,193 @@
     <p:extLst>
       <p:ext uri="{BB962C8B-B14F-4D97-AF65-F5344CB8AC3E}">
         <p14:creationId xmlns:p14="http://schemas.microsoft.com/office/powerpoint/2010/main" val="2318721089"/>
+      </p:ext>
+    </p:extLst>
+  </p:cSld>
+  <p:clrMapOvr>
+    <a:masterClrMapping/>
+  </p:clrMapOvr>
+</p:sld>
+</file>
+
+<file path=ppt/slides/slide25.xml><?xml version="1.0" encoding="utf-8"?>
+<p:sld xmlns:a="http://schemas.openxmlformats.org/drawingml/2006/main" xmlns:r="http://schemas.openxmlformats.org/officeDocument/2006/relationships" xmlns:p="http://schemas.openxmlformats.org/presentationml/2006/main">
+  <p:cSld>
+    <p:spTree>
+      <p:nvGrpSpPr>
+        <p:cNvPr id="1" name=""/>
+        <p:cNvGrpSpPr/>
+        <p:nvPr/>
+      </p:nvGrpSpPr>
+      <p:grpSpPr>
+        <a:xfrm>
+          <a:off x="0" y="0"/>
+          <a:ext cx="0" cy="0"/>
+          <a:chOff x="0" y="0"/>
+          <a:chExt cx="0" cy="0"/>
+        </a:xfrm>
+      </p:grpSpPr>
+      <p:sp>
+        <p:nvSpPr>
+          <p:cNvPr id="2" name="Title 1">
+            <a:extLst>
+              <a:ext uri="{FF2B5EF4-FFF2-40B4-BE49-F238E27FC236}">
+                <a16:creationId xmlns:a16="http://schemas.microsoft.com/office/drawing/2014/main" id="{D90B7FF3-1EBB-4A4E-895A-A484F481FB4C}"/>
+              </a:ext>
+            </a:extLst>
+          </p:cNvPr>
+          <p:cNvSpPr>
+            <a:spLocks noGrp="1"/>
+          </p:cNvSpPr>
+          <p:nvPr>
+            <p:ph type="title"/>
+          </p:nvPr>
+        </p:nvSpPr>
+        <p:spPr/>
+        <p:txBody>
+          <a:bodyPr/>
+          <a:lstStyle/>
+          <a:p>
+            <a:r>
+              <a:rPr lang="en-US" dirty="0"/>
+              <a:t>IV. </a:t>
+            </a:r>
+            <a:r>
+              <a:rPr lang="en-US" dirty="0" err="1"/>
+              <a:t>Kiểm</a:t>
+            </a:r>
+            <a:r>
+              <a:rPr lang="en-US" dirty="0"/>
+              <a:t> </a:t>
+            </a:r>
+            <a:r>
+              <a:rPr lang="en-US" dirty="0" err="1"/>
+              <a:t>thử</a:t>
+            </a:r>
+            <a:endParaRPr lang="en-US" dirty="0"/>
+          </a:p>
+        </p:txBody>
+      </p:sp>
+      <p:sp>
+        <p:nvSpPr>
+          <p:cNvPr id="3" name="Content Placeholder 2">
+            <a:extLst>
+              <a:ext uri="{FF2B5EF4-FFF2-40B4-BE49-F238E27FC236}">
+                <a16:creationId xmlns:a16="http://schemas.microsoft.com/office/drawing/2014/main" id="{D9516BD3-E0C4-4FC0-B0A5-9776E3568EA8}"/>
+              </a:ext>
+            </a:extLst>
+          </p:cNvPr>
+          <p:cNvSpPr>
+            <a:spLocks noGrp="1"/>
+          </p:cNvSpPr>
+          <p:nvPr>
+            <p:ph idx="1"/>
+          </p:nvPr>
+        </p:nvSpPr>
+        <p:spPr/>
+        <p:txBody>
+          <a:bodyPr/>
+          <a:lstStyle/>
+          <a:p>
+            <a:r>
+              <a:rPr lang="en-US"/>
+              <a:t>IV.2. </a:t>
+            </a:r>
+            <a:r>
+              <a:rPr lang="en-US" dirty="0" err="1"/>
+              <a:t>Tìm</a:t>
+            </a:r>
+            <a:r>
+              <a:rPr lang="en-US" dirty="0"/>
+              <a:t> </a:t>
+            </a:r>
+            <a:r>
+              <a:rPr lang="en-US" dirty="0" err="1"/>
+              <a:t>kiềm</a:t>
+            </a:r>
+            <a:r>
+              <a:rPr lang="en-US" dirty="0"/>
+              <a:t> </a:t>
+            </a:r>
+            <a:r>
+              <a:rPr lang="en-US" dirty="0" err="1"/>
+              <a:t>phòng</a:t>
+            </a:r>
+            <a:r>
+              <a:rPr lang="en-US" dirty="0"/>
+              <a:t> </a:t>
+            </a:r>
+            <a:r>
+              <a:rPr lang="en-US" dirty="0" err="1"/>
+              <a:t>bằng</a:t>
+            </a:r>
+            <a:r>
+              <a:rPr lang="en-US" dirty="0"/>
+              <a:t> </a:t>
+            </a:r>
+            <a:r>
+              <a:rPr lang="en-US" dirty="0" err="1"/>
+              <a:t>thanh</a:t>
+            </a:r>
+            <a:r>
+              <a:rPr lang="en-US" dirty="0"/>
+              <a:t> </a:t>
+            </a:r>
+            <a:r>
+              <a:rPr lang="en-US" dirty="0" err="1"/>
+              <a:t>tìm</a:t>
+            </a:r>
+            <a:r>
+              <a:rPr lang="en-US" dirty="0"/>
+              <a:t> </a:t>
+            </a:r>
+            <a:r>
+              <a:rPr lang="en-US" dirty="0" err="1"/>
+              <a:t>kiếm</a:t>
+            </a:r>
+            <a:r>
+              <a:rPr lang="en-US" dirty="0"/>
+              <a:t> keyword.</a:t>
+            </a:r>
+          </a:p>
+        </p:txBody>
+      </p:sp>
+      <p:pic>
+        <p:nvPicPr>
+          <p:cNvPr id="7" name="Content Placeholder 6">
+            <a:extLst>
+              <a:ext uri="{FF2B5EF4-FFF2-40B4-BE49-F238E27FC236}">
+                <a16:creationId xmlns:a16="http://schemas.microsoft.com/office/drawing/2014/main" id="{61B88862-DB71-429E-8D7F-E0ACBA321A9C}"/>
+              </a:ext>
+            </a:extLst>
+          </p:cNvPr>
+          <p:cNvPicPr>
+            <a:picLocks noGrp="1"/>
+          </p:cNvPicPr>
+          <p:nvPr>
+            <p:ph idx="10"/>
+          </p:nvPr>
+        </p:nvPicPr>
+        <p:blipFill>
+          <a:blip r:embed="rId2"/>
+          <a:stretch>
+            <a:fillRect/>
+          </a:stretch>
+        </p:blipFill>
+        <p:spPr>
+          <a:xfrm>
+            <a:off x="0" y="2044934"/>
+            <a:ext cx="9144000" cy="4672246"/>
+          </a:xfrm>
+          <a:prstGeom prst="rect">
+            <a:avLst/>
+          </a:prstGeom>
+        </p:spPr>
+      </p:pic>
+    </p:spTree>
+    <p:extLst>
+      <p:ext uri="{BB962C8B-B14F-4D97-AF65-F5344CB8AC3E}">
+        <p14:creationId xmlns:p14="http://schemas.microsoft.com/office/powerpoint/2010/main" val="213165840"/>
       </p:ext>
     </p:extLst>
   </p:cSld>

--- a/document_slide/slide.pptx
+++ b/document_slide/slide.pptx
@@ -6112,7 +6112,7 @@
           <a:p>
             <a:r>
               <a:rPr lang="en-US" dirty="0"/>
-              <a:t>3. Class diagram</a:t>
+              <a:t>4. Class diagram</a:t>
             </a:r>
           </a:p>
         </p:txBody>
@@ -6140,7 +6140,7 @@
           <a:p>
             <a:r>
               <a:rPr lang="en-US" dirty="0"/>
-              <a:t>3.1. </a:t>
+              <a:t>4.1. </a:t>
             </a:r>
             <a:r>
               <a:rPr lang="en-US" dirty="0" err="1"/>
@@ -6893,7 +6893,7 @@
           <a:p>
             <a:r>
               <a:rPr lang="en-US" dirty="0"/>
-              <a:t>3. Class diagram</a:t>
+              <a:t>4. Class diagram</a:t>
             </a:r>
           </a:p>
         </p:txBody>
@@ -6921,7 +6921,7 @@
           <a:p>
             <a:r>
               <a:rPr lang="en-US" dirty="0"/>
-              <a:t>3.2. </a:t>
+              <a:t>4.2. </a:t>
             </a:r>
             <a:r>
               <a:rPr lang="en-US" dirty="0" err="1"/>
@@ -7062,7 +7062,7 @@
           <a:p>
             <a:r>
               <a:rPr lang="en-US" dirty="0"/>
-              <a:t>3. Class diagram</a:t>
+              <a:t>4. Class diagram</a:t>
             </a:r>
           </a:p>
         </p:txBody>
@@ -7090,7 +7090,7 @@
           <a:p>
             <a:r>
               <a:rPr lang="en-US" dirty="0"/>
-              <a:t>3.3. Thanh </a:t>
+              <a:t>4.3. Thanh </a:t>
             </a:r>
             <a:r>
               <a:rPr lang="en-US" dirty="0" err="1"/>
@@ -7191,7 +7191,7 @@
           <a:p>
             <a:r>
               <a:rPr lang="en-US" dirty="0"/>
-              <a:t>3. Class diagram</a:t>
+              <a:t>4. Class diagram</a:t>
             </a:r>
           </a:p>
         </p:txBody>
@@ -7219,7 +7219,7 @@
           <a:p>
             <a:r>
               <a:rPr lang="en-US" dirty="0"/>
-              <a:t>3.3. </a:t>
+              <a:t>4.3. </a:t>
             </a:r>
             <a:r>
               <a:rPr lang="vi-VN" dirty="0"/>
@@ -7259,8 +7259,8 @@
         </p:blipFill>
         <p:spPr>
           <a:xfrm>
-            <a:off x="954381" y="2276475"/>
-            <a:ext cx="7257464" cy="3600450"/>
+            <a:off x="227945" y="2276474"/>
+            <a:ext cx="7983900" cy="3960837"/>
           </a:xfrm>
         </p:spPr>
       </p:pic>
@@ -7626,7 +7626,7 @@
           <a:lstStyle/>
           <a:p>
             <a:r>
-              <a:rPr lang="en-US"/>
+              <a:rPr lang="en-US" dirty="0"/>
               <a:t>IV.2. </a:t>
             </a:r>
             <a:r>

--- a/document_slide/slide.pptx
+++ b/document_slide/slide.pptx
@@ -5489,7 +5489,8 @@
           <a:bodyPr/>
           <a:lstStyle/>
           <a:p>
-            <a:pPr marL="457200" indent="-457200">
+            <a:pPr marL="514350" indent="-514350">
+              <a:buFont typeface="+mj-lt"/>
               <a:buAutoNum type="arabicPeriod"/>
             </a:pPr>
             <a:r>
@@ -5497,7 +5498,7 @@
                 <a:latin typeface="Arial" panose="020B0604020202020204" pitchFamily="34" charset="0"/>
                 <a:cs typeface="Arial" panose="020B0604020202020204" pitchFamily="34" charset="0"/>
               </a:rPr>
-              <a:t>Use-case diagram</a:t>
+              <a:t>Sequence diagram</a:t>
             </a:r>
           </a:p>
           <a:p>
@@ -5518,7 +5519,7 @@
                 <a:latin typeface="Arial" panose="020B0604020202020204" pitchFamily="34" charset="0"/>
                 <a:cs typeface="Arial" panose="020B0604020202020204" pitchFamily="34" charset="0"/>
               </a:rPr>
-              <a:t>Sequence diagram</a:t>
+              <a:t>Class diagram</a:t>
             </a:r>
           </a:p>
           <a:p>
@@ -5539,28 +5540,7 @@
                 <a:latin typeface="Arial" panose="020B0604020202020204" pitchFamily="34" charset="0"/>
                 <a:cs typeface="Arial" panose="020B0604020202020204" pitchFamily="34" charset="0"/>
               </a:rPr>
-              <a:t>Class diagram</a:t>
-            </a:r>
-          </a:p>
-          <a:p>
-            <a:pPr marL="457200" indent="-457200">
-              <a:buAutoNum type="arabicPeriod"/>
-            </a:pPr>
-            <a:endParaRPr lang="en-US" sz="2800" dirty="0">
-              <a:latin typeface="Arial" panose="020B0604020202020204" pitchFamily="34" charset="0"/>
-              <a:cs typeface="Arial" panose="020B0604020202020204" pitchFamily="34" charset="0"/>
-            </a:endParaRPr>
-          </a:p>
-          <a:p>
-            <a:pPr marL="457200" indent="-457200">
-              <a:buAutoNum type="arabicPeriod"/>
-            </a:pPr>
-            <a:r>
-              <a:rPr lang="en-US" sz="2800" dirty="0">
-                <a:latin typeface="Arial" panose="020B0604020202020204" pitchFamily="34" charset="0"/>
-                <a:cs typeface="Arial" panose="020B0604020202020204" pitchFamily="34" charset="0"/>
-              </a:rPr>
-              <a:t>Database</a:t>
+              <a:t>ERD</a:t>
             </a:r>
           </a:p>
           <a:p>
@@ -5624,7 +5604,7 @@
           <a:p>
             <a:r>
               <a:rPr lang="en-US" dirty="0"/>
-              <a:t>3. Sequence Diagram</a:t>
+              <a:t>1. Sequence Diagram</a:t>
             </a:r>
           </a:p>
         </p:txBody>
@@ -5659,7 +5639,7 @@
           <a:p>
             <a:r>
               <a:rPr lang="en-US" dirty="0"/>
-              <a:t>3.1. Sequence diagram :</a:t>
+              <a:t>1.1. Sequence diagram :</a:t>
             </a:r>
             <a:r>
               <a:rPr lang="en-US" dirty="0" err="1"/>
@@ -5798,7 +5778,7 @@
           <a:p>
             <a:r>
               <a:rPr lang="en-US" dirty="0"/>
-              <a:t>3. Sequence Diagram</a:t>
+              <a:t>1. Sequence Diagram</a:t>
             </a:r>
           </a:p>
         </p:txBody>
@@ -5833,7 +5813,7 @@
           <a:p>
             <a:r>
               <a:rPr lang="en-US" dirty="0"/>
-              <a:t>3.2. Sequence diagram :</a:t>
+              <a:t>1.2. Sequence diagram :</a:t>
             </a:r>
             <a:r>
               <a:rPr lang="en-US" dirty="0" err="1"/>
@@ -5975,7 +5955,7 @@
           <a:p>
             <a:r>
               <a:rPr lang="en-US" dirty="0"/>
-              <a:t>3. Sequence Diagram</a:t>
+              <a:t>1. Sequence Diagram</a:t>
             </a:r>
           </a:p>
         </p:txBody>
@@ -6010,7 +5990,7 @@
           <a:p>
             <a:r>
               <a:rPr lang="en-US" dirty="0"/>
-              <a:t>3.3. Sequence diagram :Thanh </a:t>
+              <a:t>1.3. Sequence diagram :Thanh </a:t>
             </a:r>
             <a:r>
               <a:rPr lang="en-US" dirty="0" err="1"/>
@@ -6112,7 +6092,7 @@
           <a:p>
             <a:r>
               <a:rPr lang="en-US" dirty="0"/>
-              <a:t>4. Class diagram</a:t>
+              <a:t>2. Class diagram</a:t>
             </a:r>
           </a:p>
         </p:txBody>
@@ -6140,7 +6120,7 @@
           <a:p>
             <a:r>
               <a:rPr lang="en-US" dirty="0"/>
-              <a:t>4.1. </a:t>
+              <a:t>2.1. </a:t>
             </a:r>
             <a:r>
               <a:rPr lang="en-US" dirty="0" err="1"/>
@@ -6893,7 +6873,7 @@
           <a:p>
             <a:r>
               <a:rPr lang="en-US" dirty="0"/>
-              <a:t>4. Class diagram</a:t>
+              <a:t>2. Class diagram</a:t>
             </a:r>
           </a:p>
         </p:txBody>
@@ -6921,7 +6901,7 @@
           <a:p>
             <a:r>
               <a:rPr lang="en-US" dirty="0"/>
-              <a:t>4.2. </a:t>
+              <a:t>2.2. </a:t>
             </a:r>
             <a:r>
               <a:rPr lang="en-US" dirty="0" err="1"/>
@@ -7062,7 +7042,7 @@
           <a:p>
             <a:r>
               <a:rPr lang="en-US" dirty="0"/>
-              <a:t>4. Class diagram</a:t>
+              <a:t>2. Class diagram</a:t>
             </a:r>
           </a:p>
         </p:txBody>
@@ -7090,7 +7070,7 @@
           <a:p>
             <a:r>
               <a:rPr lang="en-US" dirty="0"/>
-              <a:t>4.3. Thanh </a:t>
+              <a:t>2.3. Thanh </a:t>
             </a:r>
             <a:r>
               <a:rPr lang="en-US" dirty="0" err="1"/>
@@ -7191,7 +7171,7 @@
           <a:p>
             <a:r>
               <a:rPr lang="en-US" dirty="0"/>
-              <a:t>4. Class diagram</a:t>
+              <a:t>2. Class diagram</a:t>
             </a:r>
           </a:p>
         </p:txBody>
@@ -7219,7 +7199,7 @@
           <a:p>
             <a:r>
               <a:rPr lang="en-US" dirty="0"/>
-              <a:t>4.3. </a:t>
+              <a:t>2.3. </a:t>
             </a:r>
             <a:r>
               <a:rPr lang="vi-VN" dirty="0"/>
@@ -7317,7 +7297,7 @@
           <a:p>
             <a:r>
               <a:rPr lang="en-US" dirty="0"/>
-              <a:t>4. ERM</a:t>
+              <a:t>3. ERM</a:t>
             </a:r>
           </a:p>
         </p:txBody>

--- a/document_slide/slide.pptx
+++ b/document_slide/slide.pptx
@@ -6,7 +6,7 @@
     <p:sldMasterId id="2147483661" r:id="rId2"/>
   </p:sldMasterIdLst>
   <p:notesMasterIdLst>
-    <p:notesMasterId r:id="rId28"/>
+    <p:notesMasterId r:id="rId27"/>
   </p:notesMasterIdLst>
   <p:sldIdLst>
     <p:sldId id="256" r:id="rId3"/>
@@ -22,8 +22,8 @@
     <p:sldId id="267" r:id="rId13"/>
     <p:sldId id="281" r:id="rId14"/>
     <p:sldId id="282" r:id="rId15"/>
-    <p:sldId id="283" r:id="rId16"/>
-    <p:sldId id="265" r:id="rId17"/>
+    <p:sldId id="265" r:id="rId16"/>
+    <p:sldId id="283" r:id="rId17"/>
     <p:sldId id="272" r:id="rId18"/>
     <p:sldId id="277" r:id="rId19"/>
     <p:sldId id="278" r:id="rId20"/>
@@ -33,7 +33,6 @@
     <p:sldId id="287" r:id="rId24"/>
     <p:sldId id="276" r:id="rId25"/>
     <p:sldId id="286" r:id="rId26"/>
-    <p:sldId id="288" r:id="rId27"/>
   </p:sldIdLst>
   <p:sldSz cx="9144000" cy="6858000" type="screen4x3"/>
   <p:notesSz cx="6858000" cy="9144000"/>
@@ -4753,8 +4752,19 @@
                 <a:latin typeface="Arial" panose="020B0604020202020204" pitchFamily="34" charset="0"/>
                 <a:cs typeface="Arial" panose="020B0604020202020204" pitchFamily="34" charset="0"/>
               </a:rPr>
-              <a:t> 	      Huỳnh Gia Huy      18130093</a:t>
-            </a:r>
+              <a:t> 	      Huỳnh Gia Huy      1813009</a:t>
+            </a:r>
+            <a:r>
+              <a:rPr lang="en-US" sz="2000" noProof="1">
+                <a:latin typeface="Arial" panose="020B0604020202020204" pitchFamily="34" charset="0"/>
+                <a:cs typeface="Arial" panose="020B0604020202020204" pitchFamily="34" charset="0"/>
+              </a:rPr>
+              <a:t>4</a:t>
+            </a:r>
+            <a:endParaRPr lang="vi-VN" sz="2000" noProof="1">
+              <a:latin typeface="Arial" panose="020B0604020202020204" pitchFamily="34" charset="0"/>
+              <a:cs typeface="Arial" panose="020B0604020202020204" pitchFamily="34" charset="0"/>
+            </a:endParaRPr>
           </a:p>
         </p:txBody>
       </p:sp>
@@ -5284,7 +5294,7 @@
           <p:cNvPr id="2" name="Title 1">
             <a:extLst>
               <a:ext uri="{FF2B5EF4-FFF2-40B4-BE49-F238E27FC236}">
-                <a16:creationId xmlns:a16="http://schemas.microsoft.com/office/drawing/2014/main" id="{0FE03B7B-7185-4454-803B-B106D441A7B4}"/>
+                <a16:creationId xmlns:a16="http://schemas.microsoft.com/office/drawing/2014/main" id="{EEF0CEA9-A23F-49E8-9161-AE813293A465}"/>
               </a:ext>
             </a:extLst>
           </p:cNvPr>
@@ -5302,113 +5312,123 @@
           <a:p>
             <a:r>
               <a:rPr lang="en-US" dirty="0"/>
-              <a:t>2. </a:t>
-            </a:r>
-            <a:r>
-              <a:rPr lang="en-US" dirty="0" err="1"/>
-              <a:t>Đặc</a:t>
-            </a:r>
-            <a:r>
-              <a:rPr lang="en-US" dirty="0"/>
-              <a:t> </a:t>
-            </a:r>
-            <a:r>
-              <a:rPr lang="en-US" dirty="0" err="1"/>
-              <a:t>tả</a:t>
-            </a:r>
-            <a:r>
-              <a:rPr lang="en-US" dirty="0"/>
-              <a:t> use-case</a:t>
-            </a:r>
-          </a:p>
-        </p:txBody>
-      </p:sp>
-      <p:sp>
-        <p:nvSpPr>
-          <p:cNvPr id="5" name="TextBox 4">
+              <a:t>III. MÔ HÌNH HÓA.</a:t>
+            </a:r>
+          </a:p>
+        </p:txBody>
+      </p:sp>
+      <p:sp>
+        <p:nvSpPr>
+          <p:cNvPr id="3" name="Content Placeholder 2">
             <a:extLst>
               <a:ext uri="{FF2B5EF4-FFF2-40B4-BE49-F238E27FC236}">
-                <a16:creationId xmlns:a16="http://schemas.microsoft.com/office/drawing/2014/main" id="{A1A81D01-CE5F-492D-BCA1-3753E456CF6F}"/>
+                <a16:creationId xmlns:a16="http://schemas.microsoft.com/office/drawing/2014/main" id="{93408DDE-8DF2-4256-8BCF-DC2284004773}"/>
               </a:ext>
             </a:extLst>
           </p:cNvPr>
-          <p:cNvSpPr txBox="1"/>
-          <p:nvPr/>
+          <p:cNvSpPr>
+            <a:spLocks noGrp="1"/>
+          </p:cNvSpPr>
+          <p:nvPr>
+            <p:ph idx="1"/>
+          </p:nvPr>
         </p:nvSpPr>
         <p:spPr>
           <a:xfrm>
-            <a:off x="107504" y="1556792"/>
-            <a:ext cx="7200800" cy="369332"/>
+            <a:off x="457200" y="1600200"/>
+            <a:ext cx="8229600" cy="4349080"/>
           </a:xfrm>
-          <a:prstGeom prst="rect">
-            <a:avLst/>
-          </a:prstGeom>
-          <a:noFill/>
         </p:spPr>
         <p:txBody>
-          <a:bodyPr wrap="square" rtlCol="0">
-            <a:spAutoFit/>
-          </a:bodyPr>
+          <a:bodyPr/>
           <a:lstStyle/>
           <a:p>
-            <a:r>
-              <a:rPr lang="en-US" dirty="0"/>
-              <a:t>2.3. Use-case: Thanh </a:t>
-            </a:r>
-            <a:r>
-              <a:rPr lang="en-US" dirty="0" err="1"/>
-              <a:t>toán</a:t>
-            </a:r>
-            <a:r>
-              <a:rPr lang="en-US" dirty="0"/>
-              <a:t>.</a:t>
-            </a:r>
-          </a:p>
-        </p:txBody>
-      </p:sp>
-      <p:pic>
-        <p:nvPicPr>
-          <p:cNvPr id="7" name="Picture 6">
-            <a:extLst>
-              <a:ext uri="{FF2B5EF4-FFF2-40B4-BE49-F238E27FC236}">
-                <a16:creationId xmlns:a16="http://schemas.microsoft.com/office/drawing/2014/main" id="{15746933-929C-45F8-95FA-F6AC6E82EE73}"/>
-              </a:ext>
-            </a:extLst>
-          </p:cNvPr>
-          <p:cNvPicPr/>
-          <p:nvPr/>
-        </p:nvPicPr>
-        <p:blipFill>
-          <a:blip r:embed="rId2">
-            <a:extLst>
-              <a:ext uri="{28A0092B-C50C-407E-A947-70E740481C1C}">
-                <a14:useLocalDpi xmlns:a14="http://schemas.microsoft.com/office/drawing/2010/main" val="0"/>
-              </a:ext>
-            </a:extLst>
-          </a:blip>
-          <a:srcRect/>
-          <a:stretch>
-            <a:fillRect/>
-          </a:stretch>
-        </p:blipFill>
-        <p:spPr bwMode="auto">
-          <a:xfrm>
-            <a:off x="863588" y="2204864"/>
-            <a:ext cx="7416824" cy="3744416"/>
-          </a:xfrm>
-          <a:prstGeom prst="rect">
-            <a:avLst/>
-          </a:prstGeom>
-          <a:noFill/>
-          <a:ln>
-            <a:noFill/>
-          </a:ln>
-        </p:spPr>
-      </p:pic>
+            <a:pPr marL="457200" indent="-457200">
+              <a:buAutoNum type="arabicPeriod"/>
+            </a:pPr>
+            <a:r>
+              <a:rPr lang="en-US" sz="2800" dirty="0">
+                <a:latin typeface="Arial" panose="020B0604020202020204" pitchFamily="34" charset="0"/>
+                <a:cs typeface="Arial" panose="020B0604020202020204" pitchFamily="34" charset="0"/>
+              </a:rPr>
+              <a:t>Use-case diagram</a:t>
+            </a:r>
+          </a:p>
+          <a:p>
+            <a:pPr marL="457200" indent="-457200">
+              <a:buAutoNum type="arabicPeriod"/>
+            </a:pPr>
+            <a:endParaRPr lang="en-US" sz="2800" dirty="0">
+              <a:latin typeface="Arial" panose="020B0604020202020204" pitchFamily="34" charset="0"/>
+              <a:cs typeface="Arial" panose="020B0604020202020204" pitchFamily="34" charset="0"/>
+            </a:endParaRPr>
+          </a:p>
+          <a:p>
+            <a:pPr marL="457200" indent="-457200">
+              <a:buAutoNum type="arabicPeriod"/>
+            </a:pPr>
+            <a:r>
+              <a:rPr lang="en-US" sz="2800" dirty="0">
+                <a:latin typeface="Arial" panose="020B0604020202020204" pitchFamily="34" charset="0"/>
+                <a:cs typeface="Arial" panose="020B0604020202020204" pitchFamily="34" charset="0"/>
+              </a:rPr>
+              <a:t>Sequence diagram</a:t>
+            </a:r>
+          </a:p>
+          <a:p>
+            <a:pPr marL="457200" indent="-457200">
+              <a:buAutoNum type="arabicPeriod"/>
+            </a:pPr>
+            <a:endParaRPr lang="en-US" sz="2800" dirty="0">
+              <a:latin typeface="Arial" panose="020B0604020202020204" pitchFamily="34" charset="0"/>
+              <a:cs typeface="Arial" panose="020B0604020202020204" pitchFamily="34" charset="0"/>
+            </a:endParaRPr>
+          </a:p>
+          <a:p>
+            <a:pPr marL="457200" indent="-457200">
+              <a:buAutoNum type="arabicPeriod"/>
+            </a:pPr>
+            <a:r>
+              <a:rPr lang="en-US" sz="2800" dirty="0">
+                <a:latin typeface="Arial" panose="020B0604020202020204" pitchFamily="34" charset="0"/>
+                <a:cs typeface="Arial" panose="020B0604020202020204" pitchFamily="34" charset="0"/>
+              </a:rPr>
+              <a:t>Class diagram</a:t>
+            </a:r>
+          </a:p>
+          <a:p>
+            <a:pPr marL="457200" indent="-457200">
+              <a:buAutoNum type="arabicPeriod"/>
+            </a:pPr>
+            <a:endParaRPr lang="en-US" sz="2800" dirty="0">
+              <a:latin typeface="Arial" panose="020B0604020202020204" pitchFamily="34" charset="0"/>
+              <a:cs typeface="Arial" panose="020B0604020202020204" pitchFamily="34" charset="0"/>
+            </a:endParaRPr>
+          </a:p>
+          <a:p>
+            <a:pPr marL="457200" indent="-457200">
+              <a:buAutoNum type="arabicPeriod"/>
+            </a:pPr>
+            <a:r>
+              <a:rPr lang="en-US" sz="2800" dirty="0">
+                <a:latin typeface="Arial" panose="020B0604020202020204" pitchFamily="34" charset="0"/>
+                <a:cs typeface="Arial" panose="020B0604020202020204" pitchFamily="34" charset="0"/>
+              </a:rPr>
+              <a:t>Database</a:t>
+            </a:r>
+          </a:p>
+          <a:p>
+            <a:pPr marL="457200" indent="-457200">
+              <a:buAutoNum type="arabicPeriod"/>
+            </a:pPr>
+            <a:endParaRPr lang="en-US" dirty="0"/>
+          </a:p>
+        </p:txBody>
+      </p:sp>
     </p:spTree>
     <p:extLst>
       <p:ext uri="{BB962C8B-B14F-4D97-AF65-F5344CB8AC3E}">
-        <p14:creationId xmlns:p14="http://schemas.microsoft.com/office/powerpoint/2010/main" val="2060130343"/>
+        <p14:creationId xmlns:p14="http://schemas.microsoft.com/office/powerpoint/2010/main" val="3029648869"/>
       </p:ext>
     </p:extLst>
   </p:cSld>
@@ -5440,7 +5460,7 @@
           <p:cNvPr id="2" name="Title 1">
             <a:extLst>
               <a:ext uri="{FF2B5EF4-FFF2-40B4-BE49-F238E27FC236}">
-                <a16:creationId xmlns:a16="http://schemas.microsoft.com/office/drawing/2014/main" id="{EEF0CEA9-A23F-49E8-9161-AE813293A465}"/>
+                <a16:creationId xmlns:a16="http://schemas.microsoft.com/office/drawing/2014/main" id="{0FE03B7B-7185-4454-803B-B106D441A7B4}"/>
               </a:ext>
             </a:extLst>
           </p:cNvPr>
@@ -5458,103 +5478,104 @@
           <a:p>
             <a:r>
               <a:rPr lang="en-US" dirty="0"/>
-              <a:t>III. MÔ HÌNH HÓA.</a:t>
-            </a:r>
-          </a:p>
-        </p:txBody>
-      </p:sp>
-      <p:sp>
-        <p:nvSpPr>
-          <p:cNvPr id="3" name="Content Placeholder 2">
+              <a:t>2. </a:t>
+            </a:r>
+            <a:r>
+              <a:rPr lang="en-US" dirty="0" err="1"/>
+              <a:t>Đặc</a:t>
+            </a:r>
+            <a:r>
+              <a:rPr lang="en-US" dirty="0"/>
+              <a:t> </a:t>
+            </a:r>
+            <a:r>
+              <a:rPr lang="en-US" dirty="0" err="1"/>
+              <a:t>tả</a:t>
+            </a:r>
+            <a:r>
+              <a:rPr lang="en-US" dirty="0"/>
+              <a:t> use-case</a:t>
+            </a:r>
+          </a:p>
+        </p:txBody>
+      </p:sp>
+      <p:sp>
+        <p:nvSpPr>
+          <p:cNvPr id="5" name="TextBox 4">
             <a:extLst>
               <a:ext uri="{FF2B5EF4-FFF2-40B4-BE49-F238E27FC236}">
-                <a16:creationId xmlns:a16="http://schemas.microsoft.com/office/drawing/2014/main" id="{93408DDE-8DF2-4256-8BCF-DC2284004773}"/>
+                <a16:creationId xmlns:a16="http://schemas.microsoft.com/office/drawing/2014/main" id="{A1A81D01-CE5F-492D-BCA1-3753E456CF6F}"/>
               </a:ext>
             </a:extLst>
           </p:cNvPr>
-          <p:cNvSpPr>
-            <a:spLocks noGrp="1"/>
-          </p:cNvSpPr>
-          <p:nvPr>
-            <p:ph idx="1"/>
-          </p:nvPr>
+          <p:cNvSpPr txBox="1"/>
+          <p:nvPr/>
         </p:nvSpPr>
         <p:spPr>
           <a:xfrm>
-            <a:off x="457200" y="1600200"/>
-            <a:ext cx="8229600" cy="4349080"/>
+            <a:off x="107504" y="1556792"/>
+            <a:ext cx="7200800" cy="369332"/>
           </a:xfrm>
+          <a:prstGeom prst="rect">
+            <a:avLst/>
+          </a:prstGeom>
+          <a:noFill/>
         </p:spPr>
         <p:txBody>
-          <a:bodyPr/>
+          <a:bodyPr wrap="square" rtlCol="0">
+            <a:spAutoFit/>
+          </a:bodyPr>
           <a:lstStyle/>
           <a:p>
-            <a:pPr marL="514350" indent="-514350">
-              <a:buFont typeface="+mj-lt"/>
-              <a:buAutoNum type="arabicPeriod"/>
-            </a:pPr>
-            <a:r>
-              <a:rPr lang="en-US" sz="2800" dirty="0">
-                <a:latin typeface="Arial" panose="020B0604020202020204" pitchFamily="34" charset="0"/>
-                <a:cs typeface="Arial" panose="020B0604020202020204" pitchFamily="34" charset="0"/>
-              </a:rPr>
-              <a:t>Sequence diagram</a:t>
-            </a:r>
-          </a:p>
-          <a:p>
-            <a:pPr marL="457200" indent="-457200">
-              <a:buAutoNum type="arabicPeriod"/>
-            </a:pPr>
-            <a:endParaRPr lang="en-US" sz="2800" dirty="0">
-              <a:latin typeface="Arial" panose="020B0604020202020204" pitchFamily="34" charset="0"/>
-              <a:cs typeface="Arial" panose="020B0604020202020204" pitchFamily="34" charset="0"/>
-            </a:endParaRPr>
-          </a:p>
-          <a:p>
-            <a:pPr marL="457200" indent="-457200">
-              <a:buAutoNum type="arabicPeriod"/>
-            </a:pPr>
-            <a:r>
-              <a:rPr lang="en-US" sz="2800" dirty="0">
-                <a:latin typeface="Arial" panose="020B0604020202020204" pitchFamily="34" charset="0"/>
-                <a:cs typeface="Arial" panose="020B0604020202020204" pitchFamily="34" charset="0"/>
-              </a:rPr>
-              <a:t>Class diagram</a:t>
-            </a:r>
-          </a:p>
-          <a:p>
-            <a:pPr marL="457200" indent="-457200">
-              <a:buAutoNum type="arabicPeriod"/>
-            </a:pPr>
-            <a:endParaRPr lang="en-US" sz="2800" dirty="0">
-              <a:latin typeface="Arial" panose="020B0604020202020204" pitchFamily="34" charset="0"/>
-              <a:cs typeface="Arial" panose="020B0604020202020204" pitchFamily="34" charset="0"/>
-            </a:endParaRPr>
-          </a:p>
-          <a:p>
-            <a:pPr marL="457200" indent="-457200">
-              <a:buAutoNum type="arabicPeriod"/>
-            </a:pPr>
-            <a:r>
-              <a:rPr lang="en-US" sz="2800" dirty="0">
-                <a:latin typeface="Arial" panose="020B0604020202020204" pitchFamily="34" charset="0"/>
-                <a:cs typeface="Arial" panose="020B0604020202020204" pitchFamily="34" charset="0"/>
-              </a:rPr>
-              <a:t>ERD</a:t>
-            </a:r>
-          </a:p>
-          <a:p>
-            <a:pPr marL="457200" indent="-457200">
-              <a:buAutoNum type="arabicPeriod"/>
-            </a:pPr>
-            <a:endParaRPr lang="en-US" dirty="0"/>
-          </a:p>
-        </p:txBody>
-      </p:sp>
+            <a:r>
+              <a:rPr lang="en-US" dirty="0"/>
+              <a:t>2.3. Use-case: Thanh </a:t>
+            </a:r>
+            <a:r>
+              <a:rPr lang="en-US" dirty="0" err="1"/>
+              <a:t>toán</a:t>
+            </a:r>
+            <a:r>
+              <a:rPr lang="en-US" dirty="0"/>
+              <a:t>.</a:t>
+            </a:r>
+          </a:p>
+        </p:txBody>
+      </p:sp>
+      <p:pic>
+        <p:nvPicPr>
+          <p:cNvPr id="4" name="Picture 3" descr="Text&#10;&#10;Description automatically generated">
+            <a:extLst>
+              <a:ext uri="{FF2B5EF4-FFF2-40B4-BE49-F238E27FC236}">
+                <a16:creationId xmlns:a16="http://schemas.microsoft.com/office/drawing/2014/main" id="{8E210A11-76E2-417F-9750-359C116925C1}"/>
+              </a:ext>
+            </a:extLst>
+          </p:cNvPr>
+          <p:cNvPicPr>
+            <a:picLocks noChangeAspect="1"/>
+          </p:cNvPicPr>
+          <p:nvPr/>
+        </p:nvPicPr>
+        <p:blipFill>
+          <a:blip r:embed="rId2"/>
+          <a:stretch>
+            <a:fillRect/>
+          </a:stretch>
+        </p:blipFill>
+        <p:spPr>
+          <a:xfrm>
+            <a:off x="295275" y="2060848"/>
+            <a:ext cx="8553450" cy="3829050"/>
+          </a:xfrm>
+          <a:prstGeom prst="rect">
+            <a:avLst/>
+          </a:prstGeom>
+        </p:spPr>
+      </p:pic>
     </p:spTree>
     <p:extLst>
       <p:ext uri="{BB962C8B-B14F-4D97-AF65-F5344CB8AC3E}">
-        <p14:creationId xmlns:p14="http://schemas.microsoft.com/office/powerpoint/2010/main" val="3029648869"/>
+        <p14:creationId xmlns:p14="http://schemas.microsoft.com/office/powerpoint/2010/main" val="1515359564"/>
       </p:ext>
     </p:extLst>
   </p:cSld>
@@ -5604,7 +5625,7 @@
           <a:p>
             <a:r>
               <a:rPr lang="en-US" dirty="0"/>
-              <a:t>1. Sequence Diagram</a:t>
+              <a:t>3. Sequence Diagram</a:t>
             </a:r>
           </a:p>
         </p:txBody>
@@ -5639,7 +5660,7 @@
           <a:p>
             <a:r>
               <a:rPr lang="en-US" dirty="0"/>
-              <a:t>1.1. Sequence diagram :</a:t>
+              <a:t>3.1. Sequence diagram :</a:t>
             </a:r>
             <a:r>
               <a:rPr lang="en-US" dirty="0" err="1"/>
@@ -5778,7 +5799,7 @@
           <a:p>
             <a:r>
               <a:rPr lang="en-US" dirty="0"/>
-              <a:t>1. Sequence Diagram</a:t>
+              <a:t>3. Sequence Diagram</a:t>
             </a:r>
           </a:p>
         </p:txBody>
@@ -5813,7 +5834,7 @@
           <a:p>
             <a:r>
               <a:rPr lang="en-US" dirty="0"/>
-              <a:t>1.2. Sequence diagram :</a:t>
+              <a:t>3.2. Sequence diagram :</a:t>
             </a:r>
             <a:r>
               <a:rPr lang="en-US" dirty="0" err="1"/>
@@ -5955,7 +5976,7 @@
           <a:p>
             <a:r>
               <a:rPr lang="en-US" dirty="0"/>
-              <a:t>1. Sequence Diagram</a:t>
+              <a:t>3. Sequence Diagram</a:t>
             </a:r>
           </a:p>
         </p:txBody>
@@ -5990,7 +6011,7 @@
           <a:p>
             <a:r>
               <a:rPr lang="en-US" dirty="0"/>
-              <a:t>1.3. Sequence diagram :Thanh </a:t>
+              <a:t>3.3. Sequence diagram :Thanh </a:t>
             </a:r>
             <a:r>
               <a:rPr lang="en-US" dirty="0" err="1"/>
@@ -6092,7 +6113,7 @@
           <a:p>
             <a:r>
               <a:rPr lang="en-US" dirty="0"/>
-              <a:t>2. Class diagram</a:t>
+              <a:t>3. Class diagram</a:t>
             </a:r>
           </a:p>
         </p:txBody>
@@ -6120,7 +6141,7 @@
           <a:p>
             <a:r>
               <a:rPr lang="en-US" dirty="0"/>
-              <a:t>2.1. </a:t>
+              <a:t>3.1. </a:t>
             </a:r>
             <a:r>
               <a:rPr lang="en-US" dirty="0" err="1"/>
@@ -6873,7 +6894,7 @@
           <a:p>
             <a:r>
               <a:rPr lang="en-US" dirty="0"/>
-              <a:t>2. Class diagram</a:t>
+              <a:t>3. Class diagram</a:t>
             </a:r>
           </a:p>
         </p:txBody>
@@ -6901,7 +6922,7 @@
           <a:p>
             <a:r>
               <a:rPr lang="en-US" dirty="0"/>
-              <a:t>2.2. </a:t>
+              <a:t>3.2. </a:t>
             </a:r>
             <a:r>
               <a:rPr lang="en-US" dirty="0" err="1"/>
@@ -7042,7 +7063,7 @@
           <a:p>
             <a:r>
               <a:rPr lang="en-US" dirty="0"/>
-              <a:t>2. Class diagram</a:t>
+              <a:t>3. Class diagram</a:t>
             </a:r>
           </a:p>
         </p:txBody>
@@ -7070,7 +7091,7 @@
           <a:p>
             <a:r>
               <a:rPr lang="en-US" dirty="0"/>
-              <a:t>2.3. Thanh </a:t>
+              <a:t>3.3. Thanh </a:t>
             </a:r>
             <a:r>
               <a:rPr lang="en-US" dirty="0" err="1"/>
@@ -7171,7 +7192,7 @@
           <a:p>
             <a:r>
               <a:rPr lang="en-US" dirty="0"/>
-              <a:t>2. Class diagram</a:t>
+              <a:t>3. Class diagram</a:t>
             </a:r>
           </a:p>
         </p:txBody>
@@ -7199,7 +7220,7 @@
           <a:p>
             <a:r>
               <a:rPr lang="en-US" dirty="0"/>
-              <a:t>2.3. </a:t>
+              <a:t>3.3. </a:t>
             </a:r>
             <a:r>
               <a:rPr lang="vi-VN" dirty="0"/>
@@ -7239,8 +7260,8 @@
         </p:blipFill>
         <p:spPr>
           <a:xfrm>
-            <a:off x="227945" y="2276474"/>
-            <a:ext cx="7983900" cy="3960837"/>
+            <a:off x="954381" y="2276475"/>
+            <a:ext cx="7257464" cy="3600450"/>
           </a:xfrm>
         </p:spPr>
       </p:pic>
@@ -7297,7 +7318,7 @@
           <a:p>
             <a:r>
               <a:rPr lang="en-US" dirty="0"/>
-              <a:t>3. ERM</a:t>
+              <a:t>4. ERM</a:t>
             </a:r>
           </a:p>
         </p:txBody>
@@ -7517,193 +7538,6 @@
     <p:extLst>
       <p:ext uri="{BB962C8B-B14F-4D97-AF65-F5344CB8AC3E}">
         <p14:creationId xmlns:p14="http://schemas.microsoft.com/office/powerpoint/2010/main" val="2318721089"/>
-      </p:ext>
-    </p:extLst>
-  </p:cSld>
-  <p:clrMapOvr>
-    <a:masterClrMapping/>
-  </p:clrMapOvr>
-</p:sld>
-</file>
-
-<file path=ppt/slides/slide25.xml><?xml version="1.0" encoding="utf-8"?>
-<p:sld xmlns:a="http://schemas.openxmlformats.org/drawingml/2006/main" xmlns:r="http://schemas.openxmlformats.org/officeDocument/2006/relationships" xmlns:p="http://schemas.openxmlformats.org/presentationml/2006/main">
-  <p:cSld>
-    <p:spTree>
-      <p:nvGrpSpPr>
-        <p:cNvPr id="1" name=""/>
-        <p:cNvGrpSpPr/>
-        <p:nvPr/>
-      </p:nvGrpSpPr>
-      <p:grpSpPr>
-        <a:xfrm>
-          <a:off x="0" y="0"/>
-          <a:ext cx="0" cy="0"/>
-          <a:chOff x="0" y="0"/>
-          <a:chExt cx="0" cy="0"/>
-        </a:xfrm>
-      </p:grpSpPr>
-      <p:sp>
-        <p:nvSpPr>
-          <p:cNvPr id="2" name="Title 1">
-            <a:extLst>
-              <a:ext uri="{FF2B5EF4-FFF2-40B4-BE49-F238E27FC236}">
-                <a16:creationId xmlns:a16="http://schemas.microsoft.com/office/drawing/2014/main" id="{D90B7FF3-1EBB-4A4E-895A-A484F481FB4C}"/>
-              </a:ext>
-            </a:extLst>
-          </p:cNvPr>
-          <p:cNvSpPr>
-            <a:spLocks noGrp="1"/>
-          </p:cNvSpPr>
-          <p:nvPr>
-            <p:ph type="title"/>
-          </p:nvPr>
-        </p:nvSpPr>
-        <p:spPr/>
-        <p:txBody>
-          <a:bodyPr/>
-          <a:lstStyle/>
-          <a:p>
-            <a:r>
-              <a:rPr lang="en-US" dirty="0"/>
-              <a:t>IV. </a:t>
-            </a:r>
-            <a:r>
-              <a:rPr lang="en-US" dirty="0" err="1"/>
-              <a:t>Kiểm</a:t>
-            </a:r>
-            <a:r>
-              <a:rPr lang="en-US" dirty="0"/>
-              <a:t> </a:t>
-            </a:r>
-            <a:r>
-              <a:rPr lang="en-US" dirty="0" err="1"/>
-              <a:t>thử</a:t>
-            </a:r>
-            <a:endParaRPr lang="en-US" dirty="0"/>
-          </a:p>
-        </p:txBody>
-      </p:sp>
-      <p:sp>
-        <p:nvSpPr>
-          <p:cNvPr id="3" name="Content Placeholder 2">
-            <a:extLst>
-              <a:ext uri="{FF2B5EF4-FFF2-40B4-BE49-F238E27FC236}">
-                <a16:creationId xmlns:a16="http://schemas.microsoft.com/office/drawing/2014/main" id="{D9516BD3-E0C4-4FC0-B0A5-9776E3568EA8}"/>
-              </a:ext>
-            </a:extLst>
-          </p:cNvPr>
-          <p:cNvSpPr>
-            <a:spLocks noGrp="1"/>
-          </p:cNvSpPr>
-          <p:nvPr>
-            <p:ph idx="1"/>
-          </p:nvPr>
-        </p:nvSpPr>
-        <p:spPr/>
-        <p:txBody>
-          <a:bodyPr/>
-          <a:lstStyle/>
-          <a:p>
-            <a:r>
-              <a:rPr lang="en-US" dirty="0"/>
-              <a:t>IV.2. </a:t>
-            </a:r>
-            <a:r>
-              <a:rPr lang="en-US" dirty="0" err="1"/>
-              <a:t>Tìm</a:t>
-            </a:r>
-            <a:r>
-              <a:rPr lang="en-US" dirty="0"/>
-              <a:t> </a:t>
-            </a:r>
-            <a:r>
-              <a:rPr lang="en-US" dirty="0" err="1"/>
-              <a:t>kiềm</a:t>
-            </a:r>
-            <a:r>
-              <a:rPr lang="en-US" dirty="0"/>
-              <a:t> </a:t>
-            </a:r>
-            <a:r>
-              <a:rPr lang="en-US" dirty="0" err="1"/>
-              <a:t>phòng</a:t>
-            </a:r>
-            <a:r>
-              <a:rPr lang="en-US" dirty="0"/>
-              <a:t> </a:t>
-            </a:r>
-            <a:r>
-              <a:rPr lang="en-US" dirty="0" err="1"/>
-              <a:t>bằng</a:t>
-            </a:r>
-            <a:r>
-              <a:rPr lang="en-US" dirty="0"/>
-              <a:t> </a:t>
-            </a:r>
-            <a:r>
-              <a:rPr lang="en-US" dirty="0" err="1"/>
-              <a:t>thanh</a:t>
-            </a:r>
-            <a:r>
-              <a:rPr lang="en-US" dirty="0"/>
-              <a:t> </a:t>
-            </a:r>
-            <a:r>
-              <a:rPr lang="en-US" dirty="0" err="1"/>
-              <a:t>tìm</a:t>
-            </a:r>
-            <a:r>
-              <a:rPr lang="en-US" dirty="0"/>
-              <a:t> </a:t>
-            </a:r>
-            <a:r>
-              <a:rPr lang="en-US" dirty="0" err="1"/>
-              <a:t>kiếm</a:t>
-            </a:r>
-            <a:r>
-              <a:rPr lang="en-US" dirty="0"/>
-              <a:t> keyword.</a:t>
-            </a:r>
-          </a:p>
-        </p:txBody>
-      </p:sp>
-      <p:pic>
-        <p:nvPicPr>
-          <p:cNvPr id="7" name="Content Placeholder 6">
-            <a:extLst>
-              <a:ext uri="{FF2B5EF4-FFF2-40B4-BE49-F238E27FC236}">
-                <a16:creationId xmlns:a16="http://schemas.microsoft.com/office/drawing/2014/main" id="{61B88862-DB71-429E-8D7F-E0ACBA321A9C}"/>
-              </a:ext>
-            </a:extLst>
-          </p:cNvPr>
-          <p:cNvPicPr>
-            <a:picLocks noGrp="1"/>
-          </p:cNvPicPr>
-          <p:nvPr>
-            <p:ph idx="10"/>
-          </p:nvPr>
-        </p:nvPicPr>
-        <p:blipFill>
-          <a:blip r:embed="rId2"/>
-          <a:stretch>
-            <a:fillRect/>
-          </a:stretch>
-        </p:blipFill>
-        <p:spPr>
-          <a:xfrm>
-            <a:off x="0" y="2044934"/>
-            <a:ext cx="9144000" cy="4672246"/>
-          </a:xfrm>
-          <a:prstGeom prst="rect">
-            <a:avLst/>
-          </a:prstGeom>
-        </p:spPr>
-      </p:pic>
-    </p:spTree>
-    <p:extLst>
-      <p:ext uri="{BB962C8B-B14F-4D97-AF65-F5344CB8AC3E}">
-        <p14:creationId xmlns:p14="http://schemas.microsoft.com/office/powerpoint/2010/main" val="213165840"/>
       </p:ext>
     </p:extLst>
   </p:cSld>

--- a/document_slide/slide.pptx
+++ b/document_slide/slide.pptx
@@ -6,7 +6,7 @@
     <p:sldMasterId id="2147483661" r:id="rId2"/>
   </p:sldMasterIdLst>
   <p:notesMasterIdLst>
-    <p:notesMasterId r:id="rId27"/>
+    <p:notesMasterId r:id="rId28"/>
   </p:notesMasterIdLst>
   <p:sldIdLst>
     <p:sldId id="256" r:id="rId3"/>
@@ -22,8 +22,8 @@
     <p:sldId id="267" r:id="rId13"/>
     <p:sldId id="281" r:id="rId14"/>
     <p:sldId id="282" r:id="rId15"/>
-    <p:sldId id="265" r:id="rId16"/>
-    <p:sldId id="283" r:id="rId17"/>
+    <p:sldId id="283" r:id="rId16"/>
+    <p:sldId id="265" r:id="rId17"/>
     <p:sldId id="272" r:id="rId18"/>
     <p:sldId id="277" r:id="rId19"/>
     <p:sldId id="278" r:id="rId20"/>
@@ -33,6 +33,7 @@
     <p:sldId id="287" r:id="rId24"/>
     <p:sldId id="276" r:id="rId25"/>
     <p:sldId id="286" r:id="rId26"/>
+    <p:sldId id="288" r:id="rId27"/>
   </p:sldIdLst>
   <p:sldSz cx="9144000" cy="6858000" type="screen4x3"/>
   <p:notesSz cx="6858000" cy="9144000"/>
@@ -4752,19 +4753,8 @@
                 <a:latin typeface="Arial" panose="020B0604020202020204" pitchFamily="34" charset="0"/>
                 <a:cs typeface="Arial" panose="020B0604020202020204" pitchFamily="34" charset="0"/>
               </a:rPr>
-              <a:t> 	      Huỳnh Gia Huy      1813009</a:t>
-            </a:r>
-            <a:r>
-              <a:rPr lang="en-US" sz="2000" noProof="1">
-                <a:latin typeface="Arial" panose="020B0604020202020204" pitchFamily="34" charset="0"/>
-                <a:cs typeface="Arial" panose="020B0604020202020204" pitchFamily="34" charset="0"/>
-              </a:rPr>
-              <a:t>4</a:t>
-            </a:r>
-            <a:endParaRPr lang="vi-VN" sz="2000" noProof="1">
-              <a:latin typeface="Arial" panose="020B0604020202020204" pitchFamily="34" charset="0"/>
-              <a:cs typeface="Arial" panose="020B0604020202020204" pitchFamily="34" charset="0"/>
-            </a:endParaRPr>
+              <a:t> 	      Huỳnh Gia Huy      18130093</a:t>
+            </a:r>
           </a:p>
         </p:txBody>
       </p:sp>
@@ -5294,7 +5284,7 @@
           <p:cNvPr id="2" name="Title 1">
             <a:extLst>
               <a:ext uri="{FF2B5EF4-FFF2-40B4-BE49-F238E27FC236}">
-                <a16:creationId xmlns:a16="http://schemas.microsoft.com/office/drawing/2014/main" id="{EEF0CEA9-A23F-49E8-9161-AE813293A465}"/>
+                <a16:creationId xmlns:a16="http://schemas.microsoft.com/office/drawing/2014/main" id="{0FE03B7B-7185-4454-803B-B106D441A7B4}"/>
               </a:ext>
             </a:extLst>
           </p:cNvPr>
@@ -5312,123 +5302,113 @@
           <a:p>
             <a:r>
               <a:rPr lang="en-US" dirty="0"/>
-              <a:t>III. MÔ HÌNH HÓA.</a:t>
-            </a:r>
-          </a:p>
-        </p:txBody>
-      </p:sp>
-      <p:sp>
-        <p:nvSpPr>
-          <p:cNvPr id="3" name="Content Placeholder 2">
+              <a:t>2. </a:t>
+            </a:r>
+            <a:r>
+              <a:rPr lang="en-US" dirty="0" err="1"/>
+              <a:t>Đặc</a:t>
+            </a:r>
+            <a:r>
+              <a:rPr lang="en-US" dirty="0"/>
+              <a:t> </a:t>
+            </a:r>
+            <a:r>
+              <a:rPr lang="en-US" dirty="0" err="1"/>
+              <a:t>tả</a:t>
+            </a:r>
+            <a:r>
+              <a:rPr lang="en-US" dirty="0"/>
+              <a:t> use-case</a:t>
+            </a:r>
+          </a:p>
+        </p:txBody>
+      </p:sp>
+      <p:sp>
+        <p:nvSpPr>
+          <p:cNvPr id="5" name="TextBox 4">
             <a:extLst>
               <a:ext uri="{FF2B5EF4-FFF2-40B4-BE49-F238E27FC236}">
-                <a16:creationId xmlns:a16="http://schemas.microsoft.com/office/drawing/2014/main" id="{93408DDE-8DF2-4256-8BCF-DC2284004773}"/>
+                <a16:creationId xmlns:a16="http://schemas.microsoft.com/office/drawing/2014/main" id="{A1A81D01-CE5F-492D-BCA1-3753E456CF6F}"/>
               </a:ext>
             </a:extLst>
           </p:cNvPr>
-          <p:cNvSpPr>
-            <a:spLocks noGrp="1"/>
-          </p:cNvSpPr>
-          <p:nvPr>
-            <p:ph idx="1"/>
-          </p:nvPr>
+          <p:cNvSpPr txBox="1"/>
+          <p:nvPr/>
         </p:nvSpPr>
         <p:spPr>
           <a:xfrm>
-            <a:off x="457200" y="1600200"/>
-            <a:ext cx="8229600" cy="4349080"/>
+            <a:off x="107504" y="1556792"/>
+            <a:ext cx="7200800" cy="369332"/>
           </a:xfrm>
+          <a:prstGeom prst="rect">
+            <a:avLst/>
+          </a:prstGeom>
+          <a:noFill/>
         </p:spPr>
         <p:txBody>
-          <a:bodyPr/>
+          <a:bodyPr wrap="square" rtlCol="0">
+            <a:spAutoFit/>
+          </a:bodyPr>
           <a:lstStyle/>
           <a:p>
-            <a:pPr marL="457200" indent="-457200">
-              <a:buAutoNum type="arabicPeriod"/>
-            </a:pPr>
-            <a:r>
-              <a:rPr lang="en-US" sz="2800" dirty="0">
-                <a:latin typeface="Arial" panose="020B0604020202020204" pitchFamily="34" charset="0"/>
-                <a:cs typeface="Arial" panose="020B0604020202020204" pitchFamily="34" charset="0"/>
-              </a:rPr>
-              <a:t>Use-case diagram</a:t>
-            </a:r>
-          </a:p>
-          <a:p>
-            <a:pPr marL="457200" indent="-457200">
-              <a:buAutoNum type="arabicPeriod"/>
-            </a:pPr>
-            <a:endParaRPr lang="en-US" sz="2800" dirty="0">
-              <a:latin typeface="Arial" panose="020B0604020202020204" pitchFamily="34" charset="0"/>
-              <a:cs typeface="Arial" panose="020B0604020202020204" pitchFamily="34" charset="0"/>
-            </a:endParaRPr>
-          </a:p>
-          <a:p>
-            <a:pPr marL="457200" indent="-457200">
-              <a:buAutoNum type="arabicPeriod"/>
-            </a:pPr>
-            <a:r>
-              <a:rPr lang="en-US" sz="2800" dirty="0">
-                <a:latin typeface="Arial" panose="020B0604020202020204" pitchFamily="34" charset="0"/>
-                <a:cs typeface="Arial" panose="020B0604020202020204" pitchFamily="34" charset="0"/>
-              </a:rPr>
-              <a:t>Sequence diagram</a:t>
-            </a:r>
-          </a:p>
-          <a:p>
-            <a:pPr marL="457200" indent="-457200">
-              <a:buAutoNum type="arabicPeriod"/>
-            </a:pPr>
-            <a:endParaRPr lang="en-US" sz="2800" dirty="0">
-              <a:latin typeface="Arial" panose="020B0604020202020204" pitchFamily="34" charset="0"/>
-              <a:cs typeface="Arial" panose="020B0604020202020204" pitchFamily="34" charset="0"/>
-            </a:endParaRPr>
-          </a:p>
-          <a:p>
-            <a:pPr marL="457200" indent="-457200">
-              <a:buAutoNum type="arabicPeriod"/>
-            </a:pPr>
-            <a:r>
-              <a:rPr lang="en-US" sz="2800" dirty="0">
-                <a:latin typeface="Arial" panose="020B0604020202020204" pitchFamily="34" charset="0"/>
-                <a:cs typeface="Arial" panose="020B0604020202020204" pitchFamily="34" charset="0"/>
-              </a:rPr>
-              <a:t>Class diagram</a:t>
-            </a:r>
-          </a:p>
-          <a:p>
-            <a:pPr marL="457200" indent="-457200">
-              <a:buAutoNum type="arabicPeriod"/>
-            </a:pPr>
-            <a:endParaRPr lang="en-US" sz="2800" dirty="0">
-              <a:latin typeface="Arial" panose="020B0604020202020204" pitchFamily="34" charset="0"/>
-              <a:cs typeface="Arial" panose="020B0604020202020204" pitchFamily="34" charset="0"/>
-            </a:endParaRPr>
-          </a:p>
-          <a:p>
-            <a:pPr marL="457200" indent="-457200">
-              <a:buAutoNum type="arabicPeriod"/>
-            </a:pPr>
-            <a:r>
-              <a:rPr lang="en-US" sz="2800" dirty="0">
-                <a:latin typeface="Arial" panose="020B0604020202020204" pitchFamily="34" charset="0"/>
-                <a:cs typeface="Arial" panose="020B0604020202020204" pitchFamily="34" charset="0"/>
-              </a:rPr>
-              <a:t>Database</a:t>
-            </a:r>
-          </a:p>
-          <a:p>
-            <a:pPr marL="457200" indent="-457200">
-              <a:buAutoNum type="arabicPeriod"/>
-            </a:pPr>
-            <a:endParaRPr lang="en-US" dirty="0"/>
-          </a:p>
-        </p:txBody>
-      </p:sp>
+            <a:r>
+              <a:rPr lang="en-US" dirty="0"/>
+              <a:t>2.3. Use-case: Thanh </a:t>
+            </a:r>
+            <a:r>
+              <a:rPr lang="en-US" dirty="0" err="1"/>
+              <a:t>toán</a:t>
+            </a:r>
+            <a:r>
+              <a:rPr lang="en-US" dirty="0"/>
+              <a:t>.</a:t>
+            </a:r>
+          </a:p>
+        </p:txBody>
+      </p:sp>
+      <p:pic>
+        <p:nvPicPr>
+          <p:cNvPr id="7" name="Picture 6">
+            <a:extLst>
+              <a:ext uri="{FF2B5EF4-FFF2-40B4-BE49-F238E27FC236}">
+                <a16:creationId xmlns:a16="http://schemas.microsoft.com/office/drawing/2014/main" id="{15746933-929C-45F8-95FA-F6AC6E82EE73}"/>
+              </a:ext>
+            </a:extLst>
+          </p:cNvPr>
+          <p:cNvPicPr/>
+          <p:nvPr/>
+        </p:nvPicPr>
+        <p:blipFill>
+          <a:blip r:embed="rId2">
+            <a:extLst>
+              <a:ext uri="{28A0092B-C50C-407E-A947-70E740481C1C}">
+                <a14:useLocalDpi xmlns:a14="http://schemas.microsoft.com/office/drawing/2010/main" val="0"/>
+              </a:ext>
+            </a:extLst>
+          </a:blip>
+          <a:srcRect/>
+          <a:stretch>
+            <a:fillRect/>
+          </a:stretch>
+        </p:blipFill>
+        <p:spPr bwMode="auto">
+          <a:xfrm>
+            <a:off x="863588" y="2204864"/>
+            <a:ext cx="7416824" cy="3744416"/>
+          </a:xfrm>
+          <a:prstGeom prst="rect">
+            <a:avLst/>
+          </a:prstGeom>
+          <a:noFill/>
+          <a:ln>
+            <a:noFill/>
+          </a:ln>
+        </p:spPr>
+      </p:pic>
     </p:spTree>
     <p:extLst>
       <p:ext uri="{BB962C8B-B14F-4D97-AF65-F5344CB8AC3E}">
-        <p14:creationId xmlns:p14="http://schemas.microsoft.com/office/powerpoint/2010/main" val="3029648869"/>
+        <p14:creationId xmlns:p14="http://schemas.microsoft.com/office/powerpoint/2010/main" val="2060130343"/>
       </p:ext>
     </p:extLst>
   </p:cSld>
@@ -5460,7 +5440,7 @@
           <p:cNvPr id="2" name="Title 1">
             <a:extLst>
               <a:ext uri="{FF2B5EF4-FFF2-40B4-BE49-F238E27FC236}">
-                <a16:creationId xmlns:a16="http://schemas.microsoft.com/office/drawing/2014/main" id="{0FE03B7B-7185-4454-803B-B106D441A7B4}"/>
+                <a16:creationId xmlns:a16="http://schemas.microsoft.com/office/drawing/2014/main" id="{EEF0CEA9-A23F-49E8-9161-AE813293A465}"/>
               </a:ext>
             </a:extLst>
           </p:cNvPr>
@@ -5478,104 +5458,103 @@
           <a:p>
             <a:r>
               <a:rPr lang="en-US" dirty="0"/>
-              <a:t>2. </a:t>
-            </a:r>
-            <a:r>
-              <a:rPr lang="en-US" dirty="0" err="1"/>
-              <a:t>Đặc</a:t>
-            </a:r>
-            <a:r>
-              <a:rPr lang="en-US" dirty="0"/>
-              <a:t> </a:t>
-            </a:r>
-            <a:r>
-              <a:rPr lang="en-US" dirty="0" err="1"/>
-              <a:t>tả</a:t>
-            </a:r>
-            <a:r>
-              <a:rPr lang="en-US" dirty="0"/>
-              <a:t> use-case</a:t>
-            </a:r>
-          </a:p>
-        </p:txBody>
-      </p:sp>
-      <p:sp>
-        <p:nvSpPr>
-          <p:cNvPr id="5" name="TextBox 4">
+              <a:t>III. MÔ HÌNH HÓA.</a:t>
+            </a:r>
+          </a:p>
+        </p:txBody>
+      </p:sp>
+      <p:sp>
+        <p:nvSpPr>
+          <p:cNvPr id="3" name="Content Placeholder 2">
             <a:extLst>
               <a:ext uri="{FF2B5EF4-FFF2-40B4-BE49-F238E27FC236}">
-                <a16:creationId xmlns:a16="http://schemas.microsoft.com/office/drawing/2014/main" id="{A1A81D01-CE5F-492D-BCA1-3753E456CF6F}"/>
+                <a16:creationId xmlns:a16="http://schemas.microsoft.com/office/drawing/2014/main" id="{93408DDE-8DF2-4256-8BCF-DC2284004773}"/>
               </a:ext>
             </a:extLst>
           </p:cNvPr>
-          <p:cNvSpPr txBox="1"/>
-          <p:nvPr/>
+          <p:cNvSpPr>
+            <a:spLocks noGrp="1"/>
+          </p:cNvSpPr>
+          <p:nvPr>
+            <p:ph idx="1"/>
+          </p:nvPr>
         </p:nvSpPr>
         <p:spPr>
           <a:xfrm>
-            <a:off x="107504" y="1556792"/>
-            <a:ext cx="7200800" cy="369332"/>
+            <a:off x="457200" y="1600200"/>
+            <a:ext cx="8229600" cy="4349080"/>
           </a:xfrm>
-          <a:prstGeom prst="rect">
-            <a:avLst/>
-          </a:prstGeom>
-          <a:noFill/>
         </p:spPr>
         <p:txBody>
-          <a:bodyPr wrap="square" rtlCol="0">
-            <a:spAutoFit/>
-          </a:bodyPr>
+          <a:bodyPr/>
           <a:lstStyle/>
           <a:p>
-            <a:r>
-              <a:rPr lang="en-US" dirty="0"/>
-              <a:t>2.3. Use-case: Thanh </a:t>
-            </a:r>
-            <a:r>
-              <a:rPr lang="en-US" dirty="0" err="1"/>
-              <a:t>toán</a:t>
-            </a:r>
-            <a:r>
-              <a:rPr lang="en-US" dirty="0"/>
-              <a:t>.</a:t>
-            </a:r>
-          </a:p>
-        </p:txBody>
-      </p:sp>
-      <p:pic>
-        <p:nvPicPr>
-          <p:cNvPr id="4" name="Picture 3" descr="Text&#10;&#10;Description automatically generated">
-            <a:extLst>
-              <a:ext uri="{FF2B5EF4-FFF2-40B4-BE49-F238E27FC236}">
-                <a16:creationId xmlns:a16="http://schemas.microsoft.com/office/drawing/2014/main" id="{8E210A11-76E2-417F-9750-359C116925C1}"/>
-              </a:ext>
-            </a:extLst>
-          </p:cNvPr>
-          <p:cNvPicPr>
-            <a:picLocks noChangeAspect="1"/>
-          </p:cNvPicPr>
-          <p:nvPr/>
-        </p:nvPicPr>
-        <p:blipFill>
-          <a:blip r:embed="rId2"/>
-          <a:stretch>
-            <a:fillRect/>
-          </a:stretch>
-        </p:blipFill>
-        <p:spPr>
-          <a:xfrm>
-            <a:off x="295275" y="2060848"/>
-            <a:ext cx="8553450" cy="3829050"/>
-          </a:xfrm>
-          <a:prstGeom prst="rect">
-            <a:avLst/>
-          </a:prstGeom>
-        </p:spPr>
-      </p:pic>
+            <a:pPr marL="514350" indent="-514350">
+              <a:buFont typeface="+mj-lt"/>
+              <a:buAutoNum type="arabicPeriod"/>
+            </a:pPr>
+            <a:r>
+              <a:rPr lang="en-US" sz="2800" dirty="0">
+                <a:latin typeface="Arial" panose="020B0604020202020204" pitchFamily="34" charset="0"/>
+                <a:cs typeface="Arial" panose="020B0604020202020204" pitchFamily="34" charset="0"/>
+              </a:rPr>
+              <a:t>Sequence diagram</a:t>
+            </a:r>
+          </a:p>
+          <a:p>
+            <a:pPr marL="457200" indent="-457200">
+              <a:buAutoNum type="arabicPeriod"/>
+            </a:pPr>
+            <a:endParaRPr lang="en-US" sz="2800" dirty="0">
+              <a:latin typeface="Arial" panose="020B0604020202020204" pitchFamily="34" charset="0"/>
+              <a:cs typeface="Arial" panose="020B0604020202020204" pitchFamily="34" charset="0"/>
+            </a:endParaRPr>
+          </a:p>
+          <a:p>
+            <a:pPr marL="457200" indent="-457200">
+              <a:buAutoNum type="arabicPeriod"/>
+            </a:pPr>
+            <a:r>
+              <a:rPr lang="en-US" sz="2800" dirty="0">
+                <a:latin typeface="Arial" panose="020B0604020202020204" pitchFamily="34" charset="0"/>
+                <a:cs typeface="Arial" panose="020B0604020202020204" pitchFamily="34" charset="0"/>
+              </a:rPr>
+              <a:t>Class diagram</a:t>
+            </a:r>
+          </a:p>
+          <a:p>
+            <a:pPr marL="457200" indent="-457200">
+              <a:buAutoNum type="arabicPeriod"/>
+            </a:pPr>
+            <a:endParaRPr lang="en-US" sz="2800" dirty="0">
+              <a:latin typeface="Arial" panose="020B0604020202020204" pitchFamily="34" charset="0"/>
+              <a:cs typeface="Arial" panose="020B0604020202020204" pitchFamily="34" charset="0"/>
+            </a:endParaRPr>
+          </a:p>
+          <a:p>
+            <a:pPr marL="457200" indent="-457200">
+              <a:buAutoNum type="arabicPeriod"/>
+            </a:pPr>
+            <a:r>
+              <a:rPr lang="en-US" sz="2800" dirty="0">
+                <a:latin typeface="Arial" panose="020B0604020202020204" pitchFamily="34" charset="0"/>
+                <a:cs typeface="Arial" panose="020B0604020202020204" pitchFamily="34" charset="0"/>
+              </a:rPr>
+              <a:t>ERD</a:t>
+            </a:r>
+          </a:p>
+          <a:p>
+            <a:pPr marL="457200" indent="-457200">
+              <a:buAutoNum type="arabicPeriod"/>
+            </a:pPr>
+            <a:endParaRPr lang="en-US" dirty="0"/>
+          </a:p>
+        </p:txBody>
+      </p:sp>
     </p:spTree>
     <p:extLst>
       <p:ext uri="{BB962C8B-B14F-4D97-AF65-F5344CB8AC3E}">
-        <p14:creationId xmlns:p14="http://schemas.microsoft.com/office/powerpoint/2010/main" val="1515359564"/>
+        <p14:creationId xmlns:p14="http://schemas.microsoft.com/office/powerpoint/2010/main" val="3029648869"/>
       </p:ext>
     </p:extLst>
   </p:cSld>
@@ -5625,7 +5604,7 @@
           <a:p>
             <a:r>
               <a:rPr lang="en-US" dirty="0"/>
-              <a:t>3. Sequence Diagram</a:t>
+              <a:t>1. Sequence Diagram</a:t>
             </a:r>
           </a:p>
         </p:txBody>
@@ -5660,7 +5639,7 @@
           <a:p>
             <a:r>
               <a:rPr lang="en-US" dirty="0"/>
-              <a:t>3.1. Sequence diagram :</a:t>
+              <a:t>1.1. Sequence diagram :</a:t>
             </a:r>
             <a:r>
               <a:rPr lang="en-US" dirty="0" err="1"/>
@@ -5799,7 +5778,7 @@
           <a:p>
             <a:r>
               <a:rPr lang="en-US" dirty="0"/>
-              <a:t>3. Sequence Diagram</a:t>
+              <a:t>1. Sequence Diagram</a:t>
             </a:r>
           </a:p>
         </p:txBody>
@@ -5834,7 +5813,7 @@
           <a:p>
             <a:r>
               <a:rPr lang="en-US" dirty="0"/>
-              <a:t>3.2. Sequence diagram :</a:t>
+              <a:t>1.2. Sequence diagram :</a:t>
             </a:r>
             <a:r>
               <a:rPr lang="en-US" dirty="0" err="1"/>
@@ -5976,7 +5955,7 @@
           <a:p>
             <a:r>
               <a:rPr lang="en-US" dirty="0"/>
-              <a:t>3. Sequence Diagram</a:t>
+              <a:t>1. Sequence Diagram</a:t>
             </a:r>
           </a:p>
         </p:txBody>
@@ -6011,7 +5990,7 @@
           <a:p>
             <a:r>
               <a:rPr lang="en-US" dirty="0"/>
-              <a:t>3.3. Sequence diagram :Thanh </a:t>
+              <a:t>1.3. Sequence diagram :Thanh </a:t>
             </a:r>
             <a:r>
               <a:rPr lang="en-US" dirty="0" err="1"/>
@@ -6113,7 +6092,7 @@
           <a:p>
             <a:r>
               <a:rPr lang="en-US" dirty="0"/>
-              <a:t>3. Class diagram</a:t>
+              <a:t>2. Class diagram</a:t>
             </a:r>
           </a:p>
         </p:txBody>
@@ -6141,7 +6120,7 @@
           <a:p>
             <a:r>
               <a:rPr lang="en-US" dirty="0"/>
-              <a:t>3.1. </a:t>
+              <a:t>2.1. </a:t>
             </a:r>
             <a:r>
               <a:rPr lang="en-US" dirty="0" err="1"/>
@@ -6894,7 +6873,7 @@
           <a:p>
             <a:r>
               <a:rPr lang="en-US" dirty="0"/>
-              <a:t>3. Class diagram</a:t>
+              <a:t>2. Class diagram</a:t>
             </a:r>
           </a:p>
         </p:txBody>
@@ -6922,7 +6901,7 @@
           <a:p>
             <a:r>
               <a:rPr lang="en-US" dirty="0"/>
-              <a:t>3.2. </a:t>
+              <a:t>2.2. </a:t>
             </a:r>
             <a:r>
               <a:rPr lang="en-US" dirty="0" err="1"/>
@@ -7063,7 +7042,7 @@
           <a:p>
             <a:r>
               <a:rPr lang="en-US" dirty="0"/>
-              <a:t>3. Class diagram</a:t>
+              <a:t>2. Class diagram</a:t>
             </a:r>
           </a:p>
         </p:txBody>
@@ -7091,7 +7070,7 @@
           <a:p>
             <a:r>
               <a:rPr lang="en-US" dirty="0"/>
-              <a:t>3.3. Thanh </a:t>
+              <a:t>2.3. Thanh </a:t>
             </a:r>
             <a:r>
               <a:rPr lang="en-US" dirty="0" err="1"/>
@@ -7192,7 +7171,7 @@
           <a:p>
             <a:r>
               <a:rPr lang="en-US" dirty="0"/>
-              <a:t>3. Class diagram</a:t>
+              <a:t>2. Class diagram</a:t>
             </a:r>
           </a:p>
         </p:txBody>
@@ -7220,7 +7199,7 @@
           <a:p>
             <a:r>
               <a:rPr lang="en-US" dirty="0"/>
-              <a:t>3.3. </a:t>
+              <a:t>2.3. </a:t>
             </a:r>
             <a:r>
               <a:rPr lang="vi-VN" dirty="0"/>
@@ -7260,8 +7239,8 @@
         </p:blipFill>
         <p:spPr>
           <a:xfrm>
-            <a:off x="954381" y="2276475"/>
-            <a:ext cx="7257464" cy="3600450"/>
+            <a:off x="227945" y="2276474"/>
+            <a:ext cx="7983900" cy="3960837"/>
           </a:xfrm>
         </p:spPr>
       </p:pic>
@@ -7318,7 +7297,7 @@
           <a:p>
             <a:r>
               <a:rPr lang="en-US" dirty="0"/>
-              <a:t>4. ERM</a:t>
+              <a:t>3. ERM</a:t>
             </a:r>
           </a:p>
         </p:txBody>
@@ -7538,6 +7517,193 @@
     <p:extLst>
       <p:ext uri="{BB962C8B-B14F-4D97-AF65-F5344CB8AC3E}">
         <p14:creationId xmlns:p14="http://schemas.microsoft.com/office/powerpoint/2010/main" val="2318721089"/>
+      </p:ext>
+    </p:extLst>
+  </p:cSld>
+  <p:clrMapOvr>
+    <a:masterClrMapping/>
+  </p:clrMapOvr>
+</p:sld>
+</file>
+
+<file path=ppt/slides/slide25.xml><?xml version="1.0" encoding="utf-8"?>
+<p:sld xmlns:a="http://schemas.openxmlformats.org/drawingml/2006/main" xmlns:r="http://schemas.openxmlformats.org/officeDocument/2006/relationships" xmlns:p="http://schemas.openxmlformats.org/presentationml/2006/main">
+  <p:cSld>
+    <p:spTree>
+      <p:nvGrpSpPr>
+        <p:cNvPr id="1" name=""/>
+        <p:cNvGrpSpPr/>
+        <p:nvPr/>
+      </p:nvGrpSpPr>
+      <p:grpSpPr>
+        <a:xfrm>
+          <a:off x="0" y="0"/>
+          <a:ext cx="0" cy="0"/>
+          <a:chOff x="0" y="0"/>
+          <a:chExt cx="0" cy="0"/>
+        </a:xfrm>
+      </p:grpSpPr>
+      <p:sp>
+        <p:nvSpPr>
+          <p:cNvPr id="2" name="Title 1">
+            <a:extLst>
+              <a:ext uri="{FF2B5EF4-FFF2-40B4-BE49-F238E27FC236}">
+                <a16:creationId xmlns:a16="http://schemas.microsoft.com/office/drawing/2014/main" id="{D90B7FF3-1EBB-4A4E-895A-A484F481FB4C}"/>
+              </a:ext>
+            </a:extLst>
+          </p:cNvPr>
+          <p:cNvSpPr>
+            <a:spLocks noGrp="1"/>
+          </p:cNvSpPr>
+          <p:nvPr>
+            <p:ph type="title"/>
+          </p:nvPr>
+        </p:nvSpPr>
+        <p:spPr/>
+        <p:txBody>
+          <a:bodyPr/>
+          <a:lstStyle/>
+          <a:p>
+            <a:r>
+              <a:rPr lang="en-US" dirty="0"/>
+              <a:t>IV. </a:t>
+            </a:r>
+            <a:r>
+              <a:rPr lang="en-US" dirty="0" err="1"/>
+              <a:t>Kiểm</a:t>
+            </a:r>
+            <a:r>
+              <a:rPr lang="en-US" dirty="0"/>
+              <a:t> </a:t>
+            </a:r>
+            <a:r>
+              <a:rPr lang="en-US" dirty="0" err="1"/>
+              <a:t>thử</a:t>
+            </a:r>
+            <a:endParaRPr lang="en-US" dirty="0"/>
+          </a:p>
+        </p:txBody>
+      </p:sp>
+      <p:sp>
+        <p:nvSpPr>
+          <p:cNvPr id="3" name="Content Placeholder 2">
+            <a:extLst>
+              <a:ext uri="{FF2B5EF4-FFF2-40B4-BE49-F238E27FC236}">
+                <a16:creationId xmlns:a16="http://schemas.microsoft.com/office/drawing/2014/main" id="{D9516BD3-E0C4-4FC0-B0A5-9776E3568EA8}"/>
+              </a:ext>
+            </a:extLst>
+          </p:cNvPr>
+          <p:cNvSpPr>
+            <a:spLocks noGrp="1"/>
+          </p:cNvSpPr>
+          <p:nvPr>
+            <p:ph idx="1"/>
+          </p:nvPr>
+        </p:nvSpPr>
+        <p:spPr/>
+        <p:txBody>
+          <a:bodyPr/>
+          <a:lstStyle/>
+          <a:p>
+            <a:r>
+              <a:rPr lang="en-US" dirty="0"/>
+              <a:t>IV.2. </a:t>
+            </a:r>
+            <a:r>
+              <a:rPr lang="en-US" dirty="0" err="1"/>
+              <a:t>Tìm</a:t>
+            </a:r>
+            <a:r>
+              <a:rPr lang="en-US" dirty="0"/>
+              <a:t> </a:t>
+            </a:r>
+            <a:r>
+              <a:rPr lang="en-US" dirty="0" err="1"/>
+              <a:t>kiềm</a:t>
+            </a:r>
+            <a:r>
+              <a:rPr lang="en-US" dirty="0"/>
+              <a:t> </a:t>
+            </a:r>
+            <a:r>
+              <a:rPr lang="en-US" dirty="0" err="1"/>
+              <a:t>phòng</a:t>
+            </a:r>
+            <a:r>
+              <a:rPr lang="en-US" dirty="0"/>
+              <a:t> </a:t>
+            </a:r>
+            <a:r>
+              <a:rPr lang="en-US" dirty="0" err="1"/>
+              <a:t>bằng</a:t>
+            </a:r>
+            <a:r>
+              <a:rPr lang="en-US" dirty="0"/>
+              <a:t> </a:t>
+            </a:r>
+            <a:r>
+              <a:rPr lang="en-US" dirty="0" err="1"/>
+              <a:t>thanh</a:t>
+            </a:r>
+            <a:r>
+              <a:rPr lang="en-US" dirty="0"/>
+              <a:t> </a:t>
+            </a:r>
+            <a:r>
+              <a:rPr lang="en-US" dirty="0" err="1"/>
+              <a:t>tìm</a:t>
+            </a:r>
+            <a:r>
+              <a:rPr lang="en-US" dirty="0"/>
+              <a:t> </a:t>
+            </a:r>
+            <a:r>
+              <a:rPr lang="en-US" dirty="0" err="1"/>
+              <a:t>kiếm</a:t>
+            </a:r>
+            <a:r>
+              <a:rPr lang="en-US" dirty="0"/>
+              <a:t> keyword.</a:t>
+            </a:r>
+          </a:p>
+        </p:txBody>
+      </p:sp>
+      <p:pic>
+        <p:nvPicPr>
+          <p:cNvPr id="7" name="Content Placeholder 6">
+            <a:extLst>
+              <a:ext uri="{FF2B5EF4-FFF2-40B4-BE49-F238E27FC236}">
+                <a16:creationId xmlns:a16="http://schemas.microsoft.com/office/drawing/2014/main" id="{61B88862-DB71-429E-8D7F-E0ACBA321A9C}"/>
+              </a:ext>
+            </a:extLst>
+          </p:cNvPr>
+          <p:cNvPicPr>
+            <a:picLocks noGrp="1"/>
+          </p:cNvPicPr>
+          <p:nvPr>
+            <p:ph idx="10"/>
+          </p:nvPr>
+        </p:nvPicPr>
+        <p:blipFill>
+          <a:blip r:embed="rId2"/>
+          <a:stretch>
+            <a:fillRect/>
+          </a:stretch>
+        </p:blipFill>
+        <p:spPr>
+          <a:xfrm>
+            <a:off x="0" y="2044934"/>
+            <a:ext cx="9144000" cy="4672246"/>
+          </a:xfrm>
+          <a:prstGeom prst="rect">
+            <a:avLst/>
+          </a:prstGeom>
+        </p:spPr>
+      </p:pic>
+    </p:spTree>
+    <p:extLst>
+      <p:ext uri="{BB962C8B-B14F-4D97-AF65-F5344CB8AC3E}">
+        <p14:creationId xmlns:p14="http://schemas.microsoft.com/office/powerpoint/2010/main" val="213165840"/>
       </p:ext>
     </p:extLst>
   </p:cSld>

--- a/document_slide/slide.pptx
+++ b/document_slide/slide.pptx
@@ -5489,8 +5489,7 @@
           <a:bodyPr/>
           <a:lstStyle/>
           <a:p>
-            <a:pPr marL="514350" indent="-514350">
-              <a:buFont typeface="+mj-lt"/>
+            <a:pPr marL="457200" indent="-457200">
               <a:buAutoNum type="arabicPeriod"/>
             </a:pPr>
             <a:r>
@@ -5498,7 +5497,7 @@
                 <a:latin typeface="Arial" panose="020B0604020202020204" pitchFamily="34" charset="0"/>
                 <a:cs typeface="Arial" panose="020B0604020202020204" pitchFamily="34" charset="0"/>
               </a:rPr>
-              <a:t>Sequence diagram</a:t>
+              <a:t>Use-case diagram</a:t>
             </a:r>
           </a:p>
           <a:p>
@@ -5519,7 +5518,7 @@
                 <a:latin typeface="Arial" panose="020B0604020202020204" pitchFamily="34" charset="0"/>
                 <a:cs typeface="Arial" panose="020B0604020202020204" pitchFamily="34" charset="0"/>
               </a:rPr>
-              <a:t>Class diagram</a:t>
+              <a:t>Sequence diagram</a:t>
             </a:r>
           </a:p>
           <a:p>
@@ -5540,7 +5539,28 @@
                 <a:latin typeface="Arial" panose="020B0604020202020204" pitchFamily="34" charset="0"/>
                 <a:cs typeface="Arial" panose="020B0604020202020204" pitchFamily="34" charset="0"/>
               </a:rPr>
-              <a:t>ERD</a:t>
+              <a:t>Class diagram</a:t>
+            </a:r>
+          </a:p>
+          <a:p>
+            <a:pPr marL="457200" indent="-457200">
+              <a:buAutoNum type="arabicPeriod"/>
+            </a:pPr>
+            <a:endParaRPr lang="en-US" sz="2800" dirty="0">
+              <a:latin typeface="Arial" panose="020B0604020202020204" pitchFamily="34" charset="0"/>
+              <a:cs typeface="Arial" panose="020B0604020202020204" pitchFamily="34" charset="0"/>
+            </a:endParaRPr>
+          </a:p>
+          <a:p>
+            <a:pPr marL="457200" indent="-457200">
+              <a:buAutoNum type="arabicPeriod"/>
+            </a:pPr>
+            <a:r>
+              <a:rPr lang="en-US" sz="2800" dirty="0">
+                <a:latin typeface="Arial" panose="020B0604020202020204" pitchFamily="34" charset="0"/>
+                <a:cs typeface="Arial" panose="020B0604020202020204" pitchFamily="34" charset="0"/>
+              </a:rPr>
+              <a:t>Database</a:t>
             </a:r>
           </a:p>
           <a:p>
@@ -5604,7 +5624,7 @@
           <a:p>
             <a:r>
               <a:rPr lang="en-US" dirty="0"/>
-              <a:t>1. Sequence Diagram</a:t>
+              <a:t>3. Sequence Diagram</a:t>
             </a:r>
           </a:p>
         </p:txBody>
@@ -5639,7 +5659,7 @@
           <a:p>
             <a:r>
               <a:rPr lang="en-US" dirty="0"/>
-              <a:t>1.1. Sequence diagram :</a:t>
+              <a:t>3.1. Sequence diagram :</a:t>
             </a:r>
             <a:r>
               <a:rPr lang="en-US" dirty="0" err="1"/>
@@ -5778,7 +5798,7 @@
           <a:p>
             <a:r>
               <a:rPr lang="en-US" dirty="0"/>
-              <a:t>1. Sequence Diagram</a:t>
+              <a:t>3. Sequence Diagram</a:t>
             </a:r>
           </a:p>
         </p:txBody>
@@ -5813,7 +5833,7 @@
           <a:p>
             <a:r>
               <a:rPr lang="en-US" dirty="0"/>
-              <a:t>1.2. Sequence diagram :</a:t>
+              <a:t>3.2. Sequence diagram :</a:t>
             </a:r>
             <a:r>
               <a:rPr lang="en-US" dirty="0" err="1"/>
@@ -5955,7 +5975,7 @@
           <a:p>
             <a:r>
               <a:rPr lang="en-US" dirty="0"/>
-              <a:t>1. Sequence Diagram</a:t>
+              <a:t>3. Sequence Diagram</a:t>
             </a:r>
           </a:p>
         </p:txBody>
@@ -5990,7 +6010,7 @@
           <a:p>
             <a:r>
               <a:rPr lang="en-US" dirty="0"/>
-              <a:t>1.3. Sequence diagram :Thanh </a:t>
+              <a:t>3.3. Sequence diagram :Thanh </a:t>
             </a:r>
             <a:r>
               <a:rPr lang="en-US" dirty="0" err="1"/>
@@ -6092,7 +6112,7 @@
           <a:p>
             <a:r>
               <a:rPr lang="en-US" dirty="0"/>
-              <a:t>2. Class diagram</a:t>
+              <a:t>4. Class diagram</a:t>
             </a:r>
           </a:p>
         </p:txBody>
@@ -6120,7 +6140,7 @@
           <a:p>
             <a:r>
               <a:rPr lang="en-US" dirty="0"/>
-              <a:t>2.1. </a:t>
+              <a:t>4.1. </a:t>
             </a:r>
             <a:r>
               <a:rPr lang="en-US" dirty="0" err="1"/>
@@ -6873,7 +6893,7 @@
           <a:p>
             <a:r>
               <a:rPr lang="en-US" dirty="0"/>
-              <a:t>2. Class diagram</a:t>
+              <a:t>4. Class diagram</a:t>
             </a:r>
           </a:p>
         </p:txBody>
@@ -6901,7 +6921,7 @@
           <a:p>
             <a:r>
               <a:rPr lang="en-US" dirty="0"/>
-              <a:t>2.2. </a:t>
+              <a:t>4.2. </a:t>
             </a:r>
             <a:r>
               <a:rPr lang="en-US" dirty="0" err="1"/>
@@ -7042,7 +7062,7 @@
           <a:p>
             <a:r>
               <a:rPr lang="en-US" dirty="0"/>
-              <a:t>2. Class diagram</a:t>
+              <a:t>4. Class diagram</a:t>
             </a:r>
           </a:p>
         </p:txBody>
@@ -7070,7 +7090,7 @@
           <a:p>
             <a:r>
               <a:rPr lang="en-US" dirty="0"/>
-              <a:t>2.3. Thanh </a:t>
+              <a:t>4.3. Thanh </a:t>
             </a:r>
             <a:r>
               <a:rPr lang="en-US" dirty="0" err="1"/>
@@ -7171,7 +7191,7 @@
           <a:p>
             <a:r>
               <a:rPr lang="en-US" dirty="0"/>
-              <a:t>2. Class diagram</a:t>
+              <a:t>4. Class diagram</a:t>
             </a:r>
           </a:p>
         </p:txBody>
@@ -7199,7 +7219,7 @@
           <a:p>
             <a:r>
               <a:rPr lang="en-US" dirty="0"/>
-              <a:t>2.3. </a:t>
+              <a:t>4.3. </a:t>
             </a:r>
             <a:r>
               <a:rPr lang="vi-VN" dirty="0"/>
@@ -7297,7 +7317,7 @@
           <a:p>
             <a:r>
               <a:rPr lang="en-US" dirty="0"/>
-              <a:t>3. ERM</a:t>
+              <a:t>4. ERM</a:t>
             </a:r>
           </a:p>
         </p:txBody>

--- a/document_slide/slide.pptx
+++ b/document_slide/slide.pptx
@@ -233,7 +233,7 @@
           <a:p>
             <a:fld id="{5F609D4A-8C95-4084-B08B-187B018FD4CB}" type="datetimeFigureOut">
               <a:rPr lang="en-US" smtClean="0"/>
-              <a:t>8/22/2021</a:t>
+              <a:t>8/25/2021</a:t>
             </a:fld>
             <a:endParaRPr lang="en-US"/>
           </a:p>
@@ -1042,7 +1042,7 @@
           <a:p>
             <a:fld id="{18DCCD61-643D-44A5-A450-3A42A50CBC1E}" type="datetimeFigureOut">
               <a:rPr lang="en-US" smtClean="0"/>
-              <a:t>8/22/2021</a:t>
+              <a:t>8/25/2021</a:t>
             </a:fld>
             <a:endParaRPr lang="en-US"/>
           </a:p>
@@ -1317,7 +1317,7 @@
           <a:p>
             <a:fld id="{18DCCD61-643D-44A5-A450-3A42A50CBC1E}" type="datetimeFigureOut">
               <a:rPr lang="en-US" smtClean="0"/>
-              <a:t>8/22/2021</a:t>
+              <a:t>8/25/2021</a:t>
             </a:fld>
             <a:endParaRPr lang="en-US"/>
           </a:p>
@@ -1569,7 +1569,7 @@
           <a:p>
             <a:fld id="{18DCCD61-643D-44A5-A450-3A42A50CBC1E}" type="datetimeFigureOut">
               <a:rPr lang="en-US" smtClean="0"/>
-              <a:t>8/22/2021</a:t>
+              <a:t>8/25/2021</a:t>
             </a:fld>
             <a:endParaRPr lang="en-US"/>
           </a:p>
@@ -1737,7 +1737,7 @@
           <a:p>
             <a:fld id="{18DCCD61-643D-44A5-A450-3A42A50CBC1E}" type="datetimeFigureOut">
               <a:rPr lang="en-US" smtClean="0"/>
-              <a:t>8/22/2021</a:t>
+              <a:t>8/25/2021</a:t>
             </a:fld>
             <a:endParaRPr lang="en-US"/>
           </a:p>
@@ -1915,7 +1915,7 @@
           <a:p>
             <a:fld id="{18DCCD61-643D-44A5-A450-3A42A50CBC1E}" type="datetimeFigureOut">
               <a:rPr lang="en-US" smtClean="0"/>
-              <a:t>8/22/2021</a:t>
+              <a:t>8/25/2021</a:t>
             </a:fld>
             <a:endParaRPr lang="en-US"/>
           </a:p>
@@ -2503,7 +2503,7 @@
           <a:p>
             <a:fld id="{18DCCD61-643D-44A5-A450-3A42A50CBC1E}" type="datetimeFigureOut">
               <a:rPr lang="en-US" smtClean="0"/>
-              <a:t>8/22/2021</a:t>
+              <a:t>8/25/2021</a:t>
             </a:fld>
             <a:endParaRPr lang="en-US"/>
           </a:p>
@@ -2671,7 +2671,7 @@
           <a:p>
             <a:fld id="{18DCCD61-643D-44A5-A450-3A42A50CBC1E}" type="datetimeFigureOut">
               <a:rPr lang="en-US" smtClean="0"/>
-              <a:t>8/22/2021</a:t>
+              <a:t>8/25/2021</a:t>
             </a:fld>
             <a:endParaRPr lang="en-US"/>
           </a:p>
@@ -2916,7 +2916,7 @@
           <a:p>
             <a:fld id="{18DCCD61-643D-44A5-A450-3A42A50CBC1E}" type="datetimeFigureOut">
               <a:rPr lang="en-US" smtClean="0"/>
-              <a:t>8/22/2021</a:t>
+              <a:t>8/25/2021</a:t>
             </a:fld>
             <a:endParaRPr lang="en-US"/>
           </a:p>
@@ -3201,7 +3201,7 @@
           <a:p>
             <a:fld id="{18DCCD61-643D-44A5-A450-3A42A50CBC1E}" type="datetimeFigureOut">
               <a:rPr lang="en-US" smtClean="0"/>
-              <a:t>8/22/2021</a:t>
+              <a:t>8/25/2021</a:t>
             </a:fld>
             <a:endParaRPr lang="en-US"/>
           </a:p>
@@ -3620,7 +3620,7 @@
           <a:p>
             <a:fld id="{18DCCD61-643D-44A5-A450-3A42A50CBC1E}" type="datetimeFigureOut">
               <a:rPr lang="en-US" smtClean="0"/>
-              <a:t>8/22/2021</a:t>
+              <a:t>8/25/2021</a:t>
             </a:fld>
             <a:endParaRPr lang="en-US"/>
           </a:p>
@@ -3737,7 +3737,7 @@
           <a:p>
             <a:fld id="{18DCCD61-643D-44A5-A450-3A42A50CBC1E}" type="datetimeFigureOut">
               <a:rPr lang="en-US" smtClean="0"/>
-              <a:t>8/22/2021</a:t>
+              <a:t>8/25/2021</a:t>
             </a:fld>
             <a:endParaRPr lang="en-US"/>
           </a:p>
@@ -4239,7 +4239,7 @@
           <a:p>
             <a:fld id="{18DCCD61-643D-44A5-A450-3A42A50CBC1E}" type="datetimeFigureOut">
               <a:rPr lang="en-US" smtClean="0"/>
-              <a:t>8/22/2021</a:t>
+              <a:t>8/25/2021</a:t>
             </a:fld>
             <a:endParaRPr lang="en-US"/>
           </a:p>
@@ -5711,10 +5711,10 @@
       </p:sp>
       <p:pic>
         <p:nvPicPr>
-          <p:cNvPr id="6" name="Picture 5">
+          <p:cNvPr id="4" name="Picture 3">
             <a:extLst>
               <a:ext uri="{FF2B5EF4-FFF2-40B4-BE49-F238E27FC236}">
-                <a16:creationId xmlns:a16="http://schemas.microsoft.com/office/drawing/2014/main" id="{ED43C171-A7EC-47C8-A15B-17C6A0ACE9AE}"/>
+                <a16:creationId xmlns:a16="http://schemas.microsoft.com/office/drawing/2014/main" id="{6E855F13-9295-4FFA-A5A2-7EF406910C6E}"/>
               </a:ext>
             </a:extLst>
           </p:cNvPr>
@@ -5737,8 +5737,8 @@
         </p:blipFill>
         <p:spPr>
           <a:xfrm>
-            <a:off x="-26978" y="2204864"/>
-            <a:ext cx="9144000" cy="2987951"/>
+            <a:off x="10345" y="2172267"/>
+            <a:ext cx="9144000" cy="3128941"/>
           </a:xfrm>
           <a:prstGeom prst="rect">
             <a:avLst/>
@@ -5888,10 +5888,10 @@
       </p:sp>
       <p:pic>
         <p:nvPicPr>
-          <p:cNvPr id="4" name="Picture 3">
+          <p:cNvPr id="8" name="Picture 7">
             <a:extLst>
               <a:ext uri="{FF2B5EF4-FFF2-40B4-BE49-F238E27FC236}">
-                <a16:creationId xmlns:a16="http://schemas.microsoft.com/office/drawing/2014/main" id="{392EB77A-FFA4-40E5-B321-749DF1CEBA0C}"/>
+                <a16:creationId xmlns:a16="http://schemas.microsoft.com/office/drawing/2014/main" id="{546AC748-2206-46AF-8666-C31AE005C394}"/>
               </a:ext>
             </a:extLst>
           </p:cNvPr>
@@ -5914,8 +5914,8 @@
         </p:blipFill>
         <p:spPr>
           <a:xfrm>
-            <a:off x="0" y="2060848"/>
-            <a:ext cx="9144000" cy="3961522"/>
+            <a:off x="-812" y="1988840"/>
+            <a:ext cx="9144000" cy="4577074"/>
           </a:xfrm>
           <a:prstGeom prst="rect">
             <a:avLst/>

--- a/document_slide/slide.pptx
+++ b/document_slide/slide.pptx
@@ -6,7 +6,7 @@
     <p:sldMasterId id="2147483661" r:id="rId2"/>
   </p:sldMasterIdLst>
   <p:notesMasterIdLst>
-    <p:notesMasterId r:id="rId28"/>
+    <p:notesMasterId r:id="rId29"/>
   </p:notesMasterIdLst>
   <p:sldIdLst>
     <p:sldId id="256" r:id="rId3"/>
@@ -34,6 +34,7 @@
     <p:sldId id="276" r:id="rId25"/>
     <p:sldId id="286" r:id="rId26"/>
     <p:sldId id="288" r:id="rId27"/>
+    <p:sldId id="289" r:id="rId28"/>
   </p:sldIdLst>
   <p:sldSz cx="9144000" cy="6858000" type="screen4x3"/>
   <p:notesSz cx="6858000" cy="9144000"/>
@@ -7724,6 +7725,148 @@
     <p:extLst>
       <p:ext uri="{BB962C8B-B14F-4D97-AF65-F5344CB8AC3E}">
         <p14:creationId xmlns:p14="http://schemas.microsoft.com/office/powerpoint/2010/main" val="213165840"/>
+      </p:ext>
+    </p:extLst>
+  </p:cSld>
+  <p:clrMapOvr>
+    <a:masterClrMapping/>
+  </p:clrMapOvr>
+</p:sld>
+</file>
+
+<file path=ppt/slides/slide26.xml><?xml version="1.0" encoding="utf-8"?>
+<p:sld xmlns:a="http://schemas.openxmlformats.org/drawingml/2006/main" xmlns:r="http://schemas.openxmlformats.org/officeDocument/2006/relationships" xmlns:p="http://schemas.openxmlformats.org/presentationml/2006/main">
+  <p:cSld>
+    <p:spTree>
+      <p:nvGrpSpPr>
+        <p:cNvPr id="1" name=""/>
+        <p:cNvGrpSpPr/>
+        <p:nvPr/>
+      </p:nvGrpSpPr>
+      <p:grpSpPr>
+        <a:xfrm>
+          <a:off x="0" y="0"/>
+          <a:ext cx="0" cy="0"/>
+          <a:chOff x="0" y="0"/>
+          <a:chExt cx="0" cy="0"/>
+        </a:xfrm>
+      </p:grpSpPr>
+      <p:sp>
+        <p:nvSpPr>
+          <p:cNvPr id="2" name="Title 1">
+            <a:extLst>
+              <a:ext uri="{FF2B5EF4-FFF2-40B4-BE49-F238E27FC236}">
+                <a16:creationId xmlns:a16="http://schemas.microsoft.com/office/drawing/2014/main" id="{D90B7FF3-1EBB-4A4E-895A-A484F481FB4C}"/>
+              </a:ext>
+            </a:extLst>
+          </p:cNvPr>
+          <p:cNvSpPr>
+            <a:spLocks noGrp="1"/>
+          </p:cNvSpPr>
+          <p:nvPr>
+            <p:ph type="title"/>
+          </p:nvPr>
+        </p:nvSpPr>
+        <p:spPr/>
+        <p:txBody>
+          <a:bodyPr/>
+          <a:lstStyle/>
+          <a:p>
+            <a:r>
+              <a:rPr lang="en-US" dirty="0"/>
+              <a:t>IV. </a:t>
+            </a:r>
+            <a:r>
+              <a:rPr lang="en-US" dirty="0" err="1"/>
+              <a:t>Kiểm</a:t>
+            </a:r>
+            <a:r>
+              <a:rPr lang="en-US" dirty="0"/>
+              <a:t> </a:t>
+            </a:r>
+            <a:r>
+              <a:rPr lang="en-US" dirty="0" err="1"/>
+              <a:t>thử</a:t>
+            </a:r>
+            <a:endParaRPr lang="en-US" dirty="0"/>
+          </a:p>
+        </p:txBody>
+      </p:sp>
+      <p:sp>
+        <p:nvSpPr>
+          <p:cNvPr id="3" name="Content Placeholder 2">
+            <a:extLst>
+              <a:ext uri="{FF2B5EF4-FFF2-40B4-BE49-F238E27FC236}">
+                <a16:creationId xmlns:a16="http://schemas.microsoft.com/office/drawing/2014/main" id="{D9516BD3-E0C4-4FC0-B0A5-9776E3568EA8}"/>
+              </a:ext>
+            </a:extLst>
+          </p:cNvPr>
+          <p:cNvSpPr>
+            <a:spLocks noGrp="1"/>
+          </p:cNvSpPr>
+          <p:nvPr>
+            <p:ph idx="1"/>
+          </p:nvPr>
+        </p:nvSpPr>
+        <p:spPr/>
+        <p:txBody>
+          <a:bodyPr/>
+          <a:lstStyle/>
+          <a:p>
+            <a:r>
+              <a:rPr lang="en-US" dirty="0"/>
+              <a:t>IV.3. Thanh </a:t>
+            </a:r>
+            <a:r>
+              <a:rPr lang="en-US" dirty="0" err="1"/>
+              <a:t>toán</a:t>
+            </a:r>
+            <a:r>
+              <a:rPr lang="en-US" dirty="0"/>
+              <a:t>.</a:t>
+            </a:r>
+          </a:p>
+        </p:txBody>
+      </p:sp>
+      <p:pic>
+        <p:nvPicPr>
+          <p:cNvPr id="8" name="Content Placeholder 7">
+            <a:extLst>
+              <a:ext uri="{FF2B5EF4-FFF2-40B4-BE49-F238E27FC236}">
+                <a16:creationId xmlns:a16="http://schemas.microsoft.com/office/drawing/2014/main" id="{B9866964-BE74-4B2E-86D5-362620AE6F22}"/>
+              </a:ext>
+            </a:extLst>
+          </p:cNvPr>
+          <p:cNvPicPr>
+            <a:picLocks noGrp="1" noChangeAspect="1"/>
+          </p:cNvPicPr>
+          <p:nvPr>
+            <p:ph idx="10"/>
+          </p:nvPr>
+        </p:nvPicPr>
+        <p:blipFill>
+          <a:blip r:embed="rId2">
+            <a:extLst>
+              <a:ext uri="{28A0092B-C50C-407E-A947-70E740481C1C}">
+                <a14:useLocalDpi xmlns:a14="http://schemas.microsoft.com/office/drawing/2010/main" val="0"/>
+              </a:ext>
+            </a:extLst>
+          </a:blip>
+          <a:stretch>
+            <a:fillRect/>
+          </a:stretch>
+        </p:blipFill>
+        <p:spPr>
+          <a:xfrm>
+            <a:off x="1" y="2914492"/>
+            <a:ext cx="9144000" cy="982361"/>
+          </a:xfrm>
+        </p:spPr>
+      </p:pic>
+    </p:spTree>
+    <p:extLst>
+      <p:ext uri="{BB962C8B-B14F-4D97-AF65-F5344CB8AC3E}">
+        <p14:creationId xmlns:p14="http://schemas.microsoft.com/office/powerpoint/2010/main" val="4133631737"/>
       </p:ext>
     </p:extLst>
   </p:cSld>
